--- a/Power Point/final.pptx
+++ b/Power Point/final.pptx
@@ -6,7 +6,7 @@
     <p:sldMasterId id="2147483660" r:id="rId2"/>
   </p:sldMasterIdLst>
   <p:notesMasterIdLst>
-    <p:notesMasterId r:id="rId15"/>
+    <p:notesMasterId r:id="rId17"/>
   </p:notesMasterIdLst>
   <p:sldIdLst>
     <p:sldId id="256" r:id="rId3"/>
@@ -20,7 +20,9 @@
     <p:sldId id="302" r:id="rId11"/>
     <p:sldId id="303" r:id="rId12"/>
     <p:sldId id="327" r:id="rId13"/>
-    <p:sldId id="326" r:id="rId14"/>
+    <p:sldId id="334" r:id="rId14"/>
+    <p:sldId id="331" r:id="rId15"/>
+    <p:sldId id="326" r:id="rId16"/>
   </p:sldIdLst>
   <p:sldSz cx="12192000" cy="6858000"/>
   <p:notesSz cx="6858000" cy="9144000"/>
@@ -996,7 +998,7 @@
           <a:p>
             <a:fld id="{14B763C8-2B43-4EF8-96C7-866FEE2CE356}" type="datetimeFigureOut">
               <a:rPr lang="de-DE" smtClean="0"/>
-              <a:t>01.07.2018</a:t>
+              <a:t>02.07.2018</a:t>
             </a:fld>
             <a:endParaRPr lang="de-DE"/>
           </a:p>
@@ -1410,7 +1412,7 @@
           <a:p>
             <a:fld id="{B93D8C30-FBE7-491E-9FDE-3062E4336643}" type="datetimeFigureOut">
               <a:rPr lang="de-DE" smtClean="0"/>
-              <a:t>01.07.2018</a:t>
+              <a:t>02.07.2018</a:t>
             </a:fld>
             <a:endParaRPr lang="de-DE"/>
           </a:p>
@@ -1608,7 +1610,7 @@
           <a:p>
             <a:fld id="{B93D8C30-FBE7-491E-9FDE-3062E4336643}" type="datetimeFigureOut">
               <a:rPr lang="de-DE" smtClean="0"/>
-              <a:t>01.07.2018</a:t>
+              <a:t>02.07.2018</a:t>
             </a:fld>
             <a:endParaRPr lang="de-DE"/>
           </a:p>
@@ -1816,7 +1818,7 @@
           <a:p>
             <a:fld id="{B93D8C30-FBE7-491E-9FDE-3062E4336643}" type="datetimeFigureOut">
               <a:rPr lang="de-DE" smtClean="0"/>
-              <a:t>01.07.2018</a:t>
+              <a:t>02.07.2018</a:t>
             </a:fld>
             <a:endParaRPr lang="de-DE"/>
           </a:p>
@@ -2050,7 +2052,7 @@
             <a:pPr rtl="0"/>
             <a:fld id="{248B4201-8B90-4FE4-B476-4FFDD434EB03}" type="datetime1">
               <a:rPr lang="de-DE" noProof="0" smtClean="0"/>
-              <a:t>01.07.2018</a:t>
+              <a:t>02.07.2018</a:t>
             </a:fld>
             <a:endParaRPr lang="de-DE" noProof="0" dirty="0"/>
           </a:p>
@@ -2251,7 +2253,7 @@
             <a:pPr rtl="0"/>
             <a:fld id="{517810AC-902E-4DEC-99E7-60A182C16A2C}" type="datetime1">
               <a:rPr lang="de-DE" noProof="0" smtClean="0"/>
-              <a:t>01.07.2018</a:t>
+              <a:t>02.07.2018</a:t>
             </a:fld>
             <a:endParaRPr lang="de-DE" noProof="0" dirty="0"/>
           </a:p>
@@ -2746,7 +2748,7 @@
             <a:pPr rtl="0"/>
             <a:fld id="{AAF596EA-2D4F-4E91-B75F-445352B00BF6}" type="datetime1">
               <a:rPr lang="de-DE" noProof="0" smtClean="0"/>
-              <a:t>01.07.2018</a:t>
+              <a:t>02.07.2018</a:t>
             </a:fld>
             <a:endParaRPr lang="de-DE" noProof="0" dirty="0"/>
           </a:p>
@@ -3189,7 +3191,7 @@
             <a:pPr rtl="0"/>
             <a:fld id="{043C7498-DE73-40BA-8259-7A61304B4A11}" type="datetime1">
               <a:rPr lang="de-DE" noProof="0" smtClean="0"/>
-              <a:t>01.07.2018</a:t>
+              <a:t>02.07.2018</a:t>
             </a:fld>
             <a:endParaRPr lang="de-DE" noProof="0" dirty="0"/>
           </a:p>
@@ -3326,7 +3328,7 @@
             <a:pPr rtl="0"/>
             <a:fld id="{D50BC0BE-60D6-475F-BA14-B2ADC57A2245}" type="datetime1">
               <a:rPr lang="de-DE" noProof="0" smtClean="0"/>
-              <a:t>01.07.2018</a:t>
+              <a:t>02.07.2018</a:t>
             </a:fld>
             <a:endParaRPr lang="de-DE" noProof="0" dirty="0"/>
           </a:p>
@@ -3439,7 +3441,7 @@
             <a:pPr rtl="0"/>
             <a:fld id="{A55A9D48-82C4-43D5-9652-C28047CA9FAA}" type="datetime1">
               <a:rPr lang="de-DE" noProof="0" smtClean="0"/>
-              <a:t>01.07.2018</a:t>
+              <a:t>02.07.2018</a:t>
             </a:fld>
             <a:endParaRPr lang="de-DE" noProof="0" dirty="0"/>
           </a:p>
@@ -3758,7 +3760,7 @@
             <a:pPr rtl="0"/>
             <a:fld id="{E63A1BB5-EA83-4F89-9699-AAA010E19188}" type="datetime1">
               <a:rPr lang="de-DE" noProof="0" smtClean="0"/>
-              <a:t>01.07.2018</a:t>
+              <a:t>02.07.2018</a:t>
             </a:fld>
             <a:endParaRPr lang="de-DE" noProof="0" dirty="0"/>
           </a:p>
@@ -3961,7 +3963,7 @@
           <a:p>
             <a:fld id="{B93D8C30-FBE7-491E-9FDE-3062E4336643}" type="datetimeFigureOut">
               <a:rPr lang="de-DE" smtClean="0"/>
-              <a:t>01.07.2018</a:t>
+              <a:t>02.07.2018</a:t>
             </a:fld>
             <a:endParaRPr lang="de-DE"/>
           </a:p>
@@ -4427,7 +4429,7 @@
             <a:pPr rtl="0"/>
             <a:fld id="{D1CFBF31-2E67-4300-8101-A0ED991CFD6C}" type="datetime1">
               <a:rPr lang="de-DE" noProof="0" smtClean="0"/>
-              <a:t>01.07.2018</a:t>
+              <a:t>02.07.2018</a:t>
             </a:fld>
             <a:endParaRPr lang="de-DE" noProof="0" dirty="0"/>
           </a:p>
@@ -4630,7 +4632,7 @@
             <a:pPr rtl="0"/>
             <a:fld id="{045F7D65-2C86-423A-B61F-8093B607745C}" type="datetime1">
               <a:rPr lang="de-DE" noProof="0" smtClean="0"/>
-              <a:t>01.07.2018</a:t>
+              <a:t>02.07.2018</a:t>
             </a:fld>
             <a:endParaRPr lang="de-DE" noProof="0" dirty="0"/>
           </a:p>
@@ -4910,7 +4912,7 @@
           <a:p>
             <a:fld id="{B93D8C30-FBE7-491E-9FDE-3062E4336643}" type="datetimeFigureOut">
               <a:rPr lang="de-DE" smtClean="0"/>
-              <a:t>01.07.2018</a:t>
+              <a:t>02.07.2018</a:t>
             </a:fld>
             <a:endParaRPr lang="de-DE"/>
           </a:p>
@@ -5175,7 +5177,7 @@
           <a:p>
             <a:fld id="{B93D8C30-FBE7-491E-9FDE-3062E4336643}" type="datetimeFigureOut">
               <a:rPr lang="de-DE" smtClean="0"/>
-              <a:t>01.07.2018</a:t>
+              <a:t>02.07.2018</a:t>
             </a:fld>
             <a:endParaRPr lang="de-DE"/>
           </a:p>
@@ -5587,7 +5589,7 @@
           <a:p>
             <a:fld id="{B93D8C30-FBE7-491E-9FDE-3062E4336643}" type="datetimeFigureOut">
               <a:rPr lang="de-DE" smtClean="0"/>
-              <a:t>01.07.2018</a:t>
+              <a:t>02.07.2018</a:t>
             </a:fld>
             <a:endParaRPr lang="de-DE"/>
           </a:p>
@@ -5728,7 +5730,7 @@
           <a:p>
             <a:fld id="{B93D8C30-FBE7-491E-9FDE-3062E4336643}" type="datetimeFigureOut">
               <a:rPr lang="de-DE" smtClean="0"/>
-              <a:t>01.07.2018</a:t>
+              <a:t>02.07.2018</a:t>
             </a:fld>
             <a:endParaRPr lang="de-DE"/>
           </a:p>
@@ -5841,7 +5843,7 @@
           <a:p>
             <a:fld id="{B93D8C30-FBE7-491E-9FDE-3062E4336643}" type="datetimeFigureOut">
               <a:rPr lang="de-DE" smtClean="0"/>
-              <a:t>01.07.2018</a:t>
+              <a:t>02.07.2018</a:t>
             </a:fld>
             <a:endParaRPr lang="de-DE"/>
           </a:p>
@@ -6152,7 +6154,7 @@
           <a:p>
             <a:fld id="{B93D8C30-FBE7-491E-9FDE-3062E4336643}" type="datetimeFigureOut">
               <a:rPr lang="de-DE" smtClean="0"/>
-              <a:t>01.07.2018</a:t>
+              <a:t>02.07.2018</a:t>
             </a:fld>
             <a:endParaRPr lang="de-DE"/>
           </a:p>
@@ -6440,7 +6442,7 @@
           <a:p>
             <a:fld id="{B93D8C30-FBE7-491E-9FDE-3062E4336643}" type="datetimeFigureOut">
               <a:rPr lang="de-DE" smtClean="0"/>
-              <a:t>01.07.2018</a:t>
+              <a:t>02.07.2018</a:t>
             </a:fld>
             <a:endParaRPr lang="de-DE"/>
           </a:p>
@@ -6681,7 +6683,7 @@
           <a:p>
             <a:fld id="{B93D8C30-FBE7-491E-9FDE-3062E4336643}" type="datetimeFigureOut">
               <a:rPr lang="de-DE" smtClean="0"/>
-              <a:t>01.07.2018</a:t>
+              <a:t>02.07.2018</a:t>
             </a:fld>
             <a:endParaRPr lang="de-DE"/>
           </a:p>
@@ -7243,7 +7245,7 @@
             <a:pPr rtl="0"/>
             <a:fld id="{4FD62CBB-C65F-4197-AAF7-F362E3DD9BD2}" type="datetime1">
               <a:rPr lang="de-DE" noProof="0" smtClean="0"/>
-              <a:t>01.07.2018</a:t>
+              <a:t>02.07.2018</a:t>
             </a:fld>
             <a:endParaRPr lang="de-DE" noProof="0" dirty="0"/>
           </a:p>
@@ -8407,6 +8409,431 @@
 </file>
 
 <file path=ppt/slides/slide12.xml><?xml version="1.0" encoding="utf-8"?>
+<p:sld xmlns:a="http://schemas.openxmlformats.org/drawingml/2006/main" xmlns:r="http://schemas.openxmlformats.org/officeDocument/2006/relationships" xmlns:p="http://schemas.openxmlformats.org/presentationml/2006/main">
+  <p:cSld>
+    <p:spTree>
+      <p:nvGrpSpPr>
+        <p:cNvPr id="1" name=""/>
+        <p:cNvGrpSpPr/>
+        <p:nvPr/>
+      </p:nvGrpSpPr>
+      <p:grpSpPr>
+        <a:xfrm>
+          <a:off x="0" y="0"/>
+          <a:ext cx="0" cy="0"/>
+          <a:chOff x="0" y="0"/>
+          <a:chExt cx="0" cy="0"/>
+        </a:xfrm>
+      </p:grpSpPr>
+      <p:sp>
+        <p:nvSpPr>
+          <p:cNvPr id="2" name="Titel 1">
+            <a:extLst>
+              <a:ext uri="{FF2B5EF4-FFF2-40B4-BE49-F238E27FC236}">
+                <a16:creationId xmlns:a16="http://schemas.microsoft.com/office/drawing/2014/main" id="{510A3E52-E997-4BF8-B89F-E27C0209F5A2}"/>
+              </a:ext>
+            </a:extLst>
+          </p:cNvPr>
+          <p:cNvSpPr>
+            <a:spLocks noGrp="1"/>
+          </p:cNvSpPr>
+          <p:nvPr>
+            <p:ph type="ctrTitle"/>
+          </p:nvPr>
+        </p:nvSpPr>
+        <p:spPr>
+          <a:xfrm>
+            <a:off x="1524000" y="1122363"/>
+            <a:ext cx="9144000" cy="2387600"/>
+          </a:xfrm>
+        </p:spPr>
+        <p:txBody>
+          <a:bodyPr/>
+          <a:lstStyle/>
+          <a:p>
+            <a:r>
+              <a:rPr lang="de-DE" dirty="0"/>
+              <a:t>Bewertung des Projektmanagements</a:t>
+            </a:r>
+          </a:p>
+        </p:txBody>
+      </p:sp>
+      <p:pic>
+        <p:nvPicPr>
+          <p:cNvPr id="5" name="Grafik 4">
+            <a:extLst>
+              <a:ext uri="{FF2B5EF4-FFF2-40B4-BE49-F238E27FC236}">
+                <a16:creationId xmlns:a16="http://schemas.microsoft.com/office/drawing/2014/main" id="{B7E16C27-D378-4829-A890-B1E9782FCB2F}"/>
+              </a:ext>
+            </a:extLst>
+          </p:cNvPr>
+          <p:cNvPicPr>
+            <a:picLocks noChangeAspect="1"/>
+          </p:cNvPicPr>
+          <p:nvPr/>
+        </p:nvPicPr>
+        <p:blipFill>
+          <a:blip r:embed="rId2">
+            <a:extLst>
+              <a:ext uri="{28A0092B-C50C-407E-A947-70E740481C1C}">
+                <a14:useLocalDpi xmlns:a14="http://schemas.microsoft.com/office/drawing/2010/main" val="0"/>
+              </a:ext>
+            </a:extLst>
+          </a:blip>
+          <a:stretch>
+            <a:fillRect/>
+          </a:stretch>
+        </p:blipFill>
+        <p:spPr>
+          <a:xfrm>
+            <a:off x="0" y="0"/>
+            <a:ext cx="17967158" cy="533400"/>
+          </a:xfrm>
+          <a:prstGeom prst="rect">
+            <a:avLst/>
+          </a:prstGeom>
+        </p:spPr>
+      </p:pic>
+      <p:pic>
+        <p:nvPicPr>
+          <p:cNvPr id="7" name="Grafik 6">
+            <a:extLst>
+              <a:ext uri="{FF2B5EF4-FFF2-40B4-BE49-F238E27FC236}">
+                <a16:creationId xmlns:a16="http://schemas.microsoft.com/office/drawing/2014/main" id="{D69E3AB2-FDF1-4CE2-9130-48554F747CE8}"/>
+              </a:ext>
+            </a:extLst>
+          </p:cNvPr>
+          <p:cNvPicPr>
+            <a:picLocks noChangeAspect="1"/>
+          </p:cNvPicPr>
+          <p:nvPr/>
+        </p:nvPicPr>
+        <p:blipFill>
+          <a:blip r:embed="rId3">
+            <a:extLst>
+              <a:ext uri="{28A0092B-C50C-407E-A947-70E740481C1C}">
+                <a14:useLocalDpi xmlns:a14="http://schemas.microsoft.com/office/drawing/2010/main" val="0"/>
+              </a:ext>
+            </a:extLst>
+          </a:blip>
+          <a:stretch>
+            <a:fillRect/>
+          </a:stretch>
+        </p:blipFill>
+        <p:spPr>
+          <a:xfrm>
+            <a:off x="-5202027" y="5962249"/>
+            <a:ext cx="17394027" cy="895751"/>
+          </a:xfrm>
+          <a:prstGeom prst="rect">
+            <a:avLst/>
+          </a:prstGeom>
+        </p:spPr>
+      </p:pic>
+      <p:pic>
+        <p:nvPicPr>
+          <p:cNvPr id="13" name="Grafik 12">
+            <a:extLst>
+              <a:ext uri="{FF2B5EF4-FFF2-40B4-BE49-F238E27FC236}">
+                <a16:creationId xmlns:a16="http://schemas.microsoft.com/office/drawing/2014/main" id="{3F15EF38-607C-4029-BB9B-6A63B2AFF21A}"/>
+              </a:ext>
+            </a:extLst>
+          </p:cNvPr>
+          <p:cNvPicPr>
+            <a:picLocks noChangeAspect="1"/>
+          </p:cNvPicPr>
+          <p:nvPr/>
+        </p:nvPicPr>
+        <p:blipFill>
+          <a:blip r:embed="rId4">
+            <a:extLst>
+              <a:ext uri="{28A0092B-C50C-407E-A947-70E740481C1C}">
+                <a14:useLocalDpi xmlns:a14="http://schemas.microsoft.com/office/drawing/2010/main" val="0"/>
+              </a:ext>
+            </a:extLst>
+          </a:blip>
+          <a:stretch>
+            <a:fillRect/>
+          </a:stretch>
+        </p:blipFill>
+        <p:spPr>
+          <a:xfrm>
+            <a:off x="1247555" y="6410124"/>
+            <a:ext cx="4738488" cy="358976"/>
+          </a:xfrm>
+          <a:prstGeom prst="rect">
+            <a:avLst/>
+          </a:prstGeom>
+        </p:spPr>
+      </p:pic>
+    </p:spTree>
+    <p:extLst>
+      <p:ext uri="{BB962C8B-B14F-4D97-AF65-F5344CB8AC3E}">
+        <p14:creationId xmlns:p14="http://schemas.microsoft.com/office/powerpoint/2010/main" val="2736227390"/>
+      </p:ext>
+    </p:extLst>
+  </p:cSld>
+  <p:clrMapOvr>
+    <a:masterClrMapping/>
+  </p:clrMapOvr>
+  <p:transition spd="slow">
+    <p:push dir="u"/>
+  </p:transition>
+</p:sld>
+</file>
+
+<file path=ppt/slides/slide13.xml><?xml version="1.0" encoding="utf-8"?>
+<p:sld xmlns:a="http://schemas.openxmlformats.org/drawingml/2006/main" xmlns:r="http://schemas.openxmlformats.org/officeDocument/2006/relationships" xmlns:p="http://schemas.openxmlformats.org/presentationml/2006/main">
+  <p:cSld>
+    <p:spTree>
+      <p:nvGrpSpPr>
+        <p:cNvPr id="1" name=""/>
+        <p:cNvGrpSpPr/>
+        <p:nvPr/>
+      </p:nvGrpSpPr>
+      <p:grpSpPr>
+        <a:xfrm>
+          <a:off x="0" y="0"/>
+          <a:ext cx="0" cy="0"/>
+          <a:chOff x="0" y="0"/>
+          <a:chExt cx="0" cy="0"/>
+        </a:xfrm>
+      </p:grpSpPr>
+      <p:sp>
+        <p:nvSpPr>
+          <p:cNvPr id="4" name="Titel 3">
+            <a:extLst>
+              <a:ext uri="{FF2B5EF4-FFF2-40B4-BE49-F238E27FC236}">
+                <a16:creationId xmlns:a16="http://schemas.microsoft.com/office/drawing/2014/main" id="{87AC8795-F72E-4F53-BACC-C551C2D8316A}"/>
+              </a:ext>
+            </a:extLst>
+          </p:cNvPr>
+          <p:cNvSpPr>
+            <a:spLocks noGrp="1"/>
+          </p:cNvSpPr>
+          <p:nvPr>
+            <p:ph type="title"/>
+          </p:nvPr>
+        </p:nvSpPr>
+        <p:spPr/>
+        <p:txBody>
+          <a:bodyPr/>
+          <a:lstStyle/>
+          <a:p>
+            <a:r>
+              <a:rPr lang="de-DE" dirty="0"/>
+              <a:t>Planung</a:t>
+            </a:r>
+          </a:p>
+        </p:txBody>
+      </p:sp>
+      <p:sp>
+        <p:nvSpPr>
+          <p:cNvPr id="6" name="Inhaltsplatzhalter 5">
+            <a:extLst>
+              <a:ext uri="{FF2B5EF4-FFF2-40B4-BE49-F238E27FC236}">
+                <a16:creationId xmlns:a16="http://schemas.microsoft.com/office/drawing/2014/main" id="{37D42437-95F7-4C64-81D1-F82571A32530}"/>
+              </a:ext>
+            </a:extLst>
+          </p:cNvPr>
+          <p:cNvSpPr>
+            <a:spLocks noGrp="1"/>
+          </p:cNvSpPr>
+          <p:nvPr>
+            <p:ph idx="1"/>
+          </p:nvPr>
+        </p:nvSpPr>
+        <p:spPr/>
+        <p:txBody>
+          <a:bodyPr/>
+          <a:lstStyle/>
+          <a:p>
+            <a:r>
+              <a:rPr lang="de-DE" dirty="0"/>
+              <a:t>Pro</a:t>
+            </a:r>
+          </a:p>
+          <a:p>
+            <a:pPr lvl="1"/>
+            <a:r>
+              <a:rPr lang="de-DE" dirty="0"/>
+              <a:t>Bei Problemen konnte man sich an jemanden wenden</a:t>
+            </a:r>
+          </a:p>
+          <a:p>
+            <a:pPr lvl="1"/>
+            <a:r>
+              <a:rPr lang="de-DE" dirty="0"/>
+              <a:t>Kritik wurde aufgenommen und berücksichtigt</a:t>
+            </a:r>
+          </a:p>
+          <a:p>
+            <a:pPr lvl="1"/>
+            <a:r>
+              <a:rPr lang="de-DE" dirty="0"/>
+              <a:t>Jeder hat seine Ideen  miteingebracht </a:t>
+            </a:r>
+          </a:p>
+          <a:p>
+            <a:pPr marL="0" indent="0">
+              <a:buNone/>
+            </a:pPr>
+            <a:endParaRPr lang="de-DE" dirty="0"/>
+          </a:p>
+          <a:p>
+            <a:r>
+              <a:rPr lang="de-DE" dirty="0"/>
+              <a:t>Contra</a:t>
+            </a:r>
+          </a:p>
+          <a:p>
+            <a:pPr lvl="1"/>
+            <a:r>
+              <a:rPr lang="de-DE" dirty="0"/>
+              <a:t>Vorlagen waren ungenau</a:t>
+            </a:r>
+          </a:p>
+          <a:p>
+            <a:pPr lvl="1"/>
+            <a:r>
+              <a:rPr lang="de-DE" dirty="0"/>
+              <a:t>Schlechtes Zeitmanagement </a:t>
+            </a:r>
+          </a:p>
+          <a:p>
+            <a:pPr lvl="1"/>
+            <a:r>
+              <a:rPr lang="de-DE" dirty="0"/>
+              <a:t>Arbeitseinteilung nicht optimal</a:t>
+            </a:r>
+          </a:p>
+          <a:p>
+            <a:endParaRPr lang="de-DE" dirty="0"/>
+          </a:p>
+        </p:txBody>
+      </p:sp>
+      <p:pic>
+        <p:nvPicPr>
+          <p:cNvPr id="5" name="Grafik 4">
+            <a:extLst>
+              <a:ext uri="{FF2B5EF4-FFF2-40B4-BE49-F238E27FC236}">
+                <a16:creationId xmlns:a16="http://schemas.microsoft.com/office/drawing/2014/main" id="{B7E16C27-D378-4829-A890-B1E9782FCB2F}"/>
+              </a:ext>
+            </a:extLst>
+          </p:cNvPr>
+          <p:cNvPicPr>
+            <a:picLocks noChangeAspect="1"/>
+          </p:cNvPicPr>
+          <p:nvPr/>
+        </p:nvPicPr>
+        <p:blipFill>
+          <a:blip r:embed="rId2">
+            <a:extLst>
+              <a:ext uri="{28A0092B-C50C-407E-A947-70E740481C1C}">
+                <a14:useLocalDpi xmlns:a14="http://schemas.microsoft.com/office/drawing/2010/main" val="0"/>
+              </a:ext>
+            </a:extLst>
+          </a:blip>
+          <a:stretch>
+            <a:fillRect/>
+          </a:stretch>
+        </p:blipFill>
+        <p:spPr>
+          <a:xfrm>
+            <a:off x="0" y="0"/>
+            <a:ext cx="17967158" cy="533400"/>
+          </a:xfrm>
+          <a:prstGeom prst="rect">
+            <a:avLst/>
+          </a:prstGeom>
+        </p:spPr>
+      </p:pic>
+      <p:pic>
+        <p:nvPicPr>
+          <p:cNvPr id="7" name="Grafik 6">
+            <a:extLst>
+              <a:ext uri="{FF2B5EF4-FFF2-40B4-BE49-F238E27FC236}">
+                <a16:creationId xmlns:a16="http://schemas.microsoft.com/office/drawing/2014/main" id="{D69E3AB2-FDF1-4CE2-9130-48554F747CE8}"/>
+              </a:ext>
+            </a:extLst>
+          </p:cNvPr>
+          <p:cNvPicPr>
+            <a:picLocks noChangeAspect="1"/>
+          </p:cNvPicPr>
+          <p:nvPr/>
+        </p:nvPicPr>
+        <p:blipFill>
+          <a:blip r:embed="rId3">
+            <a:extLst>
+              <a:ext uri="{28A0092B-C50C-407E-A947-70E740481C1C}">
+                <a14:useLocalDpi xmlns:a14="http://schemas.microsoft.com/office/drawing/2010/main" val="0"/>
+              </a:ext>
+            </a:extLst>
+          </a:blip>
+          <a:stretch>
+            <a:fillRect/>
+          </a:stretch>
+        </p:blipFill>
+        <p:spPr>
+          <a:xfrm>
+            <a:off x="-5202027" y="5962249"/>
+            <a:ext cx="17394027" cy="895751"/>
+          </a:xfrm>
+          <a:prstGeom prst="rect">
+            <a:avLst/>
+          </a:prstGeom>
+        </p:spPr>
+      </p:pic>
+      <p:pic>
+        <p:nvPicPr>
+          <p:cNvPr id="13" name="Grafik 12">
+            <a:extLst>
+              <a:ext uri="{FF2B5EF4-FFF2-40B4-BE49-F238E27FC236}">
+                <a16:creationId xmlns:a16="http://schemas.microsoft.com/office/drawing/2014/main" id="{3F15EF38-607C-4029-BB9B-6A63B2AFF21A}"/>
+              </a:ext>
+            </a:extLst>
+          </p:cNvPr>
+          <p:cNvPicPr>
+            <a:picLocks noChangeAspect="1"/>
+          </p:cNvPicPr>
+          <p:nvPr/>
+        </p:nvPicPr>
+        <p:blipFill>
+          <a:blip r:embed="rId4">
+            <a:extLst>
+              <a:ext uri="{28A0092B-C50C-407E-A947-70E740481C1C}">
+                <a14:useLocalDpi xmlns:a14="http://schemas.microsoft.com/office/drawing/2010/main" val="0"/>
+              </a:ext>
+            </a:extLst>
+          </a:blip>
+          <a:stretch>
+            <a:fillRect/>
+          </a:stretch>
+        </p:blipFill>
+        <p:spPr>
+          <a:xfrm>
+            <a:off x="1247555" y="6410124"/>
+            <a:ext cx="4738488" cy="358976"/>
+          </a:xfrm>
+          <a:prstGeom prst="rect">
+            <a:avLst/>
+          </a:prstGeom>
+        </p:spPr>
+      </p:pic>
+    </p:spTree>
+    <p:extLst>
+      <p:ext uri="{BB962C8B-B14F-4D97-AF65-F5344CB8AC3E}">
+        <p14:creationId xmlns:p14="http://schemas.microsoft.com/office/powerpoint/2010/main" val="3789322282"/>
+      </p:ext>
+    </p:extLst>
+  </p:cSld>
+  <p:clrMapOvr>
+    <a:masterClrMapping/>
+  </p:clrMapOvr>
+</p:sld>
+</file>
+
+<file path=ppt/slides/slide14.xml><?xml version="1.0" encoding="utf-8"?>
 <p:sld xmlns:a="http://schemas.openxmlformats.org/drawingml/2006/main" xmlns:r="http://schemas.openxmlformats.org/officeDocument/2006/relationships" xmlns:p="http://schemas.openxmlformats.org/presentationml/2006/main">
   <p:cSld>
     <p:spTree>

--- a/Power Point/final.pptx
+++ b/Power Point/final.pptx
@@ -3,26 +3,30 @@
 <p:presentation xmlns:a="http://schemas.openxmlformats.org/drawingml/2006/main" xmlns:r="http://schemas.openxmlformats.org/officeDocument/2006/relationships" xmlns:p="http://schemas.openxmlformats.org/presentationml/2006/main" saveSubsetFonts="1">
   <p:sldMasterIdLst>
     <p:sldMasterId id="2147483648" r:id="rId1"/>
-    <p:sldMasterId id="2147483660" r:id="rId2"/>
   </p:sldMasterIdLst>
   <p:notesMasterIdLst>
-    <p:notesMasterId r:id="rId17"/>
+    <p:notesMasterId r:id="rId21"/>
   </p:notesMasterIdLst>
   <p:sldIdLst>
-    <p:sldId id="256" r:id="rId3"/>
-    <p:sldId id="283" r:id="rId4"/>
-    <p:sldId id="285" r:id="rId5"/>
-    <p:sldId id="319" r:id="rId6"/>
-    <p:sldId id="278" r:id="rId7"/>
-    <p:sldId id="321" r:id="rId8"/>
-    <p:sldId id="286" r:id="rId9"/>
-    <p:sldId id="290" r:id="rId10"/>
-    <p:sldId id="302" r:id="rId11"/>
-    <p:sldId id="303" r:id="rId12"/>
-    <p:sldId id="327" r:id="rId13"/>
-    <p:sldId id="334" r:id="rId14"/>
-    <p:sldId id="331" r:id="rId15"/>
-    <p:sldId id="326" r:id="rId16"/>
+    <p:sldId id="256" r:id="rId2"/>
+    <p:sldId id="335" r:id="rId3"/>
+    <p:sldId id="285" r:id="rId4"/>
+    <p:sldId id="319" r:id="rId5"/>
+    <p:sldId id="278" r:id="rId6"/>
+    <p:sldId id="321" r:id="rId7"/>
+    <p:sldId id="286" r:id="rId8"/>
+    <p:sldId id="290" r:id="rId9"/>
+    <p:sldId id="302" r:id="rId10"/>
+    <p:sldId id="303" r:id="rId11"/>
+    <p:sldId id="327" r:id="rId12"/>
+    <p:sldId id="337" r:id="rId13"/>
+    <p:sldId id="338" r:id="rId14"/>
+    <p:sldId id="336" r:id="rId15"/>
+    <p:sldId id="339" r:id="rId16"/>
+    <p:sldId id="334" r:id="rId17"/>
+    <p:sldId id="331" r:id="rId18"/>
+    <p:sldId id="340" r:id="rId19"/>
+    <p:sldId id="326" r:id="rId20"/>
   </p:sldIdLst>
   <p:sldSz cx="12192000" cy="6858000"/>
   <p:notesSz cx="6858000" cy="9144000"/>
@@ -1891,1953 +1895,6 @@
 </p:sldLayout>
 </file>
 
-<file path=ppt/slideLayouts/slideLayout12.xml><?xml version="1.0" encoding="utf-8"?>
-<p:sldLayout xmlns:a="http://schemas.openxmlformats.org/drawingml/2006/main" xmlns:r="http://schemas.openxmlformats.org/officeDocument/2006/relationships" xmlns:p="http://schemas.openxmlformats.org/presentationml/2006/main" type="title" preserve="1">
-  <p:cSld name="Titelfolie">
-    <p:bg>
-      <p:bgPr>
-        <a:blipFill dpi="0" rotWithShape="1">
-          <a:blip r:embed="rId2">
-            <a:lum/>
-          </a:blip>
-          <a:srcRect/>
-          <a:stretch>
-            <a:fillRect/>
-          </a:stretch>
-        </a:blipFill>
-        <a:effectLst/>
-      </p:bgPr>
-    </p:bg>
-    <p:spTree>
-      <p:nvGrpSpPr>
-        <p:cNvPr id="1" name=""/>
-        <p:cNvGrpSpPr/>
-        <p:nvPr/>
-      </p:nvGrpSpPr>
-      <p:grpSpPr>
-        <a:xfrm>
-          <a:off x="0" y="0"/>
-          <a:ext cx="0" cy="0"/>
-          <a:chOff x="0" y="0"/>
-          <a:chExt cx="0" cy="0"/>
-        </a:xfrm>
-      </p:grpSpPr>
-      <p:sp>
-        <p:nvSpPr>
-          <p:cNvPr id="2" name="Titel 1"/>
-          <p:cNvSpPr>
-            <a:spLocks noGrp="1"/>
-          </p:cNvSpPr>
-          <p:nvPr>
-            <p:ph type="ctrTitle" hasCustomPrompt="1"/>
-          </p:nvPr>
-        </p:nvSpPr>
-        <p:spPr>
-          <a:xfrm>
-            <a:off x="609600" y="755780"/>
-            <a:ext cx="6858000" cy="3200400"/>
-          </a:xfrm>
-        </p:spPr>
-        <p:txBody>
-          <a:bodyPr rtlCol="0" anchor="b">
-            <a:normAutofit/>
-          </a:bodyPr>
-          <a:lstStyle>
-            <a:lvl1pPr algn="l">
-              <a:lnSpc>
-                <a:spcPct val="75000"/>
-              </a:lnSpc>
-              <a:defRPr sz="8000">
-                <a:solidFill>
-                  <a:schemeClr val="bg1"/>
-                </a:solidFill>
-              </a:defRPr>
-            </a:lvl1pPr>
-          </a:lstStyle>
-          <a:p>
-            <a:pPr rtl="0"/>
-            <a:r>
-              <a:rPr lang="de-DE" noProof="0" dirty="0"/>
-              <a:t>Titelmaster-format durch Klicken bearbeiten</a:t>
-            </a:r>
-          </a:p>
-        </p:txBody>
-      </p:sp>
-      <p:sp>
-        <p:nvSpPr>
-          <p:cNvPr id="3" name="Untertitel 2"/>
-          <p:cNvSpPr>
-            <a:spLocks noGrp="1"/>
-          </p:cNvSpPr>
-          <p:nvPr>
-            <p:ph type="subTitle" idx="1"/>
-          </p:nvPr>
-        </p:nvSpPr>
-        <p:spPr>
-          <a:xfrm>
-            <a:off x="609600" y="3956180"/>
-            <a:ext cx="6858000" cy="1097280"/>
-          </a:xfrm>
-        </p:spPr>
-        <p:txBody>
-          <a:bodyPr rtlCol="0">
-            <a:normAutofit/>
-          </a:bodyPr>
-          <a:lstStyle>
-            <a:lvl1pPr marL="0" indent="0" algn="l">
-              <a:spcBef>
-                <a:spcPts val="0"/>
-              </a:spcBef>
-              <a:buNone/>
-              <a:defRPr sz="2800"/>
-            </a:lvl1pPr>
-            <a:lvl2pPr marL="457200" indent="0" algn="ctr">
-              <a:buNone/>
-              <a:defRPr sz="2000"/>
-            </a:lvl2pPr>
-            <a:lvl3pPr marL="914400" indent="0" algn="ctr">
-              <a:buNone/>
-              <a:defRPr sz="1800"/>
-            </a:lvl3pPr>
-            <a:lvl4pPr marL="1371600" indent="0" algn="ctr">
-              <a:buNone/>
-              <a:defRPr sz="1600"/>
-            </a:lvl4pPr>
-            <a:lvl5pPr marL="1828800" indent="0" algn="ctr">
-              <a:buNone/>
-              <a:defRPr sz="1600"/>
-            </a:lvl5pPr>
-            <a:lvl6pPr marL="2286000" indent="0" algn="ctr">
-              <a:buNone/>
-              <a:defRPr sz="1600"/>
-            </a:lvl6pPr>
-            <a:lvl7pPr marL="2743200" indent="0" algn="ctr">
-              <a:buNone/>
-              <a:defRPr sz="1600"/>
-            </a:lvl7pPr>
-            <a:lvl8pPr marL="3200400" indent="0" algn="ctr">
-              <a:buNone/>
-              <a:defRPr sz="1600"/>
-            </a:lvl8pPr>
-            <a:lvl9pPr marL="3657600" indent="0" algn="ctr">
-              <a:buNone/>
-              <a:defRPr sz="1600"/>
-            </a:lvl9pPr>
-          </a:lstStyle>
-          <a:p>
-            <a:pPr rtl="0"/>
-            <a:r>
-              <a:rPr lang="de-DE" noProof="0"/>
-              <a:t>Master-Untertitelformat bearbeiten</a:t>
-            </a:r>
-            <a:endParaRPr lang="de-DE" noProof="0" dirty="0"/>
-          </a:p>
-        </p:txBody>
-      </p:sp>
-      <p:sp>
-        <p:nvSpPr>
-          <p:cNvPr id="4" name="Datumsplatzhalter 3"/>
-          <p:cNvSpPr>
-            <a:spLocks noGrp="1"/>
-          </p:cNvSpPr>
-          <p:nvPr>
-            <p:ph type="dt" sz="half" idx="10"/>
-          </p:nvPr>
-        </p:nvSpPr>
-        <p:spPr/>
-        <p:txBody>
-          <a:bodyPr rtlCol="0"/>
-          <a:lstStyle/>
-          <a:p>
-            <a:pPr rtl="0"/>
-            <a:fld id="{248B4201-8B90-4FE4-B476-4FFDD434EB03}" type="datetime1">
-              <a:rPr lang="de-DE" noProof="0" smtClean="0"/>
-              <a:t>02.07.2018</a:t>
-            </a:fld>
-            <a:endParaRPr lang="de-DE" noProof="0" dirty="0"/>
-          </a:p>
-        </p:txBody>
-      </p:sp>
-      <p:sp>
-        <p:nvSpPr>
-          <p:cNvPr id="5" name="Fußzeilenplatzhalter 4"/>
-          <p:cNvSpPr>
-            <a:spLocks noGrp="1"/>
-          </p:cNvSpPr>
-          <p:nvPr>
-            <p:ph type="ftr" sz="quarter" idx="11"/>
-          </p:nvPr>
-        </p:nvSpPr>
-        <p:spPr/>
-        <p:txBody>
-          <a:bodyPr rtlCol="0"/>
-          <a:lstStyle/>
-          <a:p>
-            <a:pPr rtl="0"/>
-            <a:r>
-              <a:rPr lang="de-DE" noProof="0" dirty="0"/>
-              <a:t>Fußzeile hinzufügen</a:t>
-            </a:r>
-          </a:p>
-        </p:txBody>
-      </p:sp>
-      <p:sp>
-        <p:nvSpPr>
-          <p:cNvPr id="6" name="Foliennummernplatzhalter 5"/>
-          <p:cNvSpPr>
-            <a:spLocks noGrp="1"/>
-          </p:cNvSpPr>
-          <p:nvPr>
-            <p:ph type="sldNum" sz="quarter" idx="12"/>
-          </p:nvPr>
-        </p:nvSpPr>
-        <p:spPr/>
-        <p:txBody>
-          <a:bodyPr rtlCol="0"/>
-          <a:lstStyle/>
-          <a:p>
-            <a:pPr rtl="0"/>
-            <a:fld id="{E31375A4-56A4-47D6-9801-1991572033F7}" type="slidenum">
-              <a:rPr lang="de-DE" noProof="0" smtClean="0"/>
-              <a:pPr/>
-              <a:t>‹Nr.›</a:t>
-            </a:fld>
-            <a:endParaRPr lang="de-DE" noProof="0" dirty="0"/>
-          </a:p>
-        </p:txBody>
-      </p:sp>
-    </p:spTree>
-    <p:extLst>
-      <p:ext uri="{BB962C8B-B14F-4D97-AF65-F5344CB8AC3E}">
-        <p14:creationId xmlns:p14="http://schemas.microsoft.com/office/powerpoint/2010/main" val="3118810080"/>
-      </p:ext>
-    </p:extLst>
-  </p:cSld>
-  <p:clrMapOvr>
-    <a:masterClrMapping/>
-  </p:clrMapOvr>
-  <mc:AlternateContent xmlns:mc="http://schemas.openxmlformats.org/markup-compatibility/2006" xmlns:p14="http://schemas.microsoft.com/office/powerpoint/2010/main">
-    <mc:Choice Requires="p14">
-      <p:transition spd="med" p14:dur="700">
-        <p:fade/>
-      </p:transition>
-    </mc:Choice>
-    <mc:Fallback xmlns="">
-      <p:transition spd="med">
-        <p:fade/>
-      </p:transition>
-    </mc:Fallback>
-  </mc:AlternateContent>
-</p:sldLayout>
-</file>
-
-<file path=ppt/slideLayouts/slideLayout13.xml><?xml version="1.0" encoding="utf-8"?>
-<p:sldLayout xmlns:a="http://schemas.openxmlformats.org/drawingml/2006/main" xmlns:r="http://schemas.openxmlformats.org/officeDocument/2006/relationships" xmlns:p="http://schemas.openxmlformats.org/presentationml/2006/main" type="obj" preserve="1">
-  <p:cSld name="Titel und Inhalt">
-    <p:spTree>
-      <p:nvGrpSpPr>
-        <p:cNvPr id="1" name=""/>
-        <p:cNvGrpSpPr/>
-        <p:nvPr/>
-      </p:nvGrpSpPr>
-      <p:grpSpPr>
-        <a:xfrm>
-          <a:off x="0" y="0"/>
-          <a:ext cx="0" cy="0"/>
-          <a:chOff x="0" y="0"/>
-          <a:chExt cx="0" cy="0"/>
-        </a:xfrm>
-      </p:grpSpPr>
-      <p:sp>
-        <p:nvSpPr>
-          <p:cNvPr id="2" name="Titel 1"/>
-          <p:cNvSpPr>
-            <a:spLocks noGrp="1"/>
-          </p:cNvSpPr>
-          <p:nvPr>
-            <p:ph type="title"/>
-          </p:nvPr>
-        </p:nvSpPr>
-        <p:spPr/>
-        <p:txBody>
-          <a:bodyPr rtlCol="0"/>
-          <a:lstStyle/>
-          <a:p>
-            <a:pPr rtl="0"/>
-            <a:r>
-              <a:rPr lang="de-DE" noProof="0"/>
-              <a:t>Mastertitelformat bearbeiten</a:t>
-            </a:r>
-            <a:endParaRPr lang="de-DE" noProof="0" dirty="0"/>
-          </a:p>
-        </p:txBody>
-      </p:sp>
-      <p:sp>
-        <p:nvSpPr>
-          <p:cNvPr id="3" name="Inhaltsplatzhalter 2"/>
-          <p:cNvSpPr>
-            <a:spLocks noGrp="1"/>
-          </p:cNvSpPr>
-          <p:nvPr>
-            <p:ph idx="1"/>
-          </p:nvPr>
-        </p:nvSpPr>
-        <p:spPr/>
-        <p:txBody>
-          <a:bodyPr rtlCol="0"/>
-          <a:lstStyle/>
-          <a:p>
-            <a:pPr lvl="0" rtl="0"/>
-            <a:r>
-              <a:rPr lang="de-DE" noProof="0"/>
-              <a:t>Mastertextformat bearbeiten</a:t>
-            </a:r>
-          </a:p>
-          <a:p>
-            <a:pPr lvl="1" rtl="0"/>
-            <a:r>
-              <a:rPr lang="de-DE" noProof="0"/>
-              <a:t>Zweite Ebene</a:t>
-            </a:r>
-          </a:p>
-          <a:p>
-            <a:pPr lvl="2" rtl="0"/>
-            <a:r>
-              <a:rPr lang="de-DE" noProof="0"/>
-              <a:t>Dritte Ebene</a:t>
-            </a:r>
-          </a:p>
-          <a:p>
-            <a:pPr lvl="3" rtl="0"/>
-            <a:r>
-              <a:rPr lang="de-DE" noProof="0"/>
-              <a:t>Vierte Ebene</a:t>
-            </a:r>
-          </a:p>
-          <a:p>
-            <a:pPr lvl="4" rtl="0"/>
-            <a:r>
-              <a:rPr lang="de-DE" noProof="0"/>
-              <a:t>Fünfte Ebene</a:t>
-            </a:r>
-            <a:endParaRPr lang="de-DE" noProof="0" dirty="0"/>
-          </a:p>
-        </p:txBody>
-      </p:sp>
-      <p:sp>
-        <p:nvSpPr>
-          <p:cNvPr id="4" name="Datumsplatzhalter 3"/>
-          <p:cNvSpPr>
-            <a:spLocks noGrp="1"/>
-          </p:cNvSpPr>
-          <p:nvPr>
-            <p:ph type="dt" sz="half" idx="10"/>
-          </p:nvPr>
-        </p:nvSpPr>
-        <p:spPr/>
-        <p:txBody>
-          <a:bodyPr rtlCol="0"/>
-          <a:lstStyle>
-            <a:lvl1pPr>
-              <a:defRPr>
-                <a:solidFill>
-                  <a:schemeClr val="tx2">
-                    <a:lumMod val="65000"/>
-                    <a:lumOff val="35000"/>
-                  </a:schemeClr>
-                </a:solidFill>
-              </a:defRPr>
-            </a:lvl1pPr>
-          </a:lstStyle>
-          <a:p>
-            <a:pPr rtl="0"/>
-            <a:fld id="{517810AC-902E-4DEC-99E7-60A182C16A2C}" type="datetime1">
-              <a:rPr lang="de-DE" noProof="0" smtClean="0"/>
-              <a:t>02.07.2018</a:t>
-            </a:fld>
-            <a:endParaRPr lang="de-DE" noProof="0" dirty="0"/>
-          </a:p>
-        </p:txBody>
-      </p:sp>
-      <p:sp>
-        <p:nvSpPr>
-          <p:cNvPr id="5" name="Fußzeilenplatzhalter 4"/>
-          <p:cNvSpPr>
-            <a:spLocks noGrp="1"/>
-          </p:cNvSpPr>
-          <p:nvPr>
-            <p:ph type="ftr" sz="quarter" idx="11"/>
-          </p:nvPr>
-        </p:nvSpPr>
-        <p:spPr/>
-        <p:txBody>
-          <a:bodyPr rtlCol="0"/>
-          <a:lstStyle>
-            <a:lvl1pPr>
-              <a:defRPr>
-                <a:solidFill>
-                  <a:schemeClr val="tx2">
-                    <a:lumMod val="65000"/>
-                    <a:lumOff val="35000"/>
-                  </a:schemeClr>
-                </a:solidFill>
-              </a:defRPr>
-            </a:lvl1pPr>
-          </a:lstStyle>
-          <a:p>
-            <a:pPr rtl="0"/>
-            <a:r>
-              <a:rPr lang="de-DE" noProof="0" dirty="0"/>
-              <a:t>Fußzeile hinzufügen</a:t>
-            </a:r>
-          </a:p>
-        </p:txBody>
-      </p:sp>
-      <p:sp>
-        <p:nvSpPr>
-          <p:cNvPr id="6" name="Foliennummernplatzhalter 5"/>
-          <p:cNvSpPr>
-            <a:spLocks noGrp="1"/>
-          </p:cNvSpPr>
-          <p:nvPr>
-            <p:ph type="sldNum" sz="quarter" idx="12"/>
-          </p:nvPr>
-        </p:nvSpPr>
-        <p:spPr/>
-        <p:txBody>
-          <a:bodyPr rtlCol="0"/>
-          <a:lstStyle>
-            <a:lvl1pPr>
-              <a:defRPr>
-                <a:solidFill>
-                  <a:schemeClr val="tx2">
-                    <a:lumMod val="65000"/>
-                    <a:lumOff val="35000"/>
-                  </a:schemeClr>
-                </a:solidFill>
-              </a:defRPr>
-            </a:lvl1pPr>
-          </a:lstStyle>
-          <a:p>
-            <a:pPr rtl="0"/>
-            <a:fld id="{E31375A4-56A4-47D6-9801-1991572033F7}" type="slidenum">
-              <a:rPr lang="de-DE" noProof="0" smtClean="0"/>
-              <a:pPr/>
-              <a:t>‹Nr.›</a:t>
-            </a:fld>
-            <a:endParaRPr lang="de-DE" noProof="0" dirty="0"/>
-          </a:p>
-        </p:txBody>
-      </p:sp>
-    </p:spTree>
-    <p:extLst>
-      <p:ext uri="{BB962C8B-B14F-4D97-AF65-F5344CB8AC3E}">
-        <p14:creationId xmlns:p14="http://schemas.microsoft.com/office/powerpoint/2010/main" val="2287888560"/>
-      </p:ext>
-    </p:extLst>
-  </p:cSld>
-  <p:clrMapOvr>
-    <a:masterClrMapping/>
-  </p:clrMapOvr>
-  <mc:AlternateContent xmlns:mc="http://schemas.openxmlformats.org/markup-compatibility/2006" xmlns:p14="http://schemas.microsoft.com/office/powerpoint/2010/main">
-    <mc:Choice Requires="p14">
-      <p:transition spd="med" p14:dur="700">
-        <p:fade/>
-      </p:transition>
-    </mc:Choice>
-    <mc:Fallback xmlns="">
-      <p:transition spd="med">
-        <p:fade/>
-      </p:transition>
-    </mc:Fallback>
-  </mc:AlternateContent>
-</p:sldLayout>
-</file>
-
-<file path=ppt/slideLayouts/slideLayout14.xml><?xml version="1.0" encoding="utf-8"?>
-<p:sldLayout xmlns:a="http://schemas.openxmlformats.org/drawingml/2006/main" xmlns:r="http://schemas.openxmlformats.org/officeDocument/2006/relationships" xmlns:p="http://schemas.openxmlformats.org/presentationml/2006/main" showMasterSp="0" type="secHead" preserve="1">
-  <p:cSld name="Abschnittsüberschrift">
-    <p:bg>
-      <p:bgPr>
-        <a:blipFill dpi="0" rotWithShape="1">
-          <a:blip r:embed="rId2">
-            <a:lum/>
-          </a:blip>
-          <a:srcRect/>
-          <a:stretch>
-            <a:fillRect/>
-          </a:stretch>
-        </a:blipFill>
-        <a:effectLst/>
-      </p:bgPr>
-    </p:bg>
-    <p:spTree>
-      <p:nvGrpSpPr>
-        <p:cNvPr id="1" name=""/>
-        <p:cNvGrpSpPr/>
-        <p:nvPr/>
-      </p:nvGrpSpPr>
-      <p:grpSpPr>
-        <a:xfrm>
-          <a:off x="0" y="0"/>
-          <a:ext cx="0" cy="0"/>
-          <a:chOff x="0" y="0"/>
-          <a:chExt cx="0" cy="0"/>
-        </a:xfrm>
-      </p:grpSpPr>
-      <p:sp>
-        <p:nvSpPr>
-          <p:cNvPr id="2" name="Titel 1"/>
-          <p:cNvSpPr>
-            <a:spLocks noGrp="1"/>
-          </p:cNvSpPr>
-          <p:nvPr>
-            <p:ph type="title"/>
-          </p:nvPr>
-        </p:nvSpPr>
-        <p:spPr>
-          <a:xfrm>
-            <a:off x="609600" y="822960"/>
-            <a:ext cx="8686800" cy="2011680"/>
-          </a:xfrm>
-        </p:spPr>
-        <p:txBody>
-          <a:bodyPr rtlCol="0" anchor="b">
-            <a:normAutofit/>
-          </a:bodyPr>
-          <a:lstStyle>
-            <a:lvl1pPr>
-              <a:defRPr sz="6600"/>
-            </a:lvl1pPr>
-          </a:lstStyle>
-          <a:p>
-            <a:pPr rtl="0"/>
-            <a:r>
-              <a:rPr lang="de-DE" noProof="0"/>
-              <a:t>Mastertitelformat bearbeiten</a:t>
-            </a:r>
-            <a:endParaRPr lang="de-DE" noProof="0" dirty="0"/>
-          </a:p>
-        </p:txBody>
-      </p:sp>
-      <p:sp>
-        <p:nvSpPr>
-          <p:cNvPr id="3" name="Textplatzhalter 2"/>
-          <p:cNvSpPr>
-            <a:spLocks noGrp="1"/>
-          </p:cNvSpPr>
-          <p:nvPr>
-            <p:ph type="body" idx="1"/>
-          </p:nvPr>
-        </p:nvSpPr>
-        <p:spPr>
-          <a:xfrm>
-            <a:off x="609600" y="2834640"/>
-            <a:ext cx="8686800" cy="1097280"/>
-          </a:xfrm>
-        </p:spPr>
-        <p:txBody>
-          <a:bodyPr rtlCol="0">
-            <a:normAutofit/>
-          </a:bodyPr>
-          <a:lstStyle>
-            <a:lvl1pPr marL="0" indent="0">
-              <a:spcBef>
-                <a:spcPts val="0"/>
-              </a:spcBef>
-              <a:buNone/>
-              <a:defRPr sz="2800"/>
-            </a:lvl1pPr>
-            <a:lvl2pPr marL="457200" indent="0">
-              <a:buNone/>
-              <a:defRPr sz="2000"/>
-            </a:lvl2pPr>
-            <a:lvl3pPr marL="914400" indent="0">
-              <a:buNone/>
-              <a:defRPr sz="1800"/>
-            </a:lvl3pPr>
-            <a:lvl4pPr marL="1371600" indent="0">
-              <a:buNone/>
-              <a:defRPr sz="1600"/>
-            </a:lvl4pPr>
-            <a:lvl5pPr marL="1828800" indent="0">
-              <a:buNone/>
-              <a:defRPr sz="1600"/>
-            </a:lvl5pPr>
-            <a:lvl6pPr marL="2286000" indent="0">
-              <a:buNone/>
-              <a:defRPr sz="1600"/>
-            </a:lvl6pPr>
-            <a:lvl7pPr marL="2743200" indent="0">
-              <a:buNone/>
-              <a:defRPr sz="1600"/>
-            </a:lvl7pPr>
-            <a:lvl8pPr marL="3200400" indent="0">
-              <a:buNone/>
-              <a:defRPr sz="1600"/>
-            </a:lvl8pPr>
-            <a:lvl9pPr marL="3657600" indent="0">
-              <a:buNone/>
-              <a:defRPr sz="1600"/>
-            </a:lvl9pPr>
-          </a:lstStyle>
-          <a:p>
-            <a:pPr lvl="0" rtl="0"/>
-            <a:r>
-              <a:rPr lang="de-DE" noProof="0"/>
-              <a:t>Mastertextformat bearbeiten</a:t>
-            </a:r>
-          </a:p>
-        </p:txBody>
-      </p:sp>
-    </p:spTree>
-    <p:extLst>
-      <p:ext uri="{BB962C8B-B14F-4D97-AF65-F5344CB8AC3E}">
-        <p14:creationId xmlns:p14="http://schemas.microsoft.com/office/powerpoint/2010/main" val="52937785"/>
-      </p:ext>
-    </p:extLst>
-  </p:cSld>
-  <p:clrMapOvr>
-    <a:masterClrMapping/>
-  </p:clrMapOvr>
-  <mc:AlternateContent xmlns:mc="http://schemas.openxmlformats.org/markup-compatibility/2006" xmlns:p14="http://schemas.microsoft.com/office/powerpoint/2010/main">
-    <mc:Choice Requires="p14">
-      <p:transition spd="med" p14:dur="700">
-        <p:fade/>
-      </p:transition>
-    </mc:Choice>
-    <mc:Fallback xmlns="">
-      <p:transition spd="med">
-        <p:fade/>
-      </p:transition>
-    </mc:Fallback>
-  </mc:AlternateContent>
-</p:sldLayout>
-</file>
-
-<file path=ppt/slideLayouts/slideLayout15.xml><?xml version="1.0" encoding="utf-8"?>
-<p:sldLayout xmlns:a="http://schemas.openxmlformats.org/drawingml/2006/main" xmlns:r="http://schemas.openxmlformats.org/officeDocument/2006/relationships" xmlns:p="http://schemas.openxmlformats.org/presentationml/2006/main" type="twoObj" preserve="1">
-  <p:cSld name="Zwei Inhalte">
-    <p:spTree>
-      <p:nvGrpSpPr>
-        <p:cNvPr id="1" name=""/>
-        <p:cNvGrpSpPr/>
-        <p:nvPr/>
-      </p:nvGrpSpPr>
-      <p:grpSpPr>
-        <a:xfrm>
-          <a:off x="0" y="0"/>
-          <a:ext cx="0" cy="0"/>
-          <a:chOff x="0" y="0"/>
-          <a:chExt cx="0" cy="0"/>
-        </a:xfrm>
-      </p:grpSpPr>
-      <p:sp>
-        <p:nvSpPr>
-          <p:cNvPr id="2" name="Titel 1"/>
-          <p:cNvSpPr>
-            <a:spLocks noGrp="1"/>
-          </p:cNvSpPr>
-          <p:nvPr>
-            <p:ph type="title"/>
-          </p:nvPr>
-        </p:nvSpPr>
-        <p:spPr/>
-        <p:txBody>
-          <a:bodyPr rtlCol="0"/>
-          <a:lstStyle/>
-          <a:p>
-            <a:pPr rtl="0"/>
-            <a:r>
-              <a:rPr lang="de-DE" noProof="0"/>
-              <a:t>Mastertitelformat bearbeiten</a:t>
-            </a:r>
-            <a:endParaRPr lang="de-DE" noProof="0" dirty="0"/>
-          </a:p>
-        </p:txBody>
-      </p:sp>
-      <p:sp>
-        <p:nvSpPr>
-          <p:cNvPr id="3" name="Inhaltsplatzhalter 2"/>
-          <p:cNvSpPr>
-            <a:spLocks noGrp="1"/>
-          </p:cNvSpPr>
-          <p:nvPr>
-            <p:ph sz="half" idx="1"/>
-          </p:nvPr>
-        </p:nvSpPr>
-        <p:spPr>
-          <a:xfrm>
-            <a:off x="1981200" y="1981200"/>
-            <a:ext cx="4572000" cy="4480560"/>
-          </a:xfrm>
-        </p:spPr>
-        <p:txBody>
-          <a:bodyPr rtlCol="0">
-            <a:normAutofit/>
-          </a:bodyPr>
-          <a:lstStyle>
-            <a:lvl1pPr>
-              <a:defRPr sz="2400"/>
-            </a:lvl1pPr>
-            <a:lvl2pPr>
-              <a:defRPr sz="2000"/>
-            </a:lvl2pPr>
-            <a:lvl3pPr>
-              <a:defRPr sz="1800"/>
-            </a:lvl3pPr>
-            <a:lvl4pPr>
-              <a:defRPr sz="1600"/>
-            </a:lvl4pPr>
-            <a:lvl5pPr>
-              <a:defRPr sz="1600"/>
-            </a:lvl5pPr>
-            <a:lvl6pPr>
-              <a:defRPr sz="1800"/>
-            </a:lvl6pPr>
-            <a:lvl7pPr>
-              <a:defRPr sz="1800"/>
-            </a:lvl7pPr>
-            <a:lvl8pPr>
-              <a:defRPr sz="1800"/>
-            </a:lvl8pPr>
-            <a:lvl9pPr>
-              <a:defRPr sz="1800"/>
-            </a:lvl9pPr>
-          </a:lstStyle>
-          <a:p>
-            <a:pPr lvl="0" rtl="0"/>
-            <a:r>
-              <a:rPr lang="de-DE" noProof="0"/>
-              <a:t>Mastertextformat bearbeiten</a:t>
-            </a:r>
-          </a:p>
-          <a:p>
-            <a:pPr lvl="1" rtl="0"/>
-            <a:r>
-              <a:rPr lang="de-DE" noProof="0"/>
-              <a:t>Zweite Ebene</a:t>
-            </a:r>
-          </a:p>
-          <a:p>
-            <a:pPr lvl="2" rtl="0"/>
-            <a:r>
-              <a:rPr lang="de-DE" noProof="0"/>
-              <a:t>Dritte Ebene</a:t>
-            </a:r>
-          </a:p>
-          <a:p>
-            <a:pPr lvl="3" rtl="0"/>
-            <a:r>
-              <a:rPr lang="de-DE" noProof="0"/>
-              <a:t>Vierte Ebene</a:t>
-            </a:r>
-          </a:p>
-          <a:p>
-            <a:pPr lvl="4" rtl="0"/>
-            <a:r>
-              <a:rPr lang="de-DE" noProof="0"/>
-              <a:t>Fünfte Ebene</a:t>
-            </a:r>
-            <a:endParaRPr lang="de-DE" noProof="0" dirty="0"/>
-          </a:p>
-        </p:txBody>
-      </p:sp>
-      <p:sp>
-        <p:nvSpPr>
-          <p:cNvPr id="4" name="Inhaltsplatzhalter 3"/>
-          <p:cNvSpPr>
-            <a:spLocks noGrp="1"/>
-          </p:cNvSpPr>
-          <p:nvPr>
-            <p:ph sz="half" idx="2"/>
-          </p:nvPr>
-        </p:nvSpPr>
-        <p:spPr>
-          <a:xfrm>
-            <a:off x="6781800" y="1981200"/>
-            <a:ext cx="4572000" cy="4480560"/>
-          </a:xfrm>
-        </p:spPr>
-        <p:txBody>
-          <a:bodyPr rtlCol="0">
-            <a:normAutofit/>
-          </a:bodyPr>
-          <a:lstStyle>
-            <a:lvl1pPr>
-              <a:defRPr sz="2400"/>
-            </a:lvl1pPr>
-            <a:lvl2pPr>
-              <a:defRPr sz="2000"/>
-            </a:lvl2pPr>
-            <a:lvl3pPr>
-              <a:defRPr sz="1800"/>
-            </a:lvl3pPr>
-            <a:lvl4pPr>
-              <a:defRPr sz="1600"/>
-            </a:lvl4pPr>
-            <a:lvl5pPr>
-              <a:defRPr sz="1600"/>
-            </a:lvl5pPr>
-            <a:lvl6pPr>
-              <a:defRPr sz="1800"/>
-            </a:lvl6pPr>
-            <a:lvl7pPr>
-              <a:defRPr sz="1800"/>
-            </a:lvl7pPr>
-            <a:lvl8pPr>
-              <a:defRPr sz="1800"/>
-            </a:lvl8pPr>
-            <a:lvl9pPr>
-              <a:defRPr sz="1800"/>
-            </a:lvl9pPr>
-          </a:lstStyle>
-          <a:p>
-            <a:pPr lvl="0" rtl="0"/>
-            <a:r>
-              <a:rPr lang="de-DE" noProof="0"/>
-              <a:t>Mastertextformat bearbeiten</a:t>
-            </a:r>
-          </a:p>
-          <a:p>
-            <a:pPr lvl="1" rtl="0"/>
-            <a:r>
-              <a:rPr lang="de-DE" noProof="0"/>
-              <a:t>Zweite Ebene</a:t>
-            </a:r>
-          </a:p>
-          <a:p>
-            <a:pPr lvl="2" rtl="0"/>
-            <a:r>
-              <a:rPr lang="de-DE" noProof="0"/>
-              <a:t>Dritte Ebene</a:t>
-            </a:r>
-          </a:p>
-          <a:p>
-            <a:pPr lvl="3" rtl="0"/>
-            <a:r>
-              <a:rPr lang="de-DE" noProof="0"/>
-              <a:t>Vierte Ebene</a:t>
-            </a:r>
-          </a:p>
-          <a:p>
-            <a:pPr lvl="4" rtl="0"/>
-            <a:r>
-              <a:rPr lang="de-DE" noProof="0"/>
-              <a:t>Fünfte Ebene</a:t>
-            </a:r>
-            <a:endParaRPr lang="de-DE" noProof="0" dirty="0"/>
-          </a:p>
-        </p:txBody>
-      </p:sp>
-      <p:sp>
-        <p:nvSpPr>
-          <p:cNvPr id="5" name="Datumsplatzhalter 4"/>
-          <p:cNvSpPr>
-            <a:spLocks noGrp="1"/>
-          </p:cNvSpPr>
-          <p:nvPr>
-            <p:ph type="dt" sz="half" idx="10"/>
-          </p:nvPr>
-        </p:nvSpPr>
-        <p:spPr/>
-        <p:txBody>
-          <a:bodyPr rtlCol="0"/>
-          <a:lstStyle/>
-          <a:p>
-            <a:pPr rtl="0"/>
-            <a:fld id="{AAF596EA-2D4F-4E91-B75F-445352B00BF6}" type="datetime1">
-              <a:rPr lang="de-DE" noProof="0" smtClean="0"/>
-              <a:t>02.07.2018</a:t>
-            </a:fld>
-            <a:endParaRPr lang="de-DE" noProof="0" dirty="0"/>
-          </a:p>
-        </p:txBody>
-      </p:sp>
-      <p:sp>
-        <p:nvSpPr>
-          <p:cNvPr id="6" name="Fußzeilenplatzhalter 5"/>
-          <p:cNvSpPr>
-            <a:spLocks noGrp="1"/>
-          </p:cNvSpPr>
-          <p:nvPr>
-            <p:ph type="ftr" sz="quarter" idx="11"/>
-          </p:nvPr>
-        </p:nvSpPr>
-        <p:spPr/>
-        <p:txBody>
-          <a:bodyPr rtlCol="0"/>
-          <a:lstStyle/>
-          <a:p>
-            <a:pPr rtl="0"/>
-            <a:r>
-              <a:rPr lang="de-DE" noProof="0" dirty="0"/>
-              <a:t>Fußzeile hinzufügen</a:t>
-            </a:r>
-          </a:p>
-        </p:txBody>
-      </p:sp>
-      <p:sp>
-        <p:nvSpPr>
-          <p:cNvPr id="7" name="Foliennummernplatzhalter 6"/>
-          <p:cNvSpPr>
-            <a:spLocks noGrp="1"/>
-          </p:cNvSpPr>
-          <p:nvPr>
-            <p:ph type="sldNum" sz="quarter" idx="12"/>
-          </p:nvPr>
-        </p:nvSpPr>
-        <p:spPr/>
-        <p:txBody>
-          <a:bodyPr rtlCol="0"/>
-          <a:lstStyle/>
-          <a:p>
-            <a:pPr rtl="0"/>
-            <a:fld id="{E31375A4-56A4-47D6-9801-1991572033F7}" type="slidenum">
-              <a:rPr lang="de-DE" noProof="0" smtClean="0"/>
-              <a:t>‹Nr.›</a:t>
-            </a:fld>
-            <a:endParaRPr lang="de-DE" noProof="0" dirty="0"/>
-          </a:p>
-        </p:txBody>
-      </p:sp>
-    </p:spTree>
-    <p:extLst>
-      <p:ext uri="{BB962C8B-B14F-4D97-AF65-F5344CB8AC3E}">
-        <p14:creationId xmlns:p14="http://schemas.microsoft.com/office/powerpoint/2010/main" val="2907220535"/>
-      </p:ext>
-    </p:extLst>
-  </p:cSld>
-  <p:clrMapOvr>
-    <a:masterClrMapping/>
-  </p:clrMapOvr>
-  <mc:AlternateContent xmlns:mc="http://schemas.openxmlformats.org/markup-compatibility/2006" xmlns:p14="http://schemas.microsoft.com/office/powerpoint/2010/main">
-    <mc:Choice Requires="p14">
-      <p:transition spd="med" p14:dur="700">
-        <p:fade/>
-      </p:transition>
-    </mc:Choice>
-    <mc:Fallback xmlns="">
-      <p:transition spd="med">
-        <p:fade/>
-      </p:transition>
-    </mc:Fallback>
-  </mc:AlternateContent>
-</p:sldLayout>
-</file>
-
-<file path=ppt/slideLayouts/slideLayout16.xml><?xml version="1.0" encoding="utf-8"?>
-<p:sldLayout xmlns:a="http://schemas.openxmlformats.org/drawingml/2006/main" xmlns:r="http://schemas.openxmlformats.org/officeDocument/2006/relationships" xmlns:p="http://schemas.openxmlformats.org/presentationml/2006/main" type="twoTxTwoObj" preserve="1">
-  <p:cSld name="Vergleich">
-    <p:spTree>
-      <p:nvGrpSpPr>
-        <p:cNvPr id="1" name=""/>
-        <p:cNvGrpSpPr/>
-        <p:nvPr/>
-      </p:nvGrpSpPr>
-      <p:grpSpPr>
-        <a:xfrm>
-          <a:off x="0" y="0"/>
-          <a:ext cx="0" cy="0"/>
-          <a:chOff x="0" y="0"/>
-          <a:chExt cx="0" cy="0"/>
-        </a:xfrm>
-      </p:grpSpPr>
-      <p:sp>
-        <p:nvSpPr>
-          <p:cNvPr id="2" name="Titel 1"/>
-          <p:cNvSpPr>
-            <a:spLocks noGrp="1"/>
-          </p:cNvSpPr>
-          <p:nvPr>
-            <p:ph type="title"/>
-          </p:nvPr>
-        </p:nvSpPr>
-        <p:spPr/>
-        <p:txBody>
-          <a:bodyPr rtlCol="0"/>
-          <a:lstStyle/>
-          <a:p>
-            <a:pPr rtl="0"/>
-            <a:r>
-              <a:rPr lang="de-DE" noProof="0"/>
-              <a:t>Mastertitelformat bearbeiten</a:t>
-            </a:r>
-            <a:endParaRPr lang="de-DE" noProof="0" dirty="0"/>
-          </a:p>
-        </p:txBody>
-      </p:sp>
-      <p:sp>
-        <p:nvSpPr>
-          <p:cNvPr id="3" name="Textplatzhalter 2"/>
-          <p:cNvSpPr>
-            <a:spLocks noGrp="1"/>
-          </p:cNvSpPr>
-          <p:nvPr>
-            <p:ph type="body" idx="1"/>
-          </p:nvPr>
-        </p:nvSpPr>
-        <p:spPr>
-          <a:xfrm>
-            <a:off x="1981200" y="1679448"/>
-            <a:ext cx="4572000" cy="830487"/>
-          </a:xfrm>
-        </p:spPr>
-        <p:txBody>
-          <a:bodyPr rtlCol="0" anchor="ctr"/>
-          <a:lstStyle>
-            <a:lvl1pPr marL="0" indent="0">
-              <a:spcBef>
-                <a:spcPts val="0"/>
-              </a:spcBef>
-              <a:buNone/>
-              <a:defRPr sz="2400" b="1"/>
-            </a:lvl1pPr>
-            <a:lvl2pPr marL="457200" indent="0">
-              <a:buNone/>
-              <a:defRPr sz="2000" b="1"/>
-            </a:lvl2pPr>
-            <a:lvl3pPr marL="914400" indent="0">
-              <a:buNone/>
-              <a:defRPr sz="1800" b="1"/>
-            </a:lvl3pPr>
-            <a:lvl4pPr marL="1371600" indent="0">
-              <a:buNone/>
-              <a:defRPr sz="1600" b="1"/>
-            </a:lvl4pPr>
-            <a:lvl5pPr marL="1828800" indent="0">
-              <a:buNone/>
-              <a:defRPr sz="1600" b="1"/>
-            </a:lvl5pPr>
-            <a:lvl6pPr marL="2286000" indent="0">
-              <a:buNone/>
-              <a:defRPr sz="1600" b="1"/>
-            </a:lvl6pPr>
-            <a:lvl7pPr marL="2743200" indent="0">
-              <a:buNone/>
-              <a:defRPr sz="1600" b="1"/>
-            </a:lvl7pPr>
-            <a:lvl8pPr marL="3200400" indent="0">
-              <a:buNone/>
-              <a:defRPr sz="1600" b="1"/>
-            </a:lvl8pPr>
-            <a:lvl9pPr marL="3657600" indent="0">
-              <a:buNone/>
-              <a:defRPr sz="1600" b="1"/>
-            </a:lvl9pPr>
-          </a:lstStyle>
-          <a:p>
-            <a:pPr lvl="0" rtl="0"/>
-            <a:r>
-              <a:rPr lang="de-DE" noProof="0"/>
-              <a:t>Mastertextformat bearbeiten</a:t>
-            </a:r>
-          </a:p>
-        </p:txBody>
-      </p:sp>
-      <p:sp>
-        <p:nvSpPr>
-          <p:cNvPr id="4" name="Inhaltsplatzhalter 3"/>
-          <p:cNvSpPr>
-            <a:spLocks noGrp="1"/>
-          </p:cNvSpPr>
-          <p:nvPr>
-            <p:ph sz="half" idx="2"/>
-          </p:nvPr>
-        </p:nvSpPr>
-        <p:spPr>
-          <a:xfrm>
-            <a:off x="1981200" y="2509935"/>
-            <a:ext cx="4572000" cy="3967065"/>
-          </a:xfrm>
-        </p:spPr>
-        <p:txBody>
-          <a:bodyPr rtlCol="0"/>
-          <a:lstStyle>
-            <a:lvl1pPr>
-              <a:defRPr sz="2400"/>
-            </a:lvl1pPr>
-            <a:lvl2pPr>
-              <a:defRPr sz="2000"/>
-            </a:lvl2pPr>
-            <a:lvl3pPr>
-              <a:defRPr sz="1800"/>
-            </a:lvl3pPr>
-            <a:lvl4pPr>
-              <a:defRPr sz="1600"/>
-            </a:lvl4pPr>
-            <a:lvl5pPr>
-              <a:defRPr sz="1600"/>
-            </a:lvl5pPr>
-            <a:lvl6pPr>
-              <a:defRPr sz="1600"/>
-            </a:lvl6pPr>
-            <a:lvl7pPr>
-              <a:defRPr sz="1600"/>
-            </a:lvl7pPr>
-            <a:lvl8pPr>
-              <a:defRPr sz="1600"/>
-            </a:lvl8pPr>
-            <a:lvl9pPr>
-              <a:defRPr sz="1600"/>
-            </a:lvl9pPr>
-          </a:lstStyle>
-          <a:p>
-            <a:pPr lvl="0" rtl="0"/>
-            <a:r>
-              <a:rPr lang="de-DE" noProof="0"/>
-              <a:t>Mastertextformat bearbeiten</a:t>
-            </a:r>
-          </a:p>
-          <a:p>
-            <a:pPr lvl="1" rtl="0"/>
-            <a:r>
-              <a:rPr lang="de-DE" noProof="0"/>
-              <a:t>Zweite Ebene</a:t>
-            </a:r>
-          </a:p>
-          <a:p>
-            <a:pPr lvl="2" rtl="0"/>
-            <a:r>
-              <a:rPr lang="de-DE" noProof="0"/>
-              <a:t>Dritte Ebene</a:t>
-            </a:r>
-          </a:p>
-          <a:p>
-            <a:pPr lvl="3" rtl="0"/>
-            <a:r>
-              <a:rPr lang="de-DE" noProof="0"/>
-              <a:t>Vierte Ebene</a:t>
-            </a:r>
-          </a:p>
-          <a:p>
-            <a:pPr lvl="4" rtl="0"/>
-            <a:r>
-              <a:rPr lang="de-DE" noProof="0"/>
-              <a:t>Fünfte Ebene</a:t>
-            </a:r>
-            <a:endParaRPr lang="de-DE" noProof="0" dirty="0"/>
-          </a:p>
-        </p:txBody>
-      </p:sp>
-      <p:sp>
-        <p:nvSpPr>
-          <p:cNvPr id="5" name="Textplatzhalter 4"/>
-          <p:cNvSpPr>
-            <a:spLocks noGrp="1"/>
-          </p:cNvSpPr>
-          <p:nvPr>
-            <p:ph type="body" sz="quarter" idx="3"/>
-          </p:nvPr>
-        </p:nvSpPr>
-        <p:spPr>
-          <a:xfrm>
-            <a:off x="6781800" y="1679448"/>
-            <a:ext cx="4572000" cy="830487"/>
-          </a:xfrm>
-        </p:spPr>
-        <p:txBody>
-          <a:bodyPr rtlCol="0" anchor="ctr"/>
-          <a:lstStyle>
-            <a:lvl1pPr marL="0" indent="0">
-              <a:spcBef>
-                <a:spcPts val="0"/>
-              </a:spcBef>
-              <a:buNone/>
-              <a:defRPr sz="2400" b="1"/>
-            </a:lvl1pPr>
-            <a:lvl2pPr marL="457200" indent="0">
-              <a:buNone/>
-              <a:defRPr sz="2000" b="1"/>
-            </a:lvl2pPr>
-            <a:lvl3pPr marL="914400" indent="0">
-              <a:buNone/>
-              <a:defRPr sz="1800" b="1"/>
-            </a:lvl3pPr>
-            <a:lvl4pPr marL="1371600" indent="0">
-              <a:buNone/>
-              <a:defRPr sz="1600" b="1"/>
-            </a:lvl4pPr>
-            <a:lvl5pPr marL="1828800" indent="0">
-              <a:buNone/>
-              <a:defRPr sz="1600" b="1"/>
-            </a:lvl5pPr>
-            <a:lvl6pPr marL="2286000" indent="0">
-              <a:buNone/>
-              <a:defRPr sz="1600" b="1"/>
-            </a:lvl6pPr>
-            <a:lvl7pPr marL="2743200" indent="0">
-              <a:buNone/>
-              <a:defRPr sz="1600" b="1"/>
-            </a:lvl7pPr>
-            <a:lvl8pPr marL="3200400" indent="0">
-              <a:buNone/>
-              <a:defRPr sz="1600" b="1"/>
-            </a:lvl8pPr>
-            <a:lvl9pPr marL="3657600" indent="0">
-              <a:buNone/>
-              <a:defRPr sz="1600" b="1"/>
-            </a:lvl9pPr>
-          </a:lstStyle>
-          <a:p>
-            <a:pPr lvl="0" rtl="0"/>
-            <a:r>
-              <a:rPr lang="de-DE" noProof="0"/>
-              <a:t>Mastertextformat bearbeiten</a:t>
-            </a:r>
-          </a:p>
-        </p:txBody>
-      </p:sp>
-      <p:sp>
-        <p:nvSpPr>
-          <p:cNvPr id="6" name="Inhaltsplatzhalter 5"/>
-          <p:cNvSpPr>
-            <a:spLocks noGrp="1"/>
-          </p:cNvSpPr>
-          <p:nvPr>
-            <p:ph sz="quarter" idx="4"/>
-          </p:nvPr>
-        </p:nvSpPr>
-        <p:spPr>
-          <a:xfrm>
-            <a:off x="6781800" y="2509935"/>
-            <a:ext cx="4572000" cy="3967065"/>
-          </a:xfrm>
-        </p:spPr>
-        <p:txBody>
-          <a:bodyPr rtlCol="0"/>
-          <a:lstStyle>
-            <a:lvl1pPr>
-              <a:defRPr sz="2400"/>
-            </a:lvl1pPr>
-            <a:lvl2pPr>
-              <a:defRPr sz="2000"/>
-            </a:lvl2pPr>
-            <a:lvl3pPr>
-              <a:defRPr sz="1800"/>
-            </a:lvl3pPr>
-            <a:lvl4pPr>
-              <a:defRPr sz="1600"/>
-            </a:lvl4pPr>
-            <a:lvl5pPr>
-              <a:defRPr sz="1600"/>
-            </a:lvl5pPr>
-            <a:lvl6pPr>
-              <a:defRPr sz="1600"/>
-            </a:lvl6pPr>
-            <a:lvl7pPr>
-              <a:defRPr sz="1600"/>
-            </a:lvl7pPr>
-            <a:lvl8pPr>
-              <a:defRPr sz="1600"/>
-            </a:lvl8pPr>
-            <a:lvl9pPr>
-              <a:defRPr sz="1600"/>
-            </a:lvl9pPr>
-          </a:lstStyle>
-          <a:p>
-            <a:pPr lvl="0" rtl="0"/>
-            <a:r>
-              <a:rPr lang="de-DE" noProof="0"/>
-              <a:t>Mastertextformat bearbeiten</a:t>
-            </a:r>
-          </a:p>
-          <a:p>
-            <a:pPr lvl="1" rtl="0"/>
-            <a:r>
-              <a:rPr lang="de-DE" noProof="0"/>
-              <a:t>Zweite Ebene</a:t>
-            </a:r>
-          </a:p>
-          <a:p>
-            <a:pPr lvl="2" rtl="0"/>
-            <a:r>
-              <a:rPr lang="de-DE" noProof="0"/>
-              <a:t>Dritte Ebene</a:t>
-            </a:r>
-          </a:p>
-          <a:p>
-            <a:pPr lvl="3" rtl="0"/>
-            <a:r>
-              <a:rPr lang="de-DE" noProof="0"/>
-              <a:t>Vierte Ebene</a:t>
-            </a:r>
-          </a:p>
-          <a:p>
-            <a:pPr lvl="4" rtl="0"/>
-            <a:r>
-              <a:rPr lang="de-DE" noProof="0"/>
-              <a:t>Fünfte Ebene</a:t>
-            </a:r>
-            <a:endParaRPr lang="de-DE" noProof="0" dirty="0"/>
-          </a:p>
-        </p:txBody>
-      </p:sp>
-      <p:sp>
-        <p:nvSpPr>
-          <p:cNvPr id="7" name="Datumsplatzhalter 6"/>
-          <p:cNvSpPr>
-            <a:spLocks noGrp="1"/>
-          </p:cNvSpPr>
-          <p:nvPr>
-            <p:ph type="dt" sz="half" idx="10"/>
-          </p:nvPr>
-        </p:nvSpPr>
-        <p:spPr/>
-        <p:txBody>
-          <a:bodyPr rtlCol="0"/>
-          <a:lstStyle/>
-          <a:p>
-            <a:pPr rtl="0"/>
-            <a:fld id="{043C7498-DE73-40BA-8259-7A61304B4A11}" type="datetime1">
-              <a:rPr lang="de-DE" noProof="0" smtClean="0"/>
-              <a:t>02.07.2018</a:t>
-            </a:fld>
-            <a:endParaRPr lang="de-DE" noProof="0" dirty="0"/>
-          </a:p>
-        </p:txBody>
-      </p:sp>
-      <p:sp>
-        <p:nvSpPr>
-          <p:cNvPr id="8" name="Fußzeilenplatzhalter 7"/>
-          <p:cNvSpPr>
-            <a:spLocks noGrp="1"/>
-          </p:cNvSpPr>
-          <p:nvPr>
-            <p:ph type="ftr" sz="quarter" idx="11"/>
-          </p:nvPr>
-        </p:nvSpPr>
-        <p:spPr/>
-        <p:txBody>
-          <a:bodyPr rtlCol="0"/>
-          <a:lstStyle/>
-          <a:p>
-            <a:pPr rtl="0"/>
-            <a:r>
-              <a:rPr lang="de-DE" noProof="0" dirty="0"/>
-              <a:t>Fußzeile hinzufügen</a:t>
-            </a:r>
-          </a:p>
-        </p:txBody>
-      </p:sp>
-      <p:sp>
-        <p:nvSpPr>
-          <p:cNvPr id="9" name="Foliennummernplatzhalter 8"/>
-          <p:cNvSpPr>
-            <a:spLocks noGrp="1"/>
-          </p:cNvSpPr>
-          <p:nvPr>
-            <p:ph type="sldNum" sz="quarter" idx="12"/>
-          </p:nvPr>
-        </p:nvSpPr>
-        <p:spPr/>
-        <p:txBody>
-          <a:bodyPr rtlCol="0"/>
-          <a:lstStyle/>
-          <a:p>
-            <a:pPr rtl="0"/>
-            <a:fld id="{E31375A4-56A4-47D6-9801-1991572033F7}" type="slidenum">
-              <a:rPr lang="de-DE" noProof="0" smtClean="0"/>
-              <a:t>‹Nr.›</a:t>
-            </a:fld>
-            <a:endParaRPr lang="de-DE" noProof="0" dirty="0"/>
-          </a:p>
-        </p:txBody>
-      </p:sp>
-    </p:spTree>
-    <p:extLst>
-      <p:ext uri="{BB962C8B-B14F-4D97-AF65-F5344CB8AC3E}">
-        <p14:creationId xmlns:p14="http://schemas.microsoft.com/office/powerpoint/2010/main" val="801820745"/>
-      </p:ext>
-    </p:extLst>
-  </p:cSld>
-  <p:clrMapOvr>
-    <a:masterClrMapping/>
-  </p:clrMapOvr>
-  <mc:AlternateContent xmlns:mc="http://schemas.openxmlformats.org/markup-compatibility/2006" xmlns:p14="http://schemas.microsoft.com/office/powerpoint/2010/main">
-    <mc:Choice Requires="p14">
-      <p:transition spd="med" p14:dur="700">
-        <p:fade/>
-      </p:transition>
-    </mc:Choice>
-    <mc:Fallback xmlns="">
-      <p:transition spd="med">
-        <p:fade/>
-      </p:transition>
-    </mc:Fallback>
-  </mc:AlternateContent>
-</p:sldLayout>
-</file>
-
-<file path=ppt/slideLayouts/slideLayout17.xml><?xml version="1.0" encoding="utf-8"?>
-<p:sldLayout xmlns:a="http://schemas.openxmlformats.org/drawingml/2006/main" xmlns:r="http://schemas.openxmlformats.org/officeDocument/2006/relationships" xmlns:p="http://schemas.openxmlformats.org/presentationml/2006/main" type="titleOnly" preserve="1">
-  <p:cSld name="Nur Titel">
-    <p:spTree>
-      <p:nvGrpSpPr>
-        <p:cNvPr id="1" name=""/>
-        <p:cNvGrpSpPr/>
-        <p:nvPr/>
-      </p:nvGrpSpPr>
-      <p:grpSpPr>
-        <a:xfrm>
-          <a:off x="0" y="0"/>
-          <a:ext cx="0" cy="0"/>
-          <a:chOff x="0" y="0"/>
-          <a:chExt cx="0" cy="0"/>
-        </a:xfrm>
-      </p:grpSpPr>
-      <p:sp>
-        <p:nvSpPr>
-          <p:cNvPr id="2" name="Titel 1"/>
-          <p:cNvSpPr>
-            <a:spLocks noGrp="1"/>
-          </p:cNvSpPr>
-          <p:nvPr>
-            <p:ph type="title"/>
-          </p:nvPr>
-        </p:nvSpPr>
-        <p:spPr/>
-        <p:txBody>
-          <a:bodyPr rtlCol="0"/>
-          <a:lstStyle/>
-          <a:p>
-            <a:pPr rtl="0"/>
-            <a:r>
-              <a:rPr lang="de-DE" noProof="0"/>
-              <a:t>Mastertitelformat bearbeiten</a:t>
-            </a:r>
-            <a:endParaRPr lang="de-DE" noProof="0" dirty="0"/>
-          </a:p>
-        </p:txBody>
-      </p:sp>
-      <p:sp>
-        <p:nvSpPr>
-          <p:cNvPr id="3" name="Datumsplatzhalter 2"/>
-          <p:cNvSpPr>
-            <a:spLocks noGrp="1"/>
-          </p:cNvSpPr>
-          <p:nvPr>
-            <p:ph type="dt" sz="half" idx="10"/>
-          </p:nvPr>
-        </p:nvSpPr>
-        <p:spPr/>
-        <p:txBody>
-          <a:bodyPr rtlCol="0"/>
-          <a:lstStyle/>
-          <a:p>
-            <a:pPr rtl="0"/>
-            <a:fld id="{D50BC0BE-60D6-475F-BA14-B2ADC57A2245}" type="datetime1">
-              <a:rPr lang="de-DE" noProof="0" smtClean="0"/>
-              <a:t>02.07.2018</a:t>
-            </a:fld>
-            <a:endParaRPr lang="de-DE" noProof="0" dirty="0"/>
-          </a:p>
-        </p:txBody>
-      </p:sp>
-      <p:sp>
-        <p:nvSpPr>
-          <p:cNvPr id="4" name="Fußzeilenplatzhalter 3"/>
-          <p:cNvSpPr>
-            <a:spLocks noGrp="1"/>
-          </p:cNvSpPr>
-          <p:nvPr>
-            <p:ph type="ftr" sz="quarter" idx="11"/>
-          </p:nvPr>
-        </p:nvSpPr>
-        <p:spPr/>
-        <p:txBody>
-          <a:bodyPr rtlCol="0"/>
-          <a:lstStyle/>
-          <a:p>
-            <a:pPr rtl="0"/>
-            <a:r>
-              <a:rPr lang="de-DE" noProof="0" dirty="0"/>
-              <a:t>Fußzeile hinzufügen</a:t>
-            </a:r>
-          </a:p>
-        </p:txBody>
-      </p:sp>
-      <p:sp>
-        <p:nvSpPr>
-          <p:cNvPr id="5" name="Foliennummernplatzhalter 4"/>
-          <p:cNvSpPr>
-            <a:spLocks noGrp="1"/>
-          </p:cNvSpPr>
-          <p:nvPr>
-            <p:ph type="sldNum" sz="quarter" idx="12"/>
-          </p:nvPr>
-        </p:nvSpPr>
-        <p:spPr/>
-        <p:txBody>
-          <a:bodyPr rtlCol="0"/>
-          <a:lstStyle/>
-          <a:p>
-            <a:pPr rtl="0"/>
-            <a:fld id="{E31375A4-56A4-47D6-9801-1991572033F7}" type="slidenum">
-              <a:rPr lang="de-DE" noProof="0" smtClean="0"/>
-              <a:t>‹Nr.›</a:t>
-            </a:fld>
-            <a:endParaRPr lang="de-DE" noProof="0" dirty="0"/>
-          </a:p>
-        </p:txBody>
-      </p:sp>
-    </p:spTree>
-    <p:extLst>
-      <p:ext uri="{BB962C8B-B14F-4D97-AF65-F5344CB8AC3E}">
-        <p14:creationId xmlns:p14="http://schemas.microsoft.com/office/powerpoint/2010/main" val="290662718"/>
-      </p:ext>
-    </p:extLst>
-  </p:cSld>
-  <p:clrMapOvr>
-    <a:masterClrMapping/>
-  </p:clrMapOvr>
-  <mc:AlternateContent xmlns:mc="http://schemas.openxmlformats.org/markup-compatibility/2006" xmlns:p14="http://schemas.microsoft.com/office/powerpoint/2010/main">
-    <mc:Choice Requires="p14">
-      <p:transition spd="med" p14:dur="700">
-        <p:fade/>
-      </p:transition>
-    </mc:Choice>
-    <mc:Fallback xmlns="">
-      <p:transition spd="med">
-        <p:fade/>
-      </p:transition>
-    </mc:Fallback>
-  </mc:AlternateContent>
-</p:sldLayout>
-</file>
-
-<file path=ppt/slideLayouts/slideLayout18.xml><?xml version="1.0" encoding="utf-8"?>
-<p:sldLayout xmlns:a="http://schemas.openxmlformats.org/drawingml/2006/main" xmlns:r="http://schemas.openxmlformats.org/officeDocument/2006/relationships" xmlns:p="http://schemas.openxmlformats.org/presentationml/2006/main" preserve="1" userDrawn="1">
-  <p:cSld name="Leer">
-    <p:spTree>
-      <p:nvGrpSpPr>
-        <p:cNvPr id="1" name=""/>
-        <p:cNvGrpSpPr/>
-        <p:nvPr/>
-      </p:nvGrpSpPr>
-      <p:grpSpPr>
-        <a:xfrm>
-          <a:off x="0" y="0"/>
-          <a:ext cx="0" cy="0"/>
-          <a:chOff x="0" y="0"/>
-          <a:chExt cx="0" cy="0"/>
-        </a:xfrm>
-      </p:grpSpPr>
-      <p:sp>
-        <p:nvSpPr>
-          <p:cNvPr id="2" name="Datumsplatzhalter 1"/>
-          <p:cNvSpPr>
-            <a:spLocks noGrp="1"/>
-          </p:cNvSpPr>
-          <p:nvPr>
-            <p:ph type="dt" sz="half" idx="10"/>
-          </p:nvPr>
-        </p:nvSpPr>
-        <p:spPr/>
-        <p:txBody>
-          <a:bodyPr rtlCol="0"/>
-          <a:lstStyle/>
-          <a:p>
-            <a:pPr rtl="0"/>
-            <a:fld id="{A55A9D48-82C4-43D5-9652-C28047CA9FAA}" type="datetime1">
-              <a:rPr lang="de-DE" noProof="0" smtClean="0"/>
-              <a:t>02.07.2018</a:t>
-            </a:fld>
-            <a:endParaRPr lang="de-DE" noProof="0" dirty="0"/>
-          </a:p>
-        </p:txBody>
-      </p:sp>
-      <p:sp>
-        <p:nvSpPr>
-          <p:cNvPr id="3" name="Fußzeilenplatzhalter 2"/>
-          <p:cNvSpPr>
-            <a:spLocks noGrp="1"/>
-          </p:cNvSpPr>
-          <p:nvPr>
-            <p:ph type="ftr" sz="quarter" idx="11"/>
-          </p:nvPr>
-        </p:nvSpPr>
-        <p:spPr/>
-        <p:txBody>
-          <a:bodyPr rtlCol="0"/>
-          <a:lstStyle/>
-          <a:p>
-            <a:pPr rtl="0"/>
-            <a:r>
-              <a:rPr lang="de-DE" noProof="0" dirty="0"/>
-              <a:t>Fußzeile hinzufügen</a:t>
-            </a:r>
-          </a:p>
-        </p:txBody>
-      </p:sp>
-      <p:sp>
-        <p:nvSpPr>
-          <p:cNvPr id="4" name="Foliennummernplatzhalter 3"/>
-          <p:cNvSpPr>
-            <a:spLocks noGrp="1"/>
-          </p:cNvSpPr>
-          <p:nvPr>
-            <p:ph type="sldNum" sz="quarter" idx="12"/>
-          </p:nvPr>
-        </p:nvSpPr>
-        <p:spPr/>
-        <p:txBody>
-          <a:bodyPr rtlCol="0"/>
-          <a:lstStyle/>
-          <a:p>
-            <a:pPr rtl="0"/>
-            <a:fld id="{E31375A4-56A4-47D6-9801-1991572033F7}" type="slidenum">
-              <a:rPr lang="de-DE" noProof="0" smtClean="0"/>
-              <a:t>‹Nr.›</a:t>
-            </a:fld>
-            <a:endParaRPr lang="de-DE" noProof="0" dirty="0"/>
-          </a:p>
-        </p:txBody>
-      </p:sp>
-    </p:spTree>
-    <p:extLst>
-      <p:ext uri="{BB962C8B-B14F-4D97-AF65-F5344CB8AC3E}">
-        <p14:creationId xmlns:p14="http://schemas.microsoft.com/office/powerpoint/2010/main" val="1028602512"/>
-      </p:ext>
-    </p:extLst>
-  </p:cSld>
-  <p:clrMapOvr>
-    <a:masterClrMapping/>
-  </p:clrMapOvr>
-  <mc:AlternateContent xmlns:mc="http://schemas.openxmlformats.org/markup-compatibility/2006" xmlns:p14="http://schemas.microsoft.com/office/powerpoint/2010/main">
-    <mc:Choice Requires="p14">
-      <p:transition spd="med" p14:dur="700">
-        <p:fade/>
-      </p:transition>
-    </mc:Choice>
-    <mc:Fallback xmlns="">
-      <p:transition spd="med">
-        <p:fade/>
-      </p:transition>
-    </mc:Fallback>
-  </mc:AlternateContent>
-</p:sldLayout>
-</file>
-
-<file path=ppt/slideLayouts/slideLayout19.xml><?xml version="1.0" encoding="utf-8"?>
-<p:sldLayout xmlns:a="http://schemas.openxmlformats.org/drawingml/2006/main" xmlns:r="http://schemas.openxmlformats.org/officeDocument/2006/relationships" xmlns:p="http://schemas.openxmlformats.org/presentationml/2006/main" type="objTx" preserve="1">
-  <p:cSld name="Inhalt mit Beschriftung">
-    <p:bg>
-      <p:bgPr>
-        <a:blipFill dpi="0" rotWithShape="1">
-          <a:blip r:embed="rId2">
-            <a:lum/>
-          </a:blip>
-          <a:srcRect/>
-          <a:stretch>
-            <a:fillRect/>
-          </a:stretch>
-        </a:blipFill>
-        <a:effectLst/>
-      </p:bgPr>
-    </p:bg>
-    <p:spTree>
-      <p:nvGrpSpPr>
-        <p:cNvPr id="1" name=""/>
-        <p:cNvGrpSpPr/>
-        <p:nvPr/>
-      </p:nvGrpSpPr>
-      <p:grpSpPr>
-        <a:xfrm>
-          <a:off x="0" y="0"/>
-          <a:ext cx="0" cy="0"/>
-          <a:chOff x="0" y="0"/>
-          <a:chExt cx="0" cy="0"/>
-        </a:xfrm>
-      </p:grpSpPr>
-      <p:sp>
-        <p:nvSpPr>
-          <p:cNvPr id="2" name="Titel 1"/>
-          <p:cNvSpPr>
-            <a:spLocks noGrp="1"/>
-          </p:cNvSpPr>
-          <p:nvPr>
-            <p:ph type="title"/>
-          </p:nvPr>
-        </p:nvSpPr>
-        <p:spPr>
-          <a:xfrm>
-            <a:off x="6559420" y="408993"/>
-            <a:ext cx="4800937" cy="1828800"/>
-          </a:xfrm>
-        </p:spPr>
-        <p:txBody>
-          <a:bodyPr rtlCol="0" anchor="b">
-            <a:noAutofit/>
-          </a:bodyPr>
-          <a:lstStyle>
-            <a:lvl1pPr>
-              <a:defRPr sz="4100" spc="-80" baseline="0"/>
-            </a:lvl1pPr>
-          </a:lstStyle>
-          <a:p>
-            <a:pPr rtl="0"/>
-            <a:r>
-              <a:rPr lang="de-DE" noProof="0"/>
-              <a:t>Mastertitelformat bearbeiten</a:t>
-            </a:r>
-            <a:endParaRPr lang="de-DE" noProof="0" dirty="0"/>
-          </a:p>
-        </p:txBody>
-      </p:sp>
-      <p:sp>
-        <p:nvSpPr>
-          <p:cNvPr id="3" name="Inhaltsplatzhalter 2"/>
-          <p:cNvSpPr>
-            <a:spLocks noGrp="1"/>
-          </p:cNvSpPr>
-          <p:nvPr>
-            <p:ph idx="1"/>
-          </p:nvPr>
-        </p:nvSpPr>
-        <p:spPr>
-          <a:xfrm>
-            <a:off x="606491" y="381000"/>
-            <a:ext cx="5489510" cy="5791200"/>
-          </a:xfrm>
-        </p:spPr>
-        <p:txBody>
-          <a:bodyPr rtlCol="0">
-            <a:normAutofit/>
-          </a:bodyPr>
-          <a:lstStyle>
-            <a:lvl1pPr>
-              <a:defRPr sz="2400"/>
-            </a:lvl1pPr>
-            <a:lvl2pPr>
-              <a:defRPr sz="2000"/>
-            </a:lvl2pPr>
-            <a:lvl3pPr>
-              <a:defRPr sz="1800"/>
-            </a:lvl3pPr>
-            <a:lvl4pPr>
-              <a:defRPr sz="1600"/>
-            </a:lvl4pPr>
-            <a:lvl5pPr>
-              <a:defRPr sz="1600"/>
-            </a:lvl5pPr>
-            <a:lvl6pPr>
-              <a:defRPr sz="2000"/>
-            </a:lvl6pPr>
-            <a:lvl7pPr>
-              <a:defRPr sz="2000"/>
-            </a:lvl7pPr>
-            <a:lvl8pPr>
-              <a:defRPr sz="2000"/>
-            </a:lvl8pPr>
-            <a:lvl9pPr>
-              <a:defRPr sz="2000"/>
-            </a:lvl9pPr>
-          </a:lstStyle>
-          <a:p>
-            <a:pPr lvl="0" rtl="0"/>
-            <a:r>
-              <a:rPr lang="de-DE" noProof="0"/>
-              <a:t>Mastertextformat bearbeiten</a:t>
-            </a:r>
-          </a:p>
-          <a:p>
-            <a:pPr lvl="1" rtl="0"/>
-            <a:r>
-              <a:rPr lang="de-DE" noProof="0"/>
-              <a:t>Zweite Ebene</a:t>
-            </a:r>
-          </a:p>
-          <a:p>
-            <a:pPr lvl="2" rtl="0"/>
-            <a:r>
-              <a:rPr lang="de-DE" noProof="0"/>
-              <a:t>Dritte Ebene</a:t>
-            </a:r>
-          </a:p>
-          <a:p>
-            <a:pPr lvl="3" rtl="0"/>
-            <a:r>
-              <a:rPr lang="de-DE" noProof="0"/>
-              <a:t>Vierte Ebene</a:t>
-            </a:r>
-          </a:p>
-          <a:p>
-            <a:pPr lvl="4" rtl="0"/>
-            <a:r>
-              <a:rPr lang="de-DE" noProof="0"/>
-              <a:t>Fünfte Ebene</a:t>
-            </a:r>
-            <a:endParaRPr lang="de-DE" noProof="0" dirty="0"/>
-          </a:p>
-        </p:txBody>
-      </p:sp>
-      <p:sp>
-        <p:nvSpPr>
-          <p:cNvPr id="4" name="Textplatzhalter 3"/>
-          <p:cNvSpPr>
-            <a:spLocks noGrp="1"/>
-          </p:cNvSpPr>
-          <p:nvPr>
-            <p:ph type="body" sz="half" idx="2"/>
-          </p:nvPr>
-        </p:nvSpPr>
-        <p:spPr>
-          <a:xfrm>
-            <a:off x="6559420" y="2237793"/>
-            <a:ext cx="4800937" cy="1828800"/>
-          </a:xfrm>
-        </p:spPr>
-        <p:txBody>
-          <a:bodyPr rtlCol="0">
-            <a:normAutofit/>
-          </a:bodyPr>
-          <a:lstStyle>
-            <a:lvl1pPr marL="0" indent="0">
-              <a:spcBef>
-                <a:spcPts val="1200"/>
-              </a:spcBef>
-              <a:buNone/>
-              <a:defRPr sz="2000"/>
-            </a:lvl1pPr>
-            <a:lvl2pPr marL="457200" indent="0">
-              <a:buNone/>
-              <a:defRPr sz="1400"/>
-            </a:lvl2pPr>
-            <a:lvl3pPr marL="914400" indent="0">
-              <a:buNone/>
-              <a:defRPr sz="1200"/>
-            </a:lvl3pPr>
-            <a:lvl4pPr marL="1371600" indent="0">
-              <a:buNone/>
-              <a:defRPr sz="1000"/>
-            </a:lvl4pPr>
-            <a:lvl5pPr marL="1828800" indent="0">
-              <a:buNone/>
-              <a:defRPr sz="1000"/>
-            </a:lvl5pPr>
-            <a:lvl6pPr marL="2286000" indent="0">
-              <a:buNone/>
-              <a:defRPr sz="1000"/>
-            </a:lvl6pPr>
-            <a:lvl7pPr marL="2743200" indent="0">
-              <a:buNone/>
-              <a:defRPr sz="1000"/>
-            </a:lvl7pPr>
-            <a:lvl8pPr marL="3200400" indent="0">
-              <a:buNone/>
-              <a:defRPr sz="1000"/>
-            </a:lvl8pPr>
-            <a:lvl9pPr marL="3657600" indent="0">
-              <a:buNone/>
-              <a:defRPr sz="1000"/>
-            </a:lvl9pPr>
-          </a:lstStyle>
-          <a:p>
-            <a:pPr lvl="0" rtl="0"/>
-            <a:r>
-              <a:rPr lang="de-DE" noProof="0"/>
-              <a:t>Mastertextformat bearbeiten</a:t>
-            </a:r>
-          </a:p>
-        </p:txBody>
-      </p:sp>
-      <p:sp>
-        <p:nvSpPr>
-          <p:cNvPr id="5" name="Datumsplatzhalter 4"/>
-          <p:cNvSpPr>
-            <a:spLocks noGrp="1"/>
-          </p:cNvSpPr>
-          <p:nvPr>
-            <p:ph type="dt" sz="half" idx="10"/>
-          </p:nvPr>
-        </p:nvSpPr>
-        <p:spPr/>
-        <p:txBody>
-          <a:bodyPr rtlCol="0"/>
-          <a:lstStyle/>
-          <a:p>
-            <a:pPr rtl="0"/>
-            <a:fld id="{E63A1BB5-EA83-4F89-9699-AAA010E19188}" type="datetime1">
-              <a:rPr lang="de-DE" noProof="0" smtClean="0"/>
-              <a:t>02.07.2018</a:t>
-            </a:fld>
-            <a:endParaRPr lang="de-DE" noProof="0" dirty="0"/>
-          </a:p>
-        </p:txBody>
-      </p:sp>
-      <p:sp>
-        <p:nvSpPr>
-          <p:cNvPr id="6" name="Fußzeilenplatzhalter 5"/>
-          <p:cNvSpPr>
-            <a:spLocks noGrp="1"/>
-          </p:cNvSpPr>
-          <p:nvPr>
-            <p:ph type="ftr" sz="quarter" idx="11"/>
-          </p:nvPr>
-        </p:nvSpPr>
-        <p:spPr/>
-        <p:txBody>
-          <a:bodyPr rtlCol="0"/>
-          <a:lstStyle/>
-          <a:p>
-            <a:pPr rtl="0"/>
-            <a:r>
-              <a:rPr lang="de-DE" noProof="0" dirty="0"/>
-              <a:t>Fußzeile hinzufügen</a:t>
-            </a:r>
-          </a:p>
-        </p:txBody>
-      </p:sp>
-      <p:sp>
-        <p:nvSpPr>
-          <p:cNvPr id="7" name="Foliennummernplatzhalter 6"/>
-          <p:cNvSpPr>
-            <a:spLocks noGrp="1"/>
-          </p:cNvSpPr>
-          <p:nvPr>
-            <p:ph type="sldNum" sz="quarter" idx="12"/>
-          </p:nvPr>
-        </p:nvSpPr>
-        <p:spPr/>
-        <p:txBody>
-          <a:bodyPr rtlCol="0"/>
-          <a:lstStyle/>
-          <a:p>
-            <a:pPr rtl="0"/>
-            <a:fld id="{E31375A4-56A4-47D6-9801-1991572033F7}" type="slidenum">
-              <a:rPr lang="de-DE" noProof="0" smtClean="0"/>
-              <a:t>‹Nr.›</a:t>
-            </a:fld>
-            <a:endParaRPr lang="de-DE" noProof="0" dirty="0"/>
-          </a:p>
-        </p:txBody>
-      </p:sp>
-    </p:spTree>
-    <p:extLst>
-      <p:ext uri="{BB962C8B-B14F-4D97-AF65-F5344CB8AC3E}">
-        <p14:creationId xmlns:p14="http://schemas.microsoft.com/office/powerpoint/2010/main" val="485848725"/>
-      </p:ext>
-    </p:extLst>
-  </p:cSld>
-  <p:clrMapOvr>
-    <a:masterClrMapping/>
-  </p:clrMapOvr>
-  <mc:AlternateContent xmlns:mc="http://schemas.openxmlformats.org/markup-compatibility/2006" xmlns:p14="http://schemas.microsoft.com/office/powerpoint/2010/main">
-    <mc:Choice Requires="p14">
-      <p:transition spd="med" p14:dur="700">
-        <p:fade/>
-      </p:transition>
-    </mc:Choice>
-    <mc:Fallback xmlns="">
-      <p:transition spd="med">
-        <p:fade/>
-      </p:transition>
-    </mc:Fallback>
-  </mc:AlternateContent>
-</p:sldLayout>
-</file>
-
 <file path=ppt/slideLayouts/slideLayout2.xml><?xml version="1.0" encoding="utf-8"?>
 <p:sldLayout xmlns:a="http://schemas.openxmlformats.org/drawingml/2006/main" xmlns:r="http://schemas.openxmlformats.org/officeDocument/2006/relationships" xmlns:p="http://schemas.openxmlformats.org/presentationml/2006/main" type="obj" preserve="1">
   <p:cSld name="Titel und Inhalt">
@@ -4033,680 +2090,6 @@
   <p:clrMapOvr>
     <a:masterClrMapping/>
   </p:clrMapOvr>
-</p:sldLayout>
-</file>
-
-<file path=ppt/slideLayouts/slideLayout20.xml><?xml version="1.0" encoding="utf-8"?>
-<p:sldLayout xmlns:a="http://schemas.openxmlformats.org/drawingml/2006/main" xmlns:r="http://schemas.openxmlformats.org/officeDocument/2006/relationships" xmlns:p="http://schemas.openxmlformats.org/presentationml/2006/main" type="picTx" preserve="1">
-  <p:cSld name="Bild mit Beschriftung">
-    <p:bg>
-      <p:bgPr>
-        <a:blipFill dpi="0" rotWithShape="1">
-          <a:blip r:embed="rId2">
-            <a:lum/>
-          </a:blip>
-          <a:srcRect/>
-          <a:stretch>
-            <a:fillRect/>
-          </a:stretch>
-        </a:blipFill>
-        <a:effectLst/>
-      </p:bgPr>
-    </p:bg>
-    <p:spTree>
-      <p:nvGrpSpPr>
-        <p:cNvPr id="1" name=""/>
-        <p:cNvGrpSpPr/>
-        <p:nvPr/>
-      </p:nvGrpSpPr>
-      <p:grpSpPr>
-        <a:xfrm>
-          <a:off x="0" y="0"/>
-          <a:ext cx="0" cy="0"/>
-          <a:chOff x="0" y="0"/>
-          <a:chExt cx="0" cy="0"/>
-        </a:xfrm>
-      </p:grpSpPr>
-      <p:sp>
-        <p:nvSpPr>
-          <p:cNvPr id="8" name="Rechteck 7"/>
-          <p:cNvSpPr/>
-          <p:nvPr userDrawn="1"/>
-        </p:nvSpPr>
-        <p:spPr>
-          <a:xfrm>
-            <a:off x="0" y="0"/>
-            <a:ext cx="6096000" cy="6858000"/>
-          </a:xfrm>
-          <a:prstGeom prst="rect">
-            <a:avLst/>
-          </a:prstGeom>
-          <a:solidFill>
-            <a:schemeClr val="bg1"/>
-          </a:solidFill>
-          <a:ln>
-            <a:noFill/>
-          </a:ln>
-        </p:spPr>
-        <p:style>
-          <a:lnRef idx="2">
-            <a:schemeClr val="accent1">
-              <a:shade val="50000"/>
-            </a:schemeClr>
-          </a:lnRef>
-          <a:fillRef idx="1">
-            <a:schemeClr val="accent1"/>
-          </a:fillRef>
-          <a:effectRef idx="0">
-            <a:schemeClr val="accent1"/>
-          </a:effectRef>
-          <a:fontRef idx="minor">
-            <a:schemeClr val="lt1"/>
-          </a:fontRef>
-        </p:style>
-        <p:txBody>
-          <a:bodyPr rtlCol="0" anchor="ctr"/>
-          <a:lstStyle/>
-          <a:p>
-            <a:pPr algn="ctr" rtl="0"/>
-            <a:endParaRPr lang="de-DE" noProof="0" dirty="0"/>
-          </a:p>
-        </p:txBody>
-      </p:sp>
-      <p:sp>
-        <p:nvSpPr>
-          <p:cNvPr id="2" name="Titel 1"/>
-          <p:cNvSpPr>
-            <a:spLocks noGrp="1"/>
-          </p:cNvSpPr>
-          <p:nvPr>
-            <p:ph type="title"/>
-          </p:nvPr>
-        </p:nvSpPr>
-        <p:spPr>
-          <a:xfrm>
-            <a:off x="6556248" y="384048"/>
-            <a:ext cx="4800600" cy="1828800"/>
-          </a:xfrm>
-        </p:spPr>
-        <p:txBody>
-          <a:bodyPr rtlCol="0" anchor="b">
-            <a:noAutofit/>
-          </a:bodyPr>
-          <a:lstStyle>
-            <a:lvl1pPr>
-              <a:defRPr sz="4100" spc="-80" baseline="0">
-                <a:solidFill>
-                  <a:schemeClr val="bg1"/>
-                </a:solidFill>
-              </a:defRPr>
-            </a:lvl1pPr>
-          </a:lstStyle>
-          <a:p>
-            <a:pPr rtl="0"/>
-            <a:r>
-              <a:rPr lang="de-DE" noProof="0"/>
-              <a:t>Mastertitelformat bearbeiten</a:t>
-            </a:r>
-            <a:endParaRPr lang="de-DE" noProof="0" dirty="0"/>
-          </a:p>
-        </p:txBody>
-      </p:sp>
-      <p:sp>
-        <p:nvSpPr>
-          <p:cNvPr id="3" name="Bildplatzhalter 2" descr="Leerer Platzhalter zum Hinzufügen eines Bilds. Klicken Sie auf den Platzhalter, und wählen Sie das hinzuzufügende Bild aus."/>
-          <p:cNvSpPr>
-            <a:spLocks noGrp="1"/>
-          </p:cNvSpPr>
-          <p:nvPr>
-            <p:ph type="pic" idx="1"/>
-          </p:nvPr>
-        </p:nvSpPr>
-        <p:spPr>
-          <a:xfrm>
-            <a:off x="0" y="0"/>
-            <a:ext cx="6096000" cy="6858000"/>
-          </a:xfrm>
-          <a:ln>
-            <a:noFill/>
-          </a:ln>
-        </p:spPr>
-        <p:txBody>
-          <a:bodyPr tIns="457200" rtlCol="0">
-            <a:normAutofit/>
-          </a:bodyPr>
-          <a:lstStyle>
-            <a:lvl1pPr marL="0" indent="0" algn="ctr">
-              <a:buNone/>
-              <a:defRPr sz="2400"/>
-            </a:lvl1pPr>
-            <a:lvl2pPr marL="457200" indent="0">
-              <a:buNone/>
-              <a:defRPr sz="2800"/>
-            </a:lvl2pPr>
-            <a:lvl3pPr marL="914400" indent="0">
-              <a:buNone/>
-              <a:defRPr sz="2400"/>
-            </a:lvl3pPr>
-            <a:lvl4pPr marL="1371600" indent="0">
-              <a:buNone/>
-              <a:defRPr sz="2000"/>
-            </a:lvl4pPr>
-            <a:lvl5pPr marL="1828800" indent="0">
-              <a:buNone/>
-              <a:defRPr sz="2000"/>
-            </a:lvl5pPr>
-            <a:lvl6pPr marL="2286000" indent="0">
-              <a:buNone/>
-              <a:defRPr sz="2000"/>
-            </a:lvl6pPr>
-            <a:lvl7pPr marL="2743200" indent="0">
-              <a:buNone/>
-              <a:defRPr sz="2000"/>
-            </a:lvl7pPr>
-            <a:lvl8pPr marL="3200400" indent="0">
-              <a:buNone/>
-              <a:defRPr sz="2000"/>
-            </a:lvl8pPr>
-            <a:lvl9pPr marL="3657600" indent="0">
-              <a:buNone/>
-              <a:defRPr sz="2000"/>
-            </a:lvl9pPr>
-          </a:lstStyle>
-          <a:p>
-            <a:pPr rtl="0"/>
-            <a:r>
-              <a:rPr lang="de-DE" noProof="0"/>
-              <a:t>Bild durch Klicken auf Symbol hinzufügen</a:t>
-            </a:r>
-            <a:endParaRPr lang="de-DE" noProof="0" dirty="0"/>
-          </a:p>
-        </p:txBody>
-      </p:sp>
-      <p:sp>
-        <p:nvSpPr>
-          <p:cNvPr id="4" name="Textplatzhalter 3"/>
-          <p:cNvSpPr>
-            <a:spLocks noGrp="1"/>
-          </p:cNvSpPr>
-          <p:nvPr>
-            <p:ph type="body" sz="half" idx="2"/>
-          </p:nvPr>
-        </p:nvSpPr>
-        <p:spPr>
-          <a:xfrm>
-            <a:off x="6556249" y="2240280"/>
-            <a:ext cx="4799140" cy="1828800"/>
-          </a:xfrm>
-        </p:spPr>
-        <p:txBody>
-          <a:bodyPr rtlCol="0">
-            <a:normAutofit/>
-          </a:bodyPr>
-          <a:lstStyle>
-            <a:lvl1pPr marL="0" indent="0">
-              <a:spcBef>
-                <a:spcPts val="1200"/>
-              </a:spcBef>
-              <a:buNone/>
-              <a:defRPr sz="2000"/>
-            </a:lvl1pPr>
-            <a:lvl2pPr marL="457200" indent="0">
-              <a:buNone/>
-              <a:defRPr sz="1400"/>
-            </a:lvl2pPr>
-            <a:lvl3pPr marL="914400" indent="0">
-              <a:buNone/>
-              <a:defRPr sz="1200"/>
-            </a:lvl3pPr>
-            <a:lvl4pPr marL="1371600" indent="0">
-              <a:buNone/>
-              <a:defRPr sz="1000"/>
-            </a:lvl4pPr>
-            <a:lvl5pPr marL="1828800" indent="0">
-              <a:buNone/>
-              <a:defRPr sz="1000"/>
-            </a:lvl5pPr>
-            <a:lvl6pPr marL="2286000" indent="0">
-              <a:buNone/>
-              <a:defRPr sz="1000"/>
-            </a:lvl6pPr>
-            <a:lvl7pPr marL="2743200" indent="0">
-              <a:buNone/>
-              <a:defRPr sz="1000"/>
-            </a:lvl7pPr>
-            <a:lvl8pPr marL="3200400" indent="0">
-              <a:buNone/>
-              <a:defRPr sz="1000"/>
-            </a:lvl8pPr>
-            <a:lvl9pPr marL="3657600" indent="0">
-              <a:buNone/>
-              <a:defRPr sz="1000"/>
-            </a:lvl9pPr>
-          </a:lstStyle>
-          <a:p>
-            <a:pPr lvl="0" rtl="0"/>
-            <a:r>
-              <a:rPr lang="de-DE" noProof="0"/>
-              <a:t>Mastertextformat bearbeiten</a:t>
-            </a:r>
-          </a:p>
-        </p:txBody>
-      </p:sp>
-    </p:spTree>
-    <p:extLst>
-      <p:ext uri="{BB962C8B-B14F-4D97-AF65-F5344CB8AC3E}">
-        <p14:creationId xmlns:p14="http://schemas.microsoft.com/office/powerpoint/2010/main" val="676468240"/>
-      </p:ext>
-    </p:extLst>
-  </p:cSld>
-  <p:clrMapOvr>
-    <a:masterClrMapping/>
-  </p:clrMapOvr>
-  <mc:AlternateContent xmlns:mc="http://schemas.openxmlformats.org/markup-compatibility/2006" xmlns:p14="http://schemas.microsoft.com/office/powerpoint/2010/main">
-    <mc:Choice Requires="p14">
-      <p:transition spd="med" p14:dur="700">
-        <p:fade/>
-      </p:transition>
-    </mc:Choice>
-    <mc:Fallback xmlns="">
-      <p:transition spd="med">
-        <p:fade/>
-      </p:transition>
-    </mc:Fallback>
-  </mc:AlternateContent>
-</p:sldLayout>
-</file>
-
-<file path=ppt/slideLayouts/slideLayout21.xml><?xml version="1.0" encoding="utf-8"?>
-<p:sldLayout xmlns:a="http://schemas.openxmlformats.org/drawingml/2006/main" xmlns:r="http://schemas.openxmlformats.org/officeDocument/2006/relationships" xmlns:p="http://schemas.openxmlformats.org/presentationml/2006/main" type="vertTx" preserve="1">
-  <p:cSld name="Titel und vertikaler Text">
-    <p:spTree>
-      <p:nvGrpSpPr>
-        <p:cNvPr id="1" name=""/>
-        <p:cNvGrpSpPr/>
-        <p:nvPr/>
-      </p:nvGrpSpPr>
-      <p:grpSpPr>
-        <a:xfrm>
-          <a:off x="0" y="0"/>
-          <a:ext cx="0" cy="0"/>
-          <a:chOff x="0" y="0"/>
-          <a:chExt cx="0" cy="0"/>
-        </a:xfrm>
-      </p:grpSpPr>
-      <p:sp>
-        <p:nvSpPr>
-          <p:cNvPr id="2" name="Titel 1"/>
-          <p:cNvSpPr>
-            <a:spLocks noGrp="1"/>
-          </p:cNvSpPr>
-          <p:nvPr>
-            <p:ph type="title"/>
-          </p:nvPr>
-        </p:nvSpPr>
-        <p:spPr/>
-        <p:txBody>
-          <a:bodyPr rtlCol="0"/>
-          <a:lstStyle/>
-          <a:p>
-            <a:pPr rtl="0"/>
-            <a:r>
-              <a:rPr lang="de-DE" noProof="0"/>
-              <a:t>Mastertitelformat bearbeiten</a:t>
-            </a:r>
-            <a:endParaRPr lang="de-DE" noProof="0" dirty="0"/>
-          </a:p>
-        </p:txBody>
-      </p:sp>
-      <p:sp>
-        <p:nvSpPr>
-          <p:cNvPr id="3" name="Vertikaler Textplatzhalter 2"/>
-          <p:cNvSpPr>
-            <a:spLocks noGrp="1"/>
-          </p:cNvSpPr>
-          <p:nvPr>
-            <p:ph type="body" orient="vert" idx="1"/>
-          </p:nvPr>
-        </p:nvSpPr>
-        <p:spPr/>
-        <p:txBody>
-          <a:bodyPr vert="eaVert" rtlCol="0"/>
-          <a:lstStyle/>
-          <a:p>
-            <a:pPr lvl="0" rtl="0"/>
-            <a:r>
-              <a:rPr lang="de-DE" noProof="0"/>
-              <a:t>Mastertextformat bearbeiten</a:t>
-            </a:r>
-          </a:p>
-          <a:p>
-            <a:pPr lvl="1" rtl="0"/>
-            <a:r>
-              <a:rPr lang="de-DE" noProof="0"/>
-              <a:t>Zweite Ebene</a:t>
-            </a:r>
-          </a:p>
-          <a:p>
-            <a:pPr lvl="2" rtl="0"/>
-            <a:r>
-              <a:rPr lang="de-DE" noProof="0"/>
-              <a:t>Dritte Ebene</a:t>
-            </a:r>
-          </a:p>
-          <a:p>
-            <a:pPr lvl="3" rtl="0"/>
-            <a:r>
-              <a:rPr lang="de-DE" noProof="0"/>
-              <a:t>Vierte Ebene</a:t>
-            </a:r>
-          </a:p>
-          <a:p>
-            <a:pPr lvl="4" rtl="0"/>
-            <a:r>
-              <a:rPr lang="de-DE" noProof="0"/>
-              <a:t>Fünfte Ebene</a:t>
-            </a:r>
-            <a:endParaRPr lang="de-DE" noProof="0" dirty="0"/>
-          </a:p>
-        </p:txBody>
-      </p:sp>
-      <p:sp>
-        <p:nvSpPr>
-          <p:cNvPr id="4" name="Datumsplatzhalter 3"/>
-          <p:cNvSpPr>
-            <a:spLocks noGrp="1"/>
-          </p:cNvSpPr>
-          <p:nvPr>
-            <p:ph type="dt" sz="half" idx="10"/>
-          </p:nvPr>
-        </p:nvSpPr>
-        <p:spPr/>
-        <p:txBody>
-          <a:bodyPr rtlCol="0"/>
-          <a:lstStyle/>
-          <a:p>
-            <a:pPr rtl="0"/>
-            <a:fld id="{D1CFBF31-2E67-4300-8101-A0ED991CFD6C}" type="datetime1">
-              <a:rPr lang="de-DE" noProof="0" smtClean="0"/>
-              <a:t>02.07.2018</a:t>
-            </a:fld>
-            <a:endParaRPr lang="de-DE" noProof="0" dirty="0"/>
-          </a:p>
-        </p:txBody>
-      </p:sp>
-      <p:sp>
-        <p:nvSpPr>
-          <p:cNvPr id="5" name="Fußzeilenplatzhalter 4"/>
-          <p:cNvSpPr>
-            <a:spLocks noGrp="1"/>
-          </p:cNvSpPr>
-          <p:nvPr>
-            <p:ph type="ftr" sz="quarter" idx="11"/>
-          </p:nvPr>
-        </p:nvSpPr>
-        <p:spPr/>
-        <p:txBody>
-          <a:bodyPr rtlCol="0"/>
-          <a:lstStyle/>
-          <a:p>
-            <a:pPr rtl="0"/>
-            <a:r>
-              <a:rPr lang="de-DE" noProof="0" dirty="0"/>
-              <a:t>Fußzeile hinzufügen</a:t>
-            </a:r>
-          </a:p>
-        </p:txBody>
-      </p:sp>
-      <p:sp>
-        <p:nvSpPr>
-          <p:cNvPr id="6" name="Foliennummernplatzhalter 5"/>
-          <p:cNvSpPr>
-            <a:spLocks noGrp="1"/>
-          </p:cNvSpPr>
-          <p:nvPr>
-            <p:ph type="sldNum" sz="quarter" idx="12"/>
-          </p:nvPr>
-        </p:nvSpPr>
-        <p:spPr/>
-        <p:txBody>
-          <a:bodyPr rtlCol="0"/>
-          <a:lstStyle/>
-          <a:p>
-            <a:pPr rtl="0"/>
-            <a:fld id="{E31375A4-56A4-47D6-9801-1991572033F7}" type="slidenum">
-              <a:rPr lang="de-DE" noProof="0" smtClean="0"/>
-              <a:t>‹Nr.›</a:t>
-            </a:fld>
-            <a:endParaRPr lang="de-DE" noProof="0" dirty="0"/>
-          </a:p>
-        </p:txBody>
-      </p:sp>
-    </p:spTree>
-    <p:extLst>
-      <p:ext uri="{BB962C8B-B14F-4D97-AF65-F5344CB8AC3E}">
-        <p14:creationId xmlns:p14="http://schemas.microsoft.com/office/powerpoint/2010/main" val="566862692"/>
-      </p:ext>
-    </p:extLst>
-  </p:cSld>
-  <p:clrMapOvr>
-    <a:masterClrMapping/>
-  </p:clrMapOvr>
-  <mc:AlternateContent xmlns:mc="http://schemas.openxmlformats.org/markup-compatibility/2006" xmlns:p14="http://schemas.microsoft.com/office/powerpoint/2010/main">
-    <mc:Choice Requires="p14">
-      <p:transition spd="med" p14:dur="700">
-        <p:fade/>
-      </p:transition>
-    </mc:Choice>
-    <mc:Fallback xmlns="">
-      <p:transition spd="med">
-        <p:fade/>
-      </p:transition>
-    </mc:Fallback>
-  </mc:AlternateContent>
-</p:sldLayout>
-</file>
-
-<file path=ppt/slideLayouts/slideLayout22.xml><?xml version="1.0" encoding="utf-8"?>
-<p:sldLayout xmlns:a="http://schemas.openxmlformats.org/drawingml/2006/main" xmlns:r="http://schemas.openxmlformats.org/officeDocument/2006/relationships" xmlns:p="http://schemas.openxmlformats.org/presentationml/2006/main" type="vertTitleAndTx" preserve="1">
-  <p:cSld name="Vertikaler Titel und Text">
-    <p:spTree>
-      <p:nvGrpSpPr>
-        <p:cNvPr id="1" name=""/>
-        <p:cNvGrpSpPr/>
-        <p:nvPr/>
-      </p:nvGrpSpPr>
-      <p:grpSpPr>
-        <a:xfrm>
-          <a:off x="0" y="0"/>
-          <a:ext cx="0" cy="0"/>
-          <a:chOff x="0" y="0"/>
-          <a:chExt cx="0" cy="0"/>
-        </a:xfrm>
-      </p:grpSpPr>
-      <p:sp>
-        <p:nvSpPr>
-          <p:cNvPr id="2" name="Vertikaler Titel 1"/>
-          <p:cNvSpPr>
-            <a:spLocks noGrp="1"/>
-          </p:cNvSpPr>
-          <p:nvPr>
-            <p:ph type="title" orient="vert"/>
-          </p:nvPr>
-        </p:nvSpPr>
-        <p:spPr>
-          <a:xfrm>
-            <a:off x="9342120" y="380999"/>
-            <a:ext cx="2011680" cy="6096001"/>
-          </a:xfrm>
-        </p:spPr>
-        <p:txBody>
-          <a:bodyPr vert="eaVert" rtlCol="0"/>
-          <a:lstStyle>
-            <a:lvl1pPr>
-              <a:defRPr/>
-            </a:lvl1pPr>
-          </a:lstStyle>
-          <a:p>
-            <a:pPr rtl="0"/>
-            <a:r>
-              <a:rPr lang="de-DE" noProof="0"/>
-              <a:t>Mastertitelformat bearbeiten</a:t>
-            </a:r>
-            <a:endParaRPr lang="de-DE" noProof="0" dirty="0"/>
-          </a:p>
-        </p:txBody>
-      </p:sp>
-      <p:sp>
-        <p:nvSpPr>
-          <p:cNvPr id="3" name="Vertikaler Textplatzhalter 2"/>
-          <p:cNvSpPr>
-            <a:spLocks noGrp="1"/>
-          </p:cNvSpPr>
-          <p:nvPr>
-            <p:ph type="body" orient="vert" idx="1"/>
-          </p:nvPr>
-        </p:nvSpPr>
-        <p:spPr>
-          <a:xfrm>
-            <a:off x="1981199" y="380999"/>
-            <a:ext cx="7074859" cy="6096001"/>
-          </a:xfrm>
-        </p:spPr>
-        <p:txBody>
-          <a:bodyPr vert="eaVert" rtlCol="0"/>
-          <a:lstStyle/>
-          <a:p>
-            <a:pPr lvl="0" rtl="0"/>
-            <a:r>
-              <a:rPr lang="de-DE" noProof="0"/>
-              <a:t>Mastertextformat bearbeiten</a:t>
-            </a:r>
-          </a:p>
-          <a:p>
-            <a:pPr lvl="1" rtl="0"/>
-            <a:r>
-              <a:rPr lang="de-DE" noProof="0"/>
-              <a:t>Zweite Ebene</a:t>
-            </a:r>
-          </a:p>
-          <a:p>
-            <a:pPr lvl="2" rtl="0"/>
-            <a:r>
-              <a:rPr lang="de-DE" noProof="0"/>
-              <a:t>Dritte Ebene</a:t>
-            </a:r>
-          </a:p>
-          <a:p>
-            <a:pPr lvl="3" rtl="0"/>
-            <a:r>
-              <a:rPr lang="de-DE" noProof="0"/>
-              <a:t>Vierte Ebene</a:t>
-            </a:r>
-          </a:p>
-          <a:p>
-            <a:pPr lvl="4" rtl="0"/>
-            <a:r>
-              <a:rPr lang="de-DE" noProof="0"/>
-              <a:t>Fünfte Ebene</a:t>
-            </a:r>
-            <a:endParaRPr lang="de-DE" noProof="0" dirty="0"/>
-          </a:p>
-        </p:txBody>
-      </p:sp>
-      <p:sp>
-        <p:nvSpPr>
-          <p:cNvPr id="4" name="Datumsplatzhalter 3"/>
-          <p:cNvSpPr>
-            <a:spLocks noGrp="1"/>
-          </p:cNvSpPr>
-          <p:nvPr>
-            <p:ph type="dt" sz="half" idx="10"/>
-          </p:nvPr>
-        </p:nvSpPr>
-        <p:spPr/>
-        <p:txBody>
-          <a:bodyPr rtlCol="0"/>
-          <a:lstStyle/>
-          <a:p>
-            <a:pPr rtl="0"/>
-            <a:fld id="{045F7D65-2C86-423A-B61F-8093B607745C}" type="datetime1">
-              <a:rPr lang="de-DE" noProof="0" smtClean="0"/>
-              <a:t>02.07.2018</a:t>
-            </a:fld>
-            <a:endParaRPr lang="de-DE" noProof="0" dirty="0"/>
-          </a:p>
-        </p:txBody>
-      </p:sp>
-      <p:sp>
-        <p:nvSpPr>
-          <p:cNvPr id="5" name="Fußzeilenplatzhalter 4"/>
-          <p:cNvSpPr>
-            <a:spLocks noGrp="1"/>
-          </p:cNvSpPr>
-          <p:nvPr>
-            <p:ph type="ftr" sz="quarter" idx="11"/>
-          </p:nvPr>
-        </p:nvSpPr>
-        <p:spPr/>
-        <p:txBody>
-          <a:bodyPr rtlCol="0"/>
-          <a:lstStyle/>
-          <a:p>
-            <a:pPr rtl="0"/>
-            <a:r>
-              <a:rPr lang="de-DE" noProof="0" dirty="0"/>
-              <a:t>Fußzeile hinzufügen</a:t>
-            </a:r>
-          </a:p>
-        </p:txBody>
-      </p:sp>
-      <p:sp>
-        <p:nvSpPr>
-          <p:cNvPr id="6" name="Foliennummernplatzhalter 5"/>
-          <p:cNvSpPr>
-            <a:spLocks noGrp="1"/>
-          </p:cNvSpPr>
-          <p:nvPr>
-            <p:ph type="sldNum" sz="quarter" idx="12"/>
-          </p:nvPr>
-        </p:nvSpPr>
-        <p:spPr/>
-        <p:txBody>
-          <a:bodyPr rtlCol="0"/>
-          <a:lstStyle/>
-          <a:p>
-            <a:pPr rtl="0"/>
-            <a:fld id="{E31375A4-56A4-47D6-9801-1991572033F7}" type="slidenum">
-              <a:rPr lang="de-DE" noProof="0" smtClean="0"/>
-              <a:t>‹Nr.›</a:t>
-            </a:fld>
-            <a:endParaRPr lang="de-DE" noProof="0" dirty="0"/>
-          </a:p>
-        </p:txBody>
-      </p:sp>
-    </p:spTree>
-    <p:extLst>
-      <p:ext uri="{BB962C8B-B14F-4D97-AF65-F5344CB8AC3E}">
-        <p14:creationId xmlns:p14="http://schemas.microsoft.com/office/powerpoint/2010/main" val="1286592776"/>
-      </p:ext>
-    </p:extLst>
-  </p:cSld>
-  <p:clrMapOvr>
-    <a:masterClrMapping/>
-  </p:clrMapOvr>
-  <mc:AlternateContent xmlns:mc="http://schemas.openxmlformats.org/markup-compatibility/2006" xmlns:p14="http://schemas.microsoft.com/office/powerpoint/2010/main">
-    <mc:Choice Requires="p14">
-      <p:transition spd="med" p14:dur="700">
-        <p:fade/>
-      </p:transition>
-    </mc:Choice>
-    <mc:Fallback xmlns="">
-      <p:transition spd="med">
-        <p:fade/>
-      </p:transition>
-    </mc:Fallback>
-  </mc:AlternateContent>
 </p:sldLayout>
 </file>
 
@@ -7083,604 +4466,6 @@
 </p:sldMaster>
 </file>
 
-<file path=ppt/slideMasters/slideMaster2.xml><?xml version="1.0" encoding="utf-8"?>
-<p:sldMaster xmlns:a="http://schemas.openxmlformats.org/drawingml/2006/main" xmlns:r="http://schemas.openxmlformats.org/officeDocument/2006/relationships" xmlns:p="http://schemas.openxmlformats.org/presentationml/2006/main">
-  <p:cSld>
-    <p:bg>
-      <p:bgPr>
-        <a:blipFill dpi="0" rotWithShape="1">
-          <a:blip r:embed="rId13">
-            <a:lum/>
-          </a:blip>
-          <a:srcRect/>
-          <a:stretch>
-            <a:fillRect/>
-          </a:stretch>
-        </a:blipFill>
-        <a:effectLst/>
-      </p:bgPr>
-    </p:bg>
-    <p:spTree>
-      <p:nvGrpSpPr>
-        <p:cNvPr id="1" name=""/>
-        <p:cNvGrpSpPr/>
-        <p:nvPr/>
-      </p:nvGrpSpPr>
-      <p:grpSpPr>
-        <a:xfrm>
-          <a:off x="0" y="0"/>
-          <a:ext cx="0" cy="0"/>
-          <a:chOff x="0" y="0"/>
-          <a:chExt cx="0" cy="0"/>
-        </a:xfrm>
-      </p:grpSpPr>
-      <p:sp>
-        <p:nvSpPr>
-          <p:cNvPr id="2" name="Titelplatzhalter 1"/>
-          <p:cNvSpPr>
-            <a:spLocks noGrp="1"/>
-          </p:cNvSpPr>
-          <p:nvPr>
-            <p:ph type="title"/>
-          </p:nvPr>
-        </p:nvSpPr>
-        <p:spPr>
-          <a:xfrm>
-            <a:off x="1981200" y="381000"/>
-            <a:ext cx="9372600" cy="1295400"/>
-          </a:xfrm>
-          <a:prstGeom prst="rect">
-            <a:avLst/>
-          </a:prstGeom>
-        </p:spPr>
-        <p:txBody>
-          <a:bodyPr vert="horz" lIns="91440" tIns="45720" rIns="91440" bIns="45720" rtlCol="0" anchor="b">
-            <a:normAutofit/>
-          </a:bodyPr>
-          <a:lstStyle/>
-          <a:p>
-            <a:pPr rtl="0"/>
-            <a:r>
-              <a:rPr lang="de-DE" noProof="0" dirty="0"/>
-              <a:t>Titelmasterformat durch Klicken bearbeiten</a:t>
-            </a:r>
-          </a:p>
-        </p:txBody>
-      </p:sp>
-      <p:sp>
-        <p:nvSpPr>
-          <p:cNvPr id="3" name="Textplatzhalter 2"/>
-          <p:cNvSpPr>
-            <a:spLocks noGrp="1"/>
-          </p:cNvSpPr>
-          <p:nvPr>
-            <p:ph type="body" idx="1"/>
-          </p:nvPr>
-        </p:nvSpPr>
-        <p:spPr>
-          <a:xfrm>
-            <a:off x="1981200" y="1987419"/>
-            <a:ext cx="9372600" cy="4483101"/>
-          </a:xfrm>
-          <a:prstGeom prst="rect">
-            <a:avLst/>
-          </a:prstGeom>
-        </p:spPr>
-        <p:txBody>
-          <a:bodyPr vert="horz" lIns="91440" tIns="45720" rIns="91440" bIns="45720" rtlCol="0">
-            <a:normAutofit/>
-          </a:bodyPr>
-          <a:lstStyle/>
-          <a:p>
-            <a:pPr lvl="0" rtl="0"/>
-            <a:r>
-              <a:rPr lang="de-DE" noProof="0" dirty="0"/>
-              <a:t>Textmasterformat durch Klicken bearbeiten</a:t>
-            </a:r>
-          </a:p>
-          <a:p>
-            <a:pPr lvl="1" rtl="0"/>
-            <a:r>
-              <a:rPr lang="de-DE" noProof="0" dirty="0"/>
-              <a:t>Zweite Ebene</a:t>
-            </a:r>
-          </a:p>
-          <a:p>
-            <a:pPr lvl="2" rtl="0"/>
-            <a:r>
-              <a:rPr lang="de-DE" noProof="0" dirty="0"/>
-              <a:t>Dritte Ebene</a:t>
-            </a:r>
-          </a:p>
-          <a:p>
-            <a:pPr lvl="3" rtl="0"/>
-            <a:r>
-              <a:rPr lang="de-DE" noProof="0" dirty="0"/>
-              <a:t>Vierte Ebene</a:t>
-            </a:r>
-          </a:p>
-          <a:p>
-            <a:pPr lvl="4" rtl="0"/>
-            <a:r>
-              <a:rPr lang="de-DE" noProof="0" dirty="0"/>
-              <a:t>Fünfte Ebene</a:t>
-            </a:r>
-          </a:p>
-        </p:txBody>
-      </p:sp>
-      <p:sp>
-        <p:nvSpPr>
-          <p:cNvPr id="4" name="Datumsplatzhalter 3"/>
-          <p:cNvSpPr>
-            <a:spLocks noGrp="1"/>
-          </p:cNvSpPr>
-          <p:nvPr>
-            <p:ph type="dt" sz="half" idx="2"/>
-          </p:nvPr>
-        </p:nvSpPr>
-        <p:spPr>
-          <a:xfrm>
-            <a:off x="11631790" y="5586761"/>
-            <a:ext cx="280731" cy="883759"/>
-          </a:xfrm>
-          <a:prstGeom prst="rect">
-            <a:avLst/>
-          </a:prstGeom>
-        </p:spPr>
-        <p:txBody>
-          <a:bodyPr vert="vert270" lIns="91440" tIns="45720" rIns="91440" bIns="45720" rtlCol="0" anchor="ctr"/>
-          <a:lstStyle>
-            <a:lvl1pPr algn="l">
-              <a:defRPr sz="1200">
-                <a:solidFill>
-                  <a:schemeClr val="tx2">
-                    <a:lumMod val="65000"/>
-                    <a:lumOff val="35000"/>
-                  </a:schemeClr>
-                </a:solidFill>
-              </a:defRPr>
-            </a:lvl1pPr>
-          </a:lstStyle>
-          <a:p>
-            <a:pPr rtl="0"/>
-            <a:fld id="{4FD62CBB-C65F-4197-AAF7-F362E3DD9BD2}" type="datetime1">
-              <a:rPr lang="de-DE" noProof="0" smtClean="0"/>
-              <a:t>02.07.2018</a:t>
-            </a:fld>
-            <a:endParaRPr lang="de-DE" noProof="0" dirty="0"/>
-          </a:p>
-        </p:txBody>
-      </p:sp>
-      <p:sp>
-        <p:nvSpPr>
-          <p:cNvPr id="5" name="Fußzeilenplatzhalter 4"/>
-          <p:cNvSpPr>
-            <a:spLocks noGrp="1"/>
-          </p:cNvSpPr>
-          <p:nvPr>
-            <p:ph type="ftr" sz="quarter" idx="3"/>
-          </p:nvPr>
-        </p:nvSpPr>
-        <p:spPr>
-          <a:xfrm>
-            <a:off x="11631790" y="365125"/>
-            <a:ext cx="280730" cy="5139936"/>
-          </a:xfrm>
-          <a:prstGeom prst="rect">
-            <a:avLst/>
-          </a:prstGeom>
-        </p:spPr>
-        <p:txBody>
-          <a:bodyPr vert="vert270" lIns="91440" tIns="45720" rIns="91440" bIns="45720" rtlCol="0" anchor="ctr"/>
-          <a:lstStyle>
-            <a:lvl1pPr algn="ctr">
-              <a:defRPr sz="1200">
-                <a:solidFill>
-                  <a:schemeClr val="tx2">
-                    <a:lumMod val="65000"/>
-                    <a:lumOff val="35000"/>
-                  </a:schemeClr>
-                </a:solidFill>
-              </a:defRPr>
-            </a:lvl1pPr>
-          </a:lstStyle>
-          <a:p>
-            <a:pPr rtl="0"/>
-            <a:r>
-              <a:rPr lang="de-DE" noProof="0" dirty="0"/>
-              <a:t>Fußzeile hinzufügen</a:t>
-            </a:r>
-          </a:p>
-        </p:txBody>
-      </p:sp>
-      <p:sp>
-        <p:nvSpPr>
-          <p:cNvPr id="6" name="Foliennummernplatzhalter 5"/>
-          <p:cNvSpPr>
-            <a:spLocks noGrp="1"/>
-          </p:cNvSpPr>
-          <p:nvPr>
-            <p:ph type="sldNum" sz="quarter" idx="4"/>
-          </p:nvPr>
-        </p:nvSpPr>
-        <p:spPr>
-          <a:xfrm>
-            <a:off x="313321" y="6268940"/>
-            <a:ext cx="722377" cy="201580"/>
-          </a:xfrm>
-          <a:prstGeom prst="rect">
-            <a:avLst/>
-          </a:prstGeom>
-        </p:spPr>
-        <p:txBody>
-          <a:bodyPr vert="horz" lIns="91440" tIns="45720" rIns="91440" bIns="45720" rtlCol="0" anchor="ctr"/>
-          <a:lstStyle>
-            <a:lvl1pPr algn="l">
-              <a:defRPr sz="1200">
-                <a:solidFill>
-                  <a:schemeClr val="tx2">
-                    <a:lumMod val="65000"/>
-                    <a:lumOff val="35000"/>
-                  </a:schemeClr>
-                </a:solidFill>
-              </a:defRPr>
-            </a:lvl1pPr>
-          </a:lstStyle>
-          <a:p>
-            <a:pPr rtl="0"/>
-            <a:fld id="{E31375A4-56A4-47D6-9801-1991572033F7}" type="slidenum">
-              <a:rPr lang="de-DE" noProof="0" smtClean="0"/>
-              <a:pPr/>
-              <a:t>‹Nr.›</a:t>
-            </a:fld>
-            <a:endParaRPr lang="de-DE" noProof="0" dirty="0"/>
-          </a:p>
-        </p:txBody>
-      </p:sp>
-    </p:spTree>
-    <p:extLst>
-      <p:ext uri="{BB962C8B-B14F-4D97-AF65-F5344CB8AC3E}">
-        <p14:creationId xmlns:p14="http://schemas.microsoft.com/office/powerpoint/2010/main" val="4100927078"/>
-      </p:ext>
-    </p:extLst>
-  </p:cSld>
-  <p:clrMap bg1="lt1" tx1="dk1" bg2="lt2" tx2="dk2" accent1="accent1" accent2="accent2" accent3="accent3" accent4="accent4" accent5="accent5" accent6="accent6" hlink="hlink" folHlink="folHlink"/>
-  <p:sldLayoutIdLst>
-    <p:sldLayoutId id="2147483661" r:id="rId1"/>
-    <p:sldLayoutId id="2147483662" r:id="rId2"/>
-    <p:sldLayoutId id="2147483663" r:id="rId3"/>
-    <p:sldLayoutId id="2147483664" r:id="rId4"/>
-    <p:sldLayoutId id="2147483665" r:id="rId5"/>
-    <p:sldLayoutId id="2147483666" r:id="rId6"/>
-    <p:sldLayoutId id="2147483667" r:id="rId7"/>
-    <p:sldLayoutId id="2147483668" r:id="rId8"/>
-    <p:sldLayoutId id="2147483669" r:id="rId9"/>
-    <p:sldLayoutId id="2147483670" r:id="rId10"/>
-    <p:sldLayoutId id="2147483671" r:id="rId11"/>
-  </p:sldLayoutIdLst>
-  <mc:AlternateContent xmlns:mc="http://schemas.openxmlformats.org/markup-compatibility/2006" xmlns:p14="http://schemas.microsoft.com/office/powerpoint/2010/main">
-    <mc:Choice Requires="p14">
-      <p:transition spd="med" p14:dur="700">
-        <p:fade/>
-      </p:transition>
-    </mc:Choice>
-    <mc:Fallback xmlns="">
-      <p:transition spd="med">
-        <p:fade/>
-      </p:transition>
-    </mc:Fallback>
-  </mc:AlternateContent>
-  <p:hf sldNum="0" hdr="0" ftr="0" dt="0"/>
-  <p:txStyles>
-    <p:titleStyle>
-      <a:lvl1pPr algn="l" defTabSz="914400" rtl="0" eaLnBrk="1" latinLnBrk="0" hangingPunct="1">
-        <a:lnSpc>
-          <a:spcPct val="85000"/>
-        </a:lnSpc>
-        <a:spcBef>
-          <a:spcPct val="0"/>
-        </a:spcBef>
-        <a:buNone/>
-        <a:defRPr sz="4400" kern="1200" cap="all" baseline="0">
-          <a:solidFill>
-            <a:schemeClr val="accent1">
-              <a:lumMod val="50000"/>
-            </a:schemeClr>
-          </a:solidFill>
-          <a:latin typeface="+mj-lt"/>
-          <a:ea typeface="+mj-ea"/>
-          <a:cs typeface="+mj-cs"/>
-        </a:defRPr>
-      </a:lvl1pPr>
-    </p:titleStyle>
-    <p:bodyStyle>
-      <a:lvl1pPr marL="274320" indent="-274320" algn="l" defTabSz="914400" rtl="0" eaLnBrk="1" latinLnBrk="0" hangingPunct="1">
-        <a:lnSpc>
-          <a:spcPct val="90000"/>
-        </a:lnSpc>
-        <a:spcBef>
-          <a:spcPts val="1800"/>
-        </a:spcBef>
-        <a:buSzPct val="100000"/>
-        <a:buFont typeface="Arial" pitchFamily="34" charset="0"/>
-        <a:buChar char="▪"/>
-        <a:defRPr sz="2400" kern="1200">
-          <a:solidFill>
-            <a:schemeClr val="tx1"/>
-          </a:solidFill>
-          <a:latin typeface="+mn-lt"/>
-          <a:ea typeface="+mn-ea"/>
-          <a:cs typeface="+mn-cs"/>
-        </a:defRPr>
-      </a:lvl1pPr>
-      <a:lvl2pPr marL="685800" indent="-274320" algn="l" defTabSz="914400" rtl="0" eaLnBrk="1" latinLnBrk="0" hangingPunct="1">
-        <a:lnSpc>
-          <a:spcPct val="90000"/>
-        </a:lnSpc>
-        <a:spcBef>
-          <a:spcPts val="1200"/>
-        </a:spcBef>
-        <a:buSzPct val="100000"/>
-        <a:buFont typeface="Arial" pitchFamily="34" charset="0"/>
-        <a:buChar char="▪"/>
-        <a:defRPr sz="2000" kern="1200">
-          <a:solidFill>
-            <a:schemeClr val="tx1"/>
-          </a:solidFill>
-          <a:latin typeface="+mn-lt"/>
-          <a:ea typeface="+mn-ea"/>
-          <a:cs typeface="+mn-cs"/>
-        </a:defRPr>
-      </a:lvl2pPr>
-      <a:lvl3pPr marL="1005840" indent="-228600" algn="l" defTabSz="914400" rtl="0" eaLnBrk="1" latinLnBrk="0" hangingPunct="1">
-        <a:lnSpc>
-          <a:spcPct val="90000"/>
-        </a:lnSpc>
-        <a:spcBef>
-          <a:spcPts val="800"/>
-        </a:spcBef>
-        <a:buSzPct val="100000"/>
-        <a:buFont typeface="Arial" pitchFamily="34" charset="0"/>
-        <a:buChar char="▪"/>
-        <a:defRPr sz="1800" kern="1200">
-          <a:solidFill>
-            <a:schemeClr val="tx1"/>
-          </a:solidFill>
-          <a:latin typeface="+mn-lt"/>
-          <a:ea typeface="+mn-ea"/>
-          <a:cs typeface="+mn-cs"/>
-        </a:defRPr>
-      </a:lvl3pPr>
-      <a:lvl4pPr marL="1234440" indent="-182880" algn="l" defTabSz="914400" rtl="0" eaLnBrk="1" latinLnBrk="0" hangingPunct="1">
-        <a:lnSpc>
-          <a:spcPct val="90000"/>
-        </a:lnSpc>
-        <a:spcBef>
-          <a:spcPts val="600"/>
-        </a:spcBef>
-        <a:buSzPct val="100000"/>
-        <a:buFont typeface="Arial" pitchFamily="34" charset="0"/>
-        <a:buChar char="▪"/>
-        <a:defRPr sz="1600" kern="1200">
-          <a:solidFill>
-            <a:schemeClr val="tx1"/>
-          </a:solidFill>
-          <a:latin typeface="+mn-lt"/>
-          <a:ea typeface="+mn-ea"/>
-          <a:cs typeface="+mn-cs"/>
-        </a:defRPr>
-      </a:lvl4pPr>
-      <a:lvl5pPr marL="1463040" indent="-182880" algn="l" defTabSz="914400" rtl="0" eaLnBrk="1" latinLnBrk="0" hangingPunct="1">
-        <a:lnSpc>
-          <a:spcPct val="90000"/>
-        </a:lnSpc>
-        <a:spcBef>
-          <a:spcPts val="600"/>
-        </a:spcBef>
-        <a:buSzPct val="100000"/>
-        <a:buFont typeface="Arial" pitchFamily="34" charset="0"/>
-        <a:buChar char="▪"/>
-        <a:defRPr sz="1600" kern="1200">
-          <a:solidFill>
-            <a:schemeClr val="tx1"/>
-          </a:solidFill>
-          <a:latin typeface="+mn-lt"/>
-          <a:ea typeface="+mn-ea"/>
-          <a:cs typeface="+mn-cs"/>
-        </a:defRPr>
-      </a:lvl5pPr>
-      <a:lvl6pPr marL="1691640" indent="-182880" algn="l" defTabSz="914400" rtl="0" eaLnBrk="1" latinLnBrk="0" hangingPunct="1">
-        <a:lnSpc>
-          <a:spcPct val="90000"/>
-        </a:lnSpc>
-        <a:spcBef>
-          <a:spcPts val="600"/>
-        </a:spcBef>
-        <a:buSzPct val="100000"/>
-        <a:buFont typeface="Arial" pitchFamily="34" charset="0"/>
-        <a:buChar char="▪"/>
-        <a:defRPr sz="1600" kern="1200">
-          <a:solidFill>
-            <a:schemeClr val="tx1"/>
-          </a:solidFill>
-          <a:latin typeface="+mn-lt"/>
-          <a:ea typeface="+mn-ea"/>
-          <a:cs typeface="+mn-cs"/>
-        </a:defRPr>
-      </a:lvl6pPr>
-      <a:lvl7pPr marL="1874520" indent="-182880" algn="l" defTabSz="914400" rtl="0" eaLnBrk="1" latinLnBrk="0" hangingPunct="1">
-        <a:lnSpc>
-          <a:spcPct val="90000"/>
-        </a:lnSpc>
-        <a:spcBef>
-          <a:spcPts val="600"/>
-        </a:spcBef>
-        <a:buSzPct val="100000"/>
-        <a:buFont typeface="Arial" pitchFamily="34" charset="0"/>
-        <a:buChar char="▪"/>
-        <a:defRPr sz="1600" kern="1200">
-          <a:solidFill>
-            <a:schemeClr val="tx1"/>
-          </a:solidFill>
-          <a:latin typeface="+mn-lt"/>
-          <a:ea typeface="+mn-ea"/>
-          <a:cs typeface="+mn-cs"/>
-        </a:defRPr>
-      </a:lvl7pPr>
-      <a:lvl8pPr marL="2103120" indent="-182880" algn="l" defTabSz="914400" rtl="0" eaLnBrk="1" latinLnBrk="0" hangingPunct="1">
-        <a:lnSpc>
-          <a:spcPct val="90000"/>
-        </a:lnSpc>
-        <a:spcBef>
-          <a:spcPts val="600"/>
-        </a:spcBef>
-        <a:buSzPct val="100000"/>
-        <a:buFont typeface="Arial" pitchFamily="34" charset="0"/>
-        <a:buChar char="▪"/>
-        <a:defRPr sz="1600" kern="1200">
-          <a:solidFill>
-            <a:schemeClr val="tx1"/>
-          </a:solidFill>
-          <a:latin typeface="+mn-lt"/>
-          <a:ea typeface="+mn-ea"/>
-          <a:cs typeface="+mn-cs"/>
-        </a:defRPr>
-      </a:lvl8pPr>
-      <a:lvl9pPr marL="2331720" indent="-182880" algn="l" defTabSz="914400" rtl="0" eaLnBrk="1" latinLnBrk="0" hangingPunct="1">
-        <a:lnSpc>
-          <a:spcPct val="90000"/>
-        </a:lnSpc>
-        <a:spcBef>
-          <a:spcPts val="600"/>
-        </a:spcBef>
-        <a:buSzPct val="100000"/>
-        <a:buFont typeface="Arial" pitchFamily="34" charset="0"/>
-        <a:buChar char="▪"/>
-        <a:defRPr sz="1600" kern="1200">
-          <a:solidFill>
-            <a:schemeClr val="tx1"/>
-          </a:solidFill>
-          <a:latin typeface="+mn-lt"/>
-          <a:ea typeface="+mn-ea"/>
-          <a:cs typeface="+mn-cs"/>
-        </a:defRPr>
-      </a:lvl9pPr>
-    </p:bodyStyle>
-    <p:otherStyle>
-      <a:defPPr>
-        <a:defRPr lang="en-US"/>
-      </a:defPPr>
-      <a:lvl1pPr marL="0" algn="l" defTabSz="914400" rtl="0" eaLnBrk="1" latinLnBrk="0" hangingPunct="1">
-        <a:defRPr sz="1800" kern="1200">
-          <a:solidFill>
-            <a:schemeClr val="tx1"/>
-          </a:solidFill>
-          <a:latin typeface="+mn-lt"/>
-          <a:ea typeface="+mn-ea"/>
-          <a:cs typeface="+mn-cs"/>
-        </a:defRPr>
-      </a:lvl1pPr>
-      <a:lvl2pPr marL="457200" algn="l" defTabSz="914400" rtl="0" eaLnBrk="1" latinLnBrk="0" hangingPunct="1">
-        <a:defRPr sz="1800" kern="1200">
-          <a:solidFill>
-            <a:schemeClr val="tx1"/>
-          </a:solidFill>
-          <a:latin typeface="+mn-lt"/>
-          <a:ea typeface="+mn-ea"/>
-          <a:cs typeface="+mn-cs"/>
-        </a:defRPr>
-      </a:lvl2pPr>
-      <a:lvl3pPr marL="914400" algn="l" defTabSz="914400" rtl="0" eaLnBrk="1" latinLnBrk="0" hangingPunct="1">
-        <a:defRPr sz="1800" kern="1200">
-          <a:solidFill>
-            <a:schemeClr val="tx1"/>
-          </a:solidFill>
-          <a:latin typeface="+mn-lt"/>
-          <a:ea typeface="+mn-ea"/>
-          <a:cs typeface="+mn-cs"/>
-        </a:defRPr>
-      </a:lvl3pPr>
-      <a:lvl4pPr marL="1371600" algn="l" defTabSz="914400" rtl="0" eaLnBrk="1" latinLnBrk="0" hangingPunct="1">
-        <a:defRPr sz="1800" kern="1200">
-          <a:solidFill>
-            <a:schemeClr val="tx1"/>
-          </a:solidFill>
-          <a:latin typeface="+mn-lt"/>
-          <a:ea typeface="+mn-ea"/>
-          <a:cs typeface="+mn-cs"/>
-        </a:defRPr>
-      </a:lvl4pPr>
-      <a:lvl5pPr marL="1828800" algn="l" defTabSz="914400" rtl="0" eaLnBrk="1" latinLnBrk="0" hangingPunct="1">
-        <a:defRPr sz="1800" kern="1200">
-          <a:solidFill>
-            <a:schemeClr val="tx1"/>
-          </a:solidFill>
-          <a:latin typeface="+mn-lt"/>
-          <a:ea typeface="+mn-ea"/>
-          <a:cs typeface="+mn-cs"/>
-        </a:defRPr>
-      </a:lvl5pPr>
-      <a:lvl6pPr marL="2286000" algn="l" defTabSz="914400" rtl="0" eaLnBrk="1" latinLnBrk="0" hangingPunct="1">
-        <a:defRPr sz="1800" kern="1200">
-          <a:solidFill>
-            <a:schemeClr val="tx1"/>
-          </a:solidFill>
-          <a:latin typeface="+mn-lt"/>
-          <a:ea typeface="+mn-ea"/>
-          <a:cs typeface="+mn-cs"/>
-        </a:defRPr>
-      </a:lvl6pPr>
-      <a:lvl7pPr marL="2743200" algn="l" defTabSz="914400" rtl="0" eaLnBrk="1" latinLnBrk="0" hangingPunct="1">
-        <a:defRPr sz="1800" kern="1200">
-          <a:solidFill>
-            <a:schemeClr val="tx1"/>
-          </a:solidFill>
-          <a:latin typeface="+mn-lt"/>
-          <a:ea typeface="+mn-ea"/>
-          <a:cs typeface="+mn-cs"/>
-        </a:defRPr>
-      </a:lvl7pPr>
-      <a:lvl8pPr marL="3200400" algn="l" defTabSz="914400" rtl="0" eaLnBrk="1" latinLnBrk="0" hangingPunct="1">
-        <a:defRPr sz="1800" kern="1200">
-          <a:solidFill>
-            <a:schemeClr val="tx1"/>
-          </a:solidFill>
-          <a:latin typeface="+mn-lt"/>
-          <a:ea typeface="+mn-ea"/>
-          <a:cs typeface="+mn-cs"/>
-        </a:defRPr>
-      </a:lvl8pPr>
-      <a:lvl9pPr marL="3657600" algn="l" defTabSz="914400" rtl="0" eaLnBrk="1" latinLnBrk="0" hangingPunct="1">
-        <a:defRPr sz="1800" kern="1200">
-          <a:solidFill>
-            <a:schemeClr val="tx1"/>
-          </a:solidFill>
-          <a:latin typeface="+mn-lt"/>
-          <a:ea typeface="+mn-ea"/>
-          <a:cs typeface="+mn-cs"/>
-        </a:defRPr>
-      </a:lvl9pPr>
-    </p:otherStyle>
-  </p:txStyles>
-  <p:extLst mod="1">
-    <p:ext uri="{27BBF7A9-308A-43DC-89C8-2F10F3537804}">
-      <p15:sldGuideLst xmlns:p15="http://schemas.microsoft.com/office/powerpoint/2012/main">
-        <p15:guide id="1" orient="horz" pos="2160">
-          <p15:clr>
-            <a:srgbClr val="F26B43"/>
-          </p15:clr>
-        </p15:guide>
-        <p15:guide id="2" pos="3840">
-          <p15:clr>
-            <a:srgbClr val="F26B43"/>
-          </p15:clr>
-        </p15:guide>
-      </p15:sldGuideLst>
-    </p:ext>
-  </p:extLst>
-</p:sldMaster>
-</file>
-
 <file path=ppt/slides/slide1.xml><?xml version="1.0" encoding="utf-8"?>
 <p:sld xmlns:a="http://schemas.openxmlformats.org/drawingml/2006/main" xmlns:r="http://schemas.openxmlformats.org/officeDocument/2006/relationships" xmlns:p="http://schemas.openxmlformats.org/presentationml/2006/main">
   <p:cSld>
@@ -8024,14 +4809,6 @@
           </a:p>
           <a:p>
             <a:pPr lvl="1"/>
-            <a:r>
-              <a:rPr lang="de-DE" dirty="0" err="1"/>
-              <a:t>Xampp</a:t>
-            </a:r>
-            <a:endParaRPr lang="de-DE" dirty="0"/>
-          </a:p>
-          <a:p>
-            <a:pPr lvl="1"/>
             <a:endParaRPr lang="de-DE" dirty="0"/>
           </a:p>
           <a:p>
@@ -8453,7 +5230,7 @@
           <a:p>
             <a:r>
               <a:rPr lang="de-DE" dirty="0"/>
-              <a:t>Bewertung des Projektmanagements</a:t>
+              <a:t>Datenbanken und Server</a:t>
             </a:r>
           </a:p>
         </p:txBody>
@@ -8569,7 +5346,7 @@
     </p:spTree>
     <p:extLst>
       <p:ext uri="{BB962C8B-B14F-4D97-AF65-F5344CB8AC3E}">
-        <p14:creationId xmlns:p14="http://schemas.microsoft.com/office/powerpoint/2010/main" val="2736227390"/>
+        <p14:creationId xmlns:p14="http://schemas.microsoft.com/office/powerpoint/2010/main" val="1453427599"/>
       </p:ext>
     </p:extLst>
   </p:cSld>
@@ -8622,6 +5399,928 @@
           <a:p>
             <a:r>
               <a:rPr lang="de-DE" dirty="0"/>
+              <a:t>Server mit XAMPP</a:t>
+            </a:r>
+          </a:p>
+        </p:txBody>
+      </p:sp>
+      <p:sp>
+        <p:nvSpPr>
+          <p:cNvPr id="6" name="Inhaltsplatzhalter 5">
+            <a:extLst>
+              <a:ext uri="{FF2B5EF4-FFF2-40B4-BE49-F238E27FC236}">
+                <a16:creationId xmlns:a16="http://schemas.microsoft.com/office/drawing/2014/main" id="{37D42437-95F7-4C64-81D1-F82571A32530}"/>
+              </a:ext>
+            </a:extLst>
+          </p:cNvPr>
+          <p:cNvSpPr>
+            <a:spLocks noGrp="1"/>
+          </p:cNvSpPr>
+          <p:nvPr>
+            <p:ph idx="1"/>
+          </p:nvPr>
+        </p:nvSpPr>
+        <p:spPr/>
+        <p:txBody>
+          <a:bodyPr/>
+          <a:lstStyle/>
+          <a:p>
+            <a:r>
+              <a:rPr lang="de-DE" dirty="0"/>
+              <a:t>Apache Webserver</a:t>
+            </a:r>
+          </a:p>
+          <a:p>
+            <a:r>
+              <a:rPr lang="de-DE" dirty="0"/>
+              <a:t>Stellt </a:t>
+            </a:r>
+            <a:r>
+              <a:rPr lang="de-DE" dirty="0" err="1"/>
+              <a:t>MariaDB</a:t>
+            </a:r>
+            <a:r>
+              <a:rPr lang="de-DE" dirty="0"/>
+              <a:t> bzw. SQLite zur </a:t>
+            </a:r>
+            <a:r>
+              <a:rPr lang="de-DE" dirty="0" err="1"/>
+              <a:t>verfügung</a:t>
+            </a:r>
+            <a:endParaRPr lang="de-DE" dirty="0"/>
+          </a:p>
+          <a:p>
+            <a:endParaRPr lang="de-DE" dirty="0"/>
+          </a:p>
+        </p:txBody>
+      </p:sp>
+      <p:pic>
+        <p:nvPicPr>
+          <p:cNvPr id="5" name="Grafik 4">
+            <a:extLst>
+              <a:ext uri="{FF2B5EF4-FFF2-40B4-BE49-F238E27FC236}">
+                <a16:creationId xmlns:a16="http://schemas.microsoft.com/office/drawing/2014/main" id="{B7E16C27-D378-4829-A890-B1E9782FCB2F}"/>
+              </a:ext>
+            </a:extLst>
+          </p:cNvPr>
+          <p:cNvPicPr>
+            <a:picLocks noChangeAspect="1"/>
+          </p:cNvPicPr>
+          <p:nvPr/>
+        </p:nvPicPr>
+        <p:blipFill>
+          <a:blip r:embed="rId2">
+            <a:extLst>
+              <a:ext uri="{28A0092B-C50C-407E-A947-70E740481C1C}">
+                <a14:useLocalDpi xmlns:a14="http://schemas.microsoft.com/office/drawing/2010/main" val="0"/>
+              </a:ext>
+            </a:extLst>
+          </a:blip>
+          <a:stretch>
+            <a:fillRect/>
+          </a:stretch>
+        </p:blipFill>
+        <p:spPr>
+          <a:xfrm>
+            <a:off x="0" y="0"/>
+            <a:ext cx="17967158" cy="533400"/>
+          </a:xfrm>
+          <a:prstGeom prst="rect">
+            <a:avLst/>
+          </a:prstGeom>
+        </p:spPr>
+      </p:pic>
+      <p:pic>
+        <p:nvPicPr>
+          <p:cNvPr id="7" name="Grafik 6">
+            <a:extLst>
+              <a:ext uri="{FF2B5EF4-FFF2-40B4-BE49-F238E27FC236}">
+                <a16:creationId xmlns:a16="http://schemas.microsoft.com/office/drawing/2014/main" id="{D69E3AB2-FDF1-4CE2-9130-48554F747CE8}"/>
+              </a:ext>
+            </a:extLst>
+          </p:cNvPr>
+          <p:cNvPicPr>
+            <a:picLocks noChangeAspect="1"/>
+          </p:cNvPicPr>
+          <p:nvPr/>
+        </p:nvPicPr>
+        <p:blipFill>
+          <a:blip r:embed="rId3">
+            <a:extLst>
+              <a:ext uri="{28A0092B-C50C-407E-A947-70E740481C1C}">
+                <a14:useLocalDpi xmlns:a14="http://schemas.microsoft.com/office/drawing/2010/main" val="0"/>
+              </a:ext>
+            </a:extLst>
+          </a:blip>
+          <a:stretch>
+            <a:fillRect/>
+          </a:stretch>
+        </p:blipFill>
+        <p:spPr>
+          <a:xfrm>
+            <a:off x="-5202027" y="5962249"/>
+            <a:ext cx="17394027" cy="895751"/>
+          </a:xfrm>
+          <a:prstGeom prst="rect">
+            <a:avLst/>
+          </a:prstGeom>
+        </p:spPr>
+      </p:pic>
+      <p:pic>
+        <p:nvPicPr>
+          <p:cNvPr id="13" name="Grafik 12">
+            <a:extLst>
+              <a:ext uri="{FF2B5EF4-FFF2-40B4-BE49-F238E27FC236}">
+                <a16:creationId xmlns:a16="http://schemas.microsoft.com/office/drawing/2014/main" id="{3F15EF38-607C-4029-BB9B-6A63B2AFF21A}"/>
+              </a:ext>
+            </a:extLst>
+          </p:cNvPr>
+          <p:cNvPicPr>
+            <a:picLocks noChangeAspect="1"/>
+          </p:cNvPicPr>
+          <p:nvPr/>
+        </p:nvPicPr>
+        <p:blipFill>
+          <a:blip r:embed="rId4">
+            <a:extLst>
+              <a:ext uri="{28A0092B-C50C-407E-A947-70E740481C1C}">
+                <a14:useLocalDpi xmlns:a14="http://schemas.microsoft.com/office/drawing/2010/main" val="0"/>
+              </a:ext>
+            </a:extLst>
+          </a:blip>
+          <a:stretch>
+            <a:fillRect/>
+          </a:stretch>
+        </p:blipFill>
+        <p:spPr>
+          <a:xfrm>
+            <a:off x="1247555" y="6410124"/>
+            <a:ext cx="4738488" cy="358976"/>
+          </a:xfrm>
+          <a:prstGeom prst="rect">
+            <a:avLst/>
+          </a:prstGeom>
+        </p:spPr>
+      </p:pic>
+    </p:spTree>
+    <p:extLst>
+      <p:ext uri="{BB962C8B-B14F-4D97-AF65-F5344CB8AC3E}">
+        <p14:creationId xmlns:p14="http://schemas.microsoft.com/office/powerpoint/2010/main" val="1116300180"/>
+      </p:ext>
+    </p:extLst>
+  </p:cSld>
+  <p:clrMapOvr>
+    <a:masterClrMapping/>
+  </p:clrMapOvr>
+  <p:transition spd="slow">
+    <p:push dir="u"/>
+  </p:transition>
+</p:sld>
+</file>
+
+<file path=ppt/slides/slide14.xml><?xml version="1.0" encoding="utf-8"?>
+<p:sld xmlns:a="http://schemas.openxmlformats.org/drawingml/2006/main" xmlns:r="http://schemas.openxmlformats.org/officeDocument/2006/relationships" xmlns:p="http://schemas.openxmlformats.org/presentationml/2006/main">
+  <p:cSld>
+    <p:spTree>
+      <p:nvGrpSpPr>
+        <p:cNvPr id="1" name=""/>
+        <p:cNvGrpSpPr/>
+        <p:nvPr/>
+      </p:nvGrpSpPr>
+      <p:grpSpPr>
+        <a:xfrm>
+          <a:off x="0" y="0"/>
+          <a:ext cx="0" cy="0"/>
+          <a:chOff x="0" y="0"/>
+          <a:chExt cx="0" cy="0"/>
+        </a:xfrm>
+      </p:grpSpPr>
+      <p:sp>
+        <p:nvSpPr>
+          <p:cNvPr id="4" name="Titel 3">
+            <a:extLst>
+              <a:ext uri="{FF2B5EF4-FFF2-40B4-BE49-F238E27FC236}">
+                <a16:creationId xmlns:a16="http://schemas.microsoft.com/office/drawing/2014/main" id="{87AC8795-F72E-4F53-BACC-C551C2D8316A}"/>
+              </a:ext>
+            </a:extLst>
+          </p:cNvPr>
+          <p:cNvSpPr>
+            <a:spLocks noGrp="1"/>
+          </p:cNvSpPr>
+          <p:nvPr>
+            <p:ph type="title"/>
+          </p:nvPr>
+        </p:nvSpPr>
+        <p:spPr/>
+        <p:txBody>
+          <a:bodyPr/>
+          <a:lstStyle/>
+          <a:p>
+            <a:r>
+              <a:rPr lang="de-DE" dirty="0"/>
+              <a:t>Datenbanken Einsatz</a:t>
+            </a:r>
+          </a:p>
+        </p:txBody>
+      </p:sp>
+      <p:sp>
+        <p:nvSpPr>
+          <p:cNvPr id="6" name="Inhaltsplatzhalter 5">
+            <a:extLst>
+              <a:ext uri="{FF2B5EF4-FFF2-40B4-BE49-F238E27FC236}">
+                <a16:creationId xmlns:a16="http://schemas.microsoft.com/office/drawing/2014/main" id="{37D42437-95F7-4C64-81D1-F82571A32530}"/>
+              </a:ext>
+            </a:extLst>
+          </p:cNvPr>
+          <p:cNvSpPr>
+            <a:spLocks noGrp="1"/>
+          </p:cNvSpPr>
+          <p:nvPr>
+            <p:ph idx="1"/>
+          </p:nvPr>
+        </p:nvSpPr>
+        <p:spPr/>
+        <p:txBody>
+          <a:bodyPr/>
+          <a:lstStyle/>
+          <a:p>
+            <a:r>
+              <a:rPr lang="de-DE" dirty="0"/>
+              <a:t>MySQL</a:t>
+            </a:r>
+          </a:p>
+          <a:p>
+            <a:r>
+              <a:rPr lang="de-DE" dirty="0"/>
+              <a:t>phpMyAdmin zur Administration</a:t>
+            </a:r>
+          </a:p>
+          <a:p>
+            <a:r>
+              <a:rPr lang="de-DE" dirty="0"/>
+              <a:t>Auf jeder Seite</a:t>
+            </a:r>
+          </a:p>
+          <a:p>
+            <a:r>
+              <a:rPr lang="de-DE" dirty="0"/>
+              <a:t>Verwaltung in 9 Tabellen</a:t>
+            </a:r>
+          </a:p>
+          <a:p>
+            <a:r>
+              <a:rPr lang="de-DE" dirty="0"/>
+              <a:t>SQL befehle Quelltext eingebunden</a:t>
+            </a:r>
+          </a:p>
+        </p:txBody>
+      </p:sp>
+      <p:pic>
+        <p:nvPicPr>
+          <p:cNvPr id="5" name="Grafik 4">
+            <a:extLst>
+              <a:ext uri="{FF2B5EF4-FFF2-40B4-BE49-F238E27FC236}">
+                <a16:creationId xmlns:a16="http://schemas.microsoft.com/office/drawing/2014/main" id="{B7E16C27-D378-4829-A890-B1E9782FCB2F}"/>
+              </a:ext>
+            </a:extLst>
+          </p:cNvPr>
+          <p:cNvPicPr>
+            <a:picLocks noChangeAspect="1"/>
+          </p:cNvPicPr>
+          <p:nvPr/>
+        </p:nvPicPr>
+        <p:blipFill>
+          <a:blip r:embed="rId2">
+            <a:extLst>
+              <a:ext uri="{28A0092B-C50C-407E-A947-70E740481C1C}">
+                <a14:useLocalDpi xmlns:a14="http://schemas.microsoft.com/office/drawing/2010/main" val="0"/>
+              </a:ext>
+            </a:extLst>
+          </a:blip>
+          <a:stretch>
+            <a:fillRect/>
+          </a:stretch>
+        </p:blipFill>
+        <p:spPr>
+          <a:xfrm>
+            <a:off x="0" y="0"/>
+            <a:ext cx="17967158" cy="533400"/>
+          </a:xfrm>
+          <a:prstGeom prst="rect">
+            <a:avLst/>
+          </a:prstGeom>
+        </p:spPr>
+      </p:pic>
+      <p:pic>
+        <p:nvPicPr>
+          <p:cNvPr id="7" name="Grafik 6">
+            <a:extLst>
+              <a:ext uri="{FF2B5EF4-FFF2-40B4-BE49-F238E27FC236}">
+                <a16:creationId xmlns:a16="http://schemas.microsoft.com/office/drawing/2014/main" id="{D69E3AB2-FDF1-4CE2-9130-48554F747CE8}"/>
+              </a:ext>
+            </a:extLst>
+          </p:cNvPr>
+          <p:cNvPicPr>
+            <a:picLocks noChangeAspect="1"/>
+          </p:cNvPicPr>
+          <p:nvPr/>
+        </p:nvPicPr>
+        <p:blipFill>
+          <a:blip r:embed="rId3">
+            <a:extLst>
+              <a:ext uri="{28A0092B-C50C-407E-A947-70E740481C1C}">
+                <a14:useLocalDpi xmlns:a14="http://schemas.microsoft.com/office/drawing/2010/main" val="0"/>
+              </a:ext>
+            </a:extLst>
+          </a:blip>
+          <a:stretch>
+            <a:fillRect/>
+          </a:stretch>
+        </p:blipFill>
+        <p:spPr>
+          <a:xfrm>
+            <a:off x="-5202027" y="5962249"/>
+            <a:ext cx="17394027" cy="895751"/>
+          </a:xfrm>
+          <a:prstGeom prst="rect">
+            <a:avLst/>
+          </a:prstGeom>
+        </p:spPr>
+      </p:pic>
+      <p:pic>
+        <p:nvPicPr>
+          <p:cNvPr id="13" name="Grafik 12">
+            <a:extLst>
+              <a:ext uri="{FF2B5EF4-FFF2-40B4-BE49-F238E27FC236}">
+                <a16:creationId xmlns:a16="http://schemas.microsoft.com/office/drawing/2014/main" id="{3F15EF38-607C-4029-BB9B-6A63B2AFF21A}"/>
+              </a:ext>
+            </a:extLst>
+          </p:cNvPr>
+          <p:cNvPicPr>
+            <a:picLocks noChangeAspect="1"/>
+          </p:cNvPicPr>
+          <p:nvPr/>
+        </p:nvPicPr>
+        <p:blipFill>
+          <a:blip r:embed="rId4">
+            <a:extLst>
+              <a:ext uri="{28A0092B-C50C-407E-A947-70E740481C1C}">
+                <a14:useLocalDpi xmlns:a14="http://schemas.microsoft.com/office/drawing/2010/main" val="0"/>
+              </a:ext>
+            </a:extLst>
+          </a:blip>
+          <a:stretch>
+            <a:fillRect/>
+          </a:stretch>
+        </p:blipFill>
+        <p:spPr>
+          <a:xfrm>
+            <a:off x="1247555" y="6410124"/>
+            <a:ext cx="4738488" cy="358976"/>
+          </a:xfrm>
+          <a:prstGeom prst="rect">
+            <a:avLst/>
+          </a:prstGeom>
+        </p:spPr>
+      </p:pic>
+    </p:spTree>
+    <p:extLst>
+      <p:ext uri="{BB962C8B-B14F-4D97-AF65-F5344CB8AC3E}">
+        <p14:creationId xmlns:p14="http://schemas.microsoft.com/office/powerpoint/2010/main" val="1931219166"/>
+      </p:ext>
+    </p:extLst>
+  </p:cSld>
+  <p:clrMapOvr>
+    <a:masterClrMapping/>
+  </p:clrMapOvr>
+  <p:transition spd="slow">
+    <p:push dir="u"/>
+  </p:transition>
+</p:sld>
+</file>
+
+<file path=ppt/slides/slide15.xml><?xml version="1.0" encoding="utf-8"?>
+<p:sld xmlns:a="http://schemas.openxmlformats.org/drawingml/2006/main" xmlns:r="http://schemas.openxmlformats.org/officeDocument/2006/relationships" xmlns:p="http://schemas.openxmlformats.org/presentationml/2006/main">
+  <p:cSld>
+    <p:spTree>
+      <p:nvGrpSpPr>
+        <p:cNvPr id="1" name=""/>
+        <p:cNvGrpSpPr/>
+        <p:nvPr/>
+      </p:nvGrpSpPr>
+      <p:grpSpPr>
+        <a:xfrm>
+          <a:off x="0" y="0"/>
+          <a:ext cx="0" cy="0"/>
+          <a:chOff x="0" y="0"/>
+          <a:chExt cx="0" cy="0"/>
+        </a:xfrm>
+      </p:grpSpPr>
+      <p:sp>
+        <p:nvSpPr>
+          <p:cNvPr id="4" name="Titel 3">
+            <a:extLst>
+              <a:ext uri="{FF2B5EF4-FFF2-40B4-BE49-F238E27FC236}">
+                <a16:creationId xmlns:a16="http://schemas.microsoft.com/office/drawing/2014/main" id="{87AC8795-F72E-4F53-BACC-C551C2D8316A}"/>
+              </a:ext>
+            </a:extLst>
+          </p:cNvPr>
+          <p:cNvSpPr>
+            <a:spLocks noGrp="1"/>
+          </p:cNvSpPr>
+          <p:nvPr>
+            <p:ph type="title"/>
+          </p:nvPr>
+        </p:nvSpPr>
+        <p:spPr/>
+        <p:txBody>
+          <a:bodyPr/>
+          <a:lstStyle/>
+          <a:p>
+            <a:r>
+              <a:rPr lang="de-DE" dirty="0"/>
+              <a:t>Datenbanken Einsatz: Beispiel</a:t>
+            </a:r>
+          </a:p>
+        </p:txBody>
+      </p:sp>
+      <p:sp>
+        <p:nvSpPr>
+          <p:cNvPr id="6" name="Inhaltsplatzhalter 5">
+            <a:extLst>
+              <a:ext uri="{FF2B5EF4-FFF2-40B4-BE49-F238E27FC236}">
+                <a16:creationId xmlns:a16="http://schemas.microsoft.com/office/drawing/2014/main" id="{37D42437-95F7-4C64-81D1-F82571A32530}"/>
+              </a:ext>
+            </a:extLst>
+          </p:cNvPr>
+          <p:cNvSpPr>
+            <a:spLocks noGrp="1"/>
+          </p:cNvSpPr>
+          <p:nvPr>
+            <p:ph idx="1"/>
+          </p:nvPr>
+        </p:nvSpPr>
+        <p:spPr>
+          <a:xfrm>
+            <a:off x="838199" y="1825625"/>
+            <a:ext cx="5739957" cy="4351338"/>
+          </a:xfrm>
+        </p:spPr>
+        <p:txBody>
+          <a:bodyPr/>
+          <a:lstStyle/>
+          <a:p>
+            <a:r>
+              <a:rPr lang="de-DE" dirty="0"/>
+              <a:t>SQL befehle müssen in PHP-</a:t>
+            </a:r>
+            <a:r>
+              <a:rPr lang="de-DE" dirty="0" err="1"/>
+              <a:t>tacs</a:t>
+            </a:r>
+            <a:r>
+              <a:rPr lang="de-DE" dirty="0"/>
+              <a:t> eingeführt werden </a:t>
+            </a:r>
+          </a:p>
+          <a:p>
+            <a:endParaRPr lang="de-DE" dirty="0"/>
+          </a:p>
+          <a:p>
+            <a:r>
+              <a:rPr lang="de-DE" dirty="0"/>
+              <a:t>DB Verbindung muss aufgebaut werden </a:t>
+            </a:r>
+          </a:p>
+          <a:p>
+            <a:endParaRPr lang="de-DE" dirty="0"/>
+          </a:p>
+          <a:p>
+            <a:r>
+              <a:rPr lang="de-DE" dirty="0"/>
+              <a:t>Benötigter Wert kann mit dem echo-Befehl in </a:t>
+            </a:r>
+            <a:r>
+              <a:rPr lang="de-DE" dirty="0" err="1"/>
+              <a:t>Html</a:t>
+            </a:r>
+            <a:r>
+              <a:rPr lang="de-DE" dirty="0"/>
+              <a:t> eingebunden </a:t>
+            </a:r>
+          </a:p>
+        </p:txBody>
+      </p:sp>
+      <p:pic>
+        <p:nvPicPr>
+          <p:cNvPr id="5" name="Grafik 4">
+            <a:extLst>
+              <a:ext uri="{FF2B5EF4-FFF2-40B4-BE49-F238E27FC236}">
+                <a16:creationId xmlns:a16="http://schemas.microsoft.com/office/drawing/2014/main" id="{B7E16C27-D378-4829-A890-B1E9782FCB2F}"/>
+              </a:ext>
+            </a:extLst>
+          </p:cNvPr>
+          <p:cNvPicPr>
+            <a:picLocks noChangeAspect="1"/>
+          </p:cNvPicPr>
+          <p:nvPr/>
+        </p:nvPicPr>
+        <p:blipFill>
+          <a:blip r:embed="rId2">
+            <a:extLst>
+              <a:ext uri="{28A0092B-C50C-407E-A947-70E740481C1C}">
+                <a14:useLocalDpi xmlns:a14="http://schemas.microsoft.com/office/drawing/2010/main" val="0"/>
+              </a:ext>
+            </a:extLst>
+          </a:blip>
+          <a:stretch>
+            <a:fillRect/>
+          </a:stretch>
+        </p:blipFill>
+        <p:spPr>
+          <a:xfrm>
+            <a:off x="0" y="0"/>
+            <a:ext cx="17967158" cy="533400"/>
+          </a:xfrm>
+          <a:prstGeom prst="rect">
+            <a:avLst/>
+          </a:prstGeom>
+        </p:spPr>
+      </p:pic>
+      <p:pic>
+        <p:nvPicPr>
+          <p:cNvPr id="7" name="Grafik 6">
+            <a:extLst>
+              <a:ext uri="{FF2B5EF4-FFF2-40B4-BE49-F238E27FC236}">
+                <a16:creationId xmlns:a16="http://schemas.microsoft.com/office/drawing/2014/main" id="{D69E3AB2-FDF1-4CE2-9130-48554F747CE8}"/>
+              </a:ext>
+            </a:extLst>
+          </p:cNvPr>
+          <p:cNvPicPr>
+            <a:picLocks noChangeAspect="1"/>
+          </p:cNvPicPr>
+          <p:nvPr/>
+        </p:nvPicPr>
+        <p:blipFill>
+          <a:blip r:embed="rId3">
+            <a:extLst>
+              <a:ext uri="{28A0092B-C50C-407E-A947-70E740481C1C}">
+                <a14:useLocalDpi xmlns:a14="http://schemas.microsoft.com/office/drawing/2010/main" val="0"/>
+              </a:ext>
+            </a:extLst>
+          </a:blip>
+          <a:stretch>
+            <a:fillRect/>
+          </a:stretch>
+        </p:blipFill>
+        <p:spPr>
+          <a:xfrm>
+            <a:off x="-5202027" y="5962249"/>
+            <a:ext cx="17394027" cy="895751"/>
+          </a:xfrm>
+          <a:prstGeom prst="rect">
+            <a:avLst/>
+          </a:prstGeom>
+        </p:spPr>
+      </p:pic>
+      <p:pic>
+        <p:nvPicPr>
+          <p:cNvPr id="13" name="Grafik 12">
+            <a:extLst>
+              <a:ext uri="{FF2B5EF4-FFF2-40B4-BE49-F238E27FC236}">
+                <a16:creationId xmlns:a16="http://schemas.microsoft.com/office/drawing/2014/main" id="{3F15EF38-607C-4029-BB9B-6A63B2AFF21A}"/>
+              </a:ext>
+            </a:extLst>
+          </p:cNvPr>
+          <p:cNvPicPr>
+            <a:picLocks noChangeAspect="1"/>
+          </p:cNvPicPr>
+          <p:nvPr/>
+        </p:nvPicPr>
+        <p:blipFill>
+          <a:blip r:embed="rId4">
+            <a:extLst>
+              <a:ext uri="{28A0092B-C50C-407E-A947-70E740481C1C}">
+                <a14:useLocalDpi xmlns:a14="http://schemas.microsoft.com/office/drawing/2010/main" val="0"/>
+              </a:ext>
+            </a:extLst>
+          </a:blip>
+          <a:stretch>
+            <a:fillRect/>
+          </a:stretch>
+        </p:blipFill>
+        <p:spPr>
+          <a:xfrm>
+            <a:off x="1247555" y="6410124"/>
+            <a:ext cx="4738488" cy="358976"/>
+          </a:xfrm>
+          <a:prstGeom prst="rect">
+            <a:avLst/>
+          </a:prstGeom>
+        </p:spPr>
+      </p:pic>
+      <p:pic>
+        <p:nvPicPr>
+          <p:cNvPr id="11" name="Grafik 10">
+            <a:extLst>
+              <a:ext uri="{FF2B5EF4-FFF2-40B4-BE49-F238E27FC236}">
+                <a16:creationId xmlns:a16="http://schemas.microsoft.com/office/drawing/2014/main" id="{F345175A-EF56-4018-B3A1-7C0BFE3CE178}"/>
+              </a:ext>
+            </a:extLst>
+          </p:cNvPr>
+          <p:cNvPicPr>
+            <a:picLocks noChangeAspect="1"/>
+          </p:cNvPicPr>
+          <p:nvPr/>
+        </p:nvPicPr>
+        <p:blipFill>
+          <a:blip r:embed="rId5">
+            <a:extLst>
+              <a:ext uri="{28A0092B-C50C-407E-A947-70E740481C1C}">
+                <a14:useLocalDpi xmlns:a14="http://schemas.microsoft.com/office/drawing/2010/main" val="0"/>
+              </a:ext>
+            </a:extLst>
+          </a:blip>
+          <a:stretch>
+            <a:fillRect/>
+          </a:stretch>
+        </p:blipFill>
+        <p:spPr>
+          <a:xfrm>
+            <a:off x="6578156" y="4409969"/>
+            <a:ext cx="2362530" cy="1514686"/>
+          </a:xfrm>
+          <a:prstGeom prst="rect">
+            <a:avLst/>
+          </a:prstGeom>
+        </p:spPr>
+      </p:pic>
+      <p:pic>
+        <p:nvPicPr>
+          <p:cNvPr id="17" name="Grafik 16" descr="Ein Bild, das Screenshot enthält.&#10;&#10;Mit sehr hoher Zuverlässigkeit generierte Beschreibung">
+            <a:extLst>
+              <a:ext uri="{FF2B5EF4-FFF2-40B4-BE49-F238E27FC236}">
+                <a16:creationId xmlns:a16="http://schemas.microsoft.com/office/drawing/2014/main" id="{43D4DD86-B0E0-4BD4-ACA2-DAEC55B7F0B5}"/>
+              </a:ext>
+            </a:extLst>
+          </p:cNvPr>
+          <p:cNvPicPr>
+            <a:picLocks noChangeAspect="1"/>
+          </p:cNvPicPr>
+          <p:nvPr/>
+        </p:nvPicPr>
+        <p:blipFill>
+          <a:blip r:embed="rId6">
+            <a:extLst>
+              <a:ext uri="{28A0092B-C50C-407E-A947-70E740481C1C}">
+                <a14:useLocalDpi xmlns:a14="http://schemas.microsoft.com/office/drawing/2010/main" val="0"/>
+              </a:ext>
+            </a:extLst>
+          </a:blip>
+          <a:stretch>
+            <a:fillRect/>
+          </a:stretch>
+        </p:blipFill>
+        <p:spPr>
+          <a:xfrm>
+            <a:off x="6578157" y="1690688"/>
+            <a:ext cx="5153744" cy="2276793"/>
+          </a:xfrm>
+          <a:prstGeom prst="rect">
+            <a:avLst/>
+          </a:prstGeom>
+        </p:spPr>
+      </p:pic>
+    </p:spTree>
+    <p:extLst>
+      <p:ext uri="{BB962C8B-B14F-4D97-AF65-F5344CB8AC3E}">
+        <p14:creationId xmlns:p14="http://schemas.microsoft.com/office/powerpoint/2010/main" val="1695139880"/>
+      </p:ext>
+    </p:extLst>
+  </p:cSld>
+  <p:clrMapOvr>
+    <a:masterClrMapping/>
+  </p:clrMapOvr>
+  <p:transition spd="slow">
+    <p:push dir="u"/>
+  </p:transition>
+</p:sld>
+</file>
+
+<file path=ppt/slides/slide16.xml><?xml version="1.0" encoding="utf-8"?>
+<p:sld xmlns:a="http://schemas.openxmlformats.org/drawingml/2006/main" xmlns:r="http://schemas.openxmlformats.org/officeDocument/2006/relationships" xmlns:p="http://schemas.openxmlformats.org/presentationml/2006/main">
+  <p:cSld>
+    <p:spTree>
+      <p:nvGrpSpPr>
+        <p:cNvPr id="1" name=""/>
+        <p:cNvGrpSpPr/>
+        <p:nvPr/>
+      </p:nvGrpSpPr>
+      <p:grpSpPr>
+        <a:xfrm>
+          <a:off x="0" y="0"/>
+          <a:ext cx="0" cy="0"/>
+          <a:chOff x="0" y="0"/>
+          <a:chExt cx="0" cy="0"/>
+        </a:xfrm>
+      </p:grpSpPr>
+      <p:sp>
+        <p:nvSpPr>
+          <p:cNvPr id="2" name="Titel 1">
+            <a:extLst>
+              <a:ext uri="{FF2B5EF4-FFF2-40B4-BE49-F238E27FC236}">
+                <a16:creationId xmlns:a16="http://schemas.microsoft.com/office/drawing/2014/main" id="{510A3E52-E997-4BF8-B89F-E27C0209F5A2}"/>
+              </a:ext>
+            </a:extLst>
+          </p:cNvPr>
+          <p:cNvSpPr>
+            <a:spLocks noGrp="1"/>
+          </p:cNvSpPr>
+          <p:nvPr>
+            <p:ph type="ctrTitle"/>
+          </p:nvPr>
+        </p:nvSpPr>
+        <p:spPr>
+          <a:xfrm>
+            <a:off x="1524000" y="1122363"/>
+            <a:ext cx="9144000" cy="2387600"/>
+          </a:xfrm>
+        </p:spPr>
+        <p:txBody>
+          <a:bodyPr/>
+          <a:lstStyle/>
+          <a:p>
+            <a:r>
+              <a:rPr lang="de-DE" dirty="0"/>
+              <a:t>Bewertung des Projektmanagements</a:t>
+            </a:r>
+          </a:p>
+        </p:txBody>
+      </p:sp>
+      <p:pic>
+        <p:nvPicPr>
+          <p:cNvPr id="5" name="Grafik 4">
+            <a:extLst>
+              <a:ext uri="{FF2B5EF4-FFF2-40B4-BE49-F238E27FC236}">
+                <a16:creationId xmlns:a16="http://schemas.microsoft.com/office/drawing/2014/main" id="{B7E16C27-D378-4829-A890-B1E9782FCB2F}"/>
+              </a:ext>
+            </a:extLst>
+          </p:cNvPr>
+          <p:cNvPicPr>
+            <a:picLocks noChangeAspect="1"/>
+          </p:cNvPicPr>
+          <p:nvPr/>
+        </p:nvPicPr>
+        <p:blipFill>
+          <a:blip r:embed="rId2">
+            <a:extLst>
+              <a:ext uri="{28A0092B-C50C-407E-A947-70E740481C1C}">
+                <a14:useLocalDpi xmlns:a14="http://schemas.microsoft.com/office/drawing/2010/main" val="0"/>
+              </a:ext>
+            </a:extLst>
+          </a:blip>
+          <a:stretch>
+            <a:fillRect/>
+          </a:stretch>
+        </p:blipFill>
+        <p:spPr>
+          <a:xfrm>
+            <a:off x="0" y="0"/>
+            <a:ext cx="17967158" cy="533400"/>
+          </a:xfrm>
+          <a:prstGeom prst="rect">
+            <a:avLst/>
+          </a:prstGeom>
+        </p:spPr>
+      </p:pic>
+      <p:pic>
+        <p:nvPicPr>
+          <p:cNvPr id="7" name="Grafik 6">
+            <a:extLst>
+              <a:ext uri="{FF2B5EF4-FFF2-40B4-BE49-F238E27FC236}">
+                <a16:creationId xmlns:a16="http://schemas.microsoft.com/office/drawing/2014/main" id="{D69E3AB2-FDF1-4CE2-9130-48554F747CE8}"/>
+              </a:ext>
+            </a:extLst>
+          </p:cNvPr>
+          <p:cNvPicPr>
+            <a:picLocks noChangeAspect="1"/>
+          </p:cNvPicPr>
+          <p:nvPr/>
+        </p:nvPicPr>
+        <p:blipFill>
+          <a:blip r:embed="rId3">
+            <a:extLst>
+              <a:ext uri="{28A0092B-C50C-407E-A947-70E740481C1C}">
+                <a14:useLocalDpi xmlns:a14="http://schemas.microsoft.com/office/drawing/2010/main" val="0"/>
+              </a:ext>
+            </a:extLst>
+          </a:blip>
+          <a:stretch>
+            <a:fillRect/>
+          </a:stretch>
+        </p:blipFill>
+        <p:spPr>
+          <a:xfrm>
+            <a:off x="-5202027" y="5962249"/>
+            <a:ext cx="17394027" cy="895751"/>
+          </a:xfrm>
+          <a:prstGeom prst="rect">
+            <a:avLst/>
+          </a:prstGeom>
+        </p:spPr>
+      </p:pic>
+      <p:pic>
+        <p:nvPicPr>
+          <p:cNvPr id="13" name="Grafik 12">
+            <a:extLst>
+              <a:ext uri="{FF2B5EF4-FFF2-40B4-BE49-F238E27FC236}">
+                <a16:creationId xmlns:a16="http://schemas.microsoft.com/office/drawing/2014/main" id="{3F15EF38-607C-4029-BB9B-6A63B2AFF21A}"/>
+              </a:ext>
+            </a:extLst>
+          </p:cNvPr>
+          <p:cNvPicPr>
+            <a:picLocks noChangeAspect="1"/>
+          </p:cNvPicPr>
+          <p:nvPr/>
+        </p:nvPicPr>
+        <p:blipFill>
+          <a:blip r:embed="rId4">
+            <a:extLst>
+              <a:ext uri="{28A0092B-C50C-407E-A947-70E740481C1C}">
+                <a14:useLocalDpi xmlns:a14="http://schemas.microsoft.com/office/drawing/2010/main" val="0"/>
+              </a:ext>
+            </a:extLst>
+          </a:blip>
+          <a:stretch>
+            <a:fillRect/>
+          </a:stretch>
+        </p:blipFill>
+        <p:spPr>
+          <a:xfrm>
+            <a:off x="1247555" y="6410124"/>
+            <a:ext cx="4738488" cy="358976"/>
+          </a:xfrm>
+          <a:prstGeom prst="rect">
+            <a:avLst/>
+          </a:prstGeom>
+        </p:spPr>
+      </p:pic>
+    </p:spTree>
+    <p:extLst>
+      <p:ext uri="{BB962C8B-B14F-4D97-AF65-F5344CB8AC3E}">
+        <p14:creationId xmlns:p14="http://schemas.microsoft.com/office/powerpoint/2010/main" val="2736227390"/>
+      </p:ext>
+    </p:extLst>
+  </p:cSld>
+  <p:clrMapOvr>
+    <a:masterClrMapping/>
+  </p:clrMapOvr>
+  <p:transition spd="slow">
+    <p:push dir="u"/>
+  </p:transition>
+</p:sld>
+</file>
+
+<file path=ppt/slides/slide17.xml><?xml version="1.0" encoding="utf-8"?>
+<p:sld xmlns:a="http://schemas.openxmlformats.org/drawingml/2006/main" xmlns:r="http://schemas.openxmlformats.org/officeDocument/2006/relationships" xmlns:p="http://schemas.openxmlformats.org/presentationml/2006/main">
+  <p:cSld>
+    <p:spTree>
+      <p:nvGrpSpPr>
+        <p:cNvPr id="1" name=""/>
+        <p:cNvGrpSpPr/>
+        <p:nvPr/>
+      </p:nvGrpSpPr>
+      <p:grpSpPr>
+        <a:xfrm>
+          <a:off x="0" y="0"/>
+          <a:ext cx="0" cy="0"/>
+          <a:chOff x="0" y="0"/>
+          <a:chExt cx="0" cy="0"/>
+        </a:xfrm>
+      </p:grpSpPr>
+      <p:sp>
+        <p:nvSpPr>
+          <p:cNvPr id="4" name="Titel 3">
+            <a:extLst>
+              <a:ext uri="{FF2B5EF4-FFF2-40B4-BE49-F238E27FC236}">
+                <a16:creationId xmlns:a16="http://schemas.microsoft.com/office/drawing/2014/main" id="{87AC8795-F72E-4F53-BACC-C551C2D8316A}"/>
+              </a:ext>
+            </a:extLst>
+          </p:cNvPr>
+          <p:cNvSpPr>
+            <a:spLocks noGrp="1"/>
+          </p:cNvSpPr>
+          <p:nvPr>
+            <p:ph type="title"/>
+          </p:nvPr>
+        </p:nvSpPr>
+        <p:spPr/>
+        <p:txBody>
+          <a:bodyPr/>
+          <a:lstStyle/>
+          <a:p>
+            <a:r>
+              <a:rPr lang="de-DE" dirty="0"/>
               <a:t>Planung</a:t>
             </a:r>
           </a:p>
@@ -8833,7 +6532,201 @@
 </p:sld>
 </file>
 
-<file path=ppt/slides/slide14.xml><?xml version="1.0" encoding="utf-8"?>
+<file path=ppt/slides/slide18.xml><?xml version="1.0" encoding="utf-8"?>
+<p:sld xmlns:a="http://schemas.openxmlformats.org/drawingml/2006/main" xmlns:r="http://schemas.openxmlformats.org/officeDocument/2006/relationships" xmlns:p="http://schemas.openxmlformats.org/presentationml/2006/main">
+  <p:cSld>
+    <p:spTree>
+      <p:nvGrpSpPr>
+        <p:cNvPr id="1" name=""/>
+        <p:cNvGrpSpPr/>
+        <p:nvPr/>
+      </p:nvGrpSpPr>
+      <p:grpSpPr>
+        <a:xfrm>
+          <a:off x="0" y="0"/>
+          <a:ext cx="0" cy="0"/>
+          <a:chOff x="0" y="0"/>
+          <a:chExt cx="0" cy="0"/>
+        </a:xfrm>
+      </p:grpSpPr>
+      <p:sp>
+        <p:nvSpPr>
+          <p:cNvPr id="4" name="Titel 3">
+            <a:extLst>
+              <a:ext uri="{FF2B5EF4-FFF2-40B4-BE49-F238E27FC236}">
+                <a16:creationId xmlns:a16="http://schemas.microsoft.com/office/drawing/2014/main" id="{87AC8795-F72E-4F53-BACC-C551C2D8316A}"/>
+              </a:ext>
+            </a:extLst>
+          </p:cNvPr>
+          <p:cNvSpPr>
+            <a:spLocks noGrp="1"/>
+          </p:cNvSpPr>
+          <p:nvPr>
+            <p:ph type="title"/>
+          </p:nvPr>
+        </p:nvSpPr>
+        <p:spPr/>
+        <p:txBody>
+          <a:bodyPr/>
+          <a:lstStyle/>
+          <a:p>
+            <a:r>
+              <a:rPr lang="de-DE" dirty="0"/>
+              <a:t>Reflektion</a:t>
+            </a:r>
+          </a:p>
+        </p:txBody>
+      </p:sp>
+      <p:sp>
+        <p:nvSpPr>
+          <p:cNvPr id="6" name="Inhaltsplatzhalter 5">
+            <a:extLst>
+              <a:ext uri="{FF2B5EF4-FFF2-40B4-BE49-F238E27FC236}">
+                <a16:creationId xmlns:a16="http://schemas.microsoft.com/office/drawing/2014/main" id="{37D42437-95F7-4C64-81D1-F82571A32530}"/>
+              </a:ext>
+            </a:extLst>
+          </p:cNvPr>
+          <p:cNvSpPr>
+            <a:spLocks noGrp="1"/>
+          </p:cNvSpPr>
+          <p:nvPr>
+            <p:ph idx="1"/>
+          </p:nvPr>
+        </p:nvSpPr>
+        <p:spPr/>
+        <p:txBody>
+          <a:bodyPr/>
+          <a:lstStyle/>
+          <a:p>
+            <a:r>
+              <a:rPr lang="de-DE" dirty="0"/>
+              <a:t>Pro</a:t>
+            </a:r>
+          </a:p>
+        </p:txBody>
+      </p:sp>
+      <p:pic>
+        <p:nvPicPr>
+          <p:cNvPr id="5" name="Grafik 4">
+            <a:extLst>
+              <a:ext uri="{FF2B5EF4-FFF2-40B4-BE49-F238E27FC236}">
+                <a16:creationId xmlns:a16="http://schemas.microsoft.com/office/drawing/2014/main" id="{B7E16C27-D378-4829-A890-B1E9782FCB2F}"/>
+              </a:ext>
+            </a:extLst>
+          </p:cNvPr>
+          <p:cNvPicPr>
+            <a:picLocks noChangeAspect="1"/>
+          </p:cNvPicPr>
+          <p:nvPr/>
+        </p:nvPicPr>
+        <p:blipFill>
+          <a:blip r:embed="rId2">
+            <a:extLst>
+              <a:ext uri="{28A0092B-C50C-407E-A947-70E740481C1C}">
+                <a14:useLocalDpi xmlns:a14="http://schemas.microsoft.com/office/drawing/2010/main" val="0"/>
+              </a:ext>
+            </a:extLst>
+          </a:blip>
+          <a:stretch>
+            <a:fillRect/>
+          </a:stretch>
+        </p:blipFill>
+        <p:spPr>
+          <a:xfrm>
+            <a:off x="0" y="0"/>
+            <a:ext cx="17967158" cy="533400"/>
+          </a:xfrm>
+          <a:prstGeom prst="rect">
+            <a:avLst/>
+          </a:prstGeom>
+        </p:spPr>
+      </p:pic>
+      <p:pic>
+        <p:nvPicPr>
+          <p:cNvPr id="7" name="Grafik 6">
+            <a:extLst>
+              <a:ext uri="{FF2B5EF4-FFF2-40B4-BE49-F238E27FC236}">
+                <a16:creationId xmlns:a16="http://schemas.microsoft.com/office/drawing/2014/main" id="{D69E3AB2-FDF1-4CE2-9130-48554F747CE8}"/>
+              </a:ext>
+            </a:extLst>
+          </p:cNvPr>
+          <p:cNvPicPr>
+            <a:picLocks noChangeAspect="1"/>
+          </p:cNvPicPr>
+          <p:nvPr/>
+        </p:nvPicPr>
+        <p:blipFill>
+          <a:blip r:embed="rId3">
+            <a:extLst>
+              <a:ext uri="{28A0092B-C50C-407E-A947-70E740481C1C}">
+                <a14:useLocalDpi xmlns:a14="http://schemas.microsoft.com/office/drawing/2010/main" val="0"/>
+              </a:ext>
+            </a:extLst>
+          </a:blip>
+          <a:stretch>
+            <a:fillRect/>
+          </a:stretch>
+        </p:blipFill>
+        <p:spPr>
+          <a:xfrm>
+            <a:off x="-5202027" y="5962249"/>
+            <a:ext cx="17394027" cy="895751"/>
+          </a:xfrm>
+          <a:prstGeom prst="rect">
+            <a:avLst/>
+          </a:prstGeom>
+        </p:spPr>
+      </p:pic>
+      <p:pic>
+        <p:nvPicPr>
+          <p:cNvPr id="13" name="Grafik 12">
+            <a:extLst>
+              <a:ext uri="{FF2B5EF4-FFF2-40B4-BE49-F238E27FC236}">
+                <a16:creationId xmlns:a16="http://schemas.microsoft.com/office/drawing/2014/main" id="{3F15EF38-607C-4029-BB9B-6A63B2AFF21A}"/>
+              </a:ext>
+            </a:extLst>
+          </p:cNvPr>
+          <p:cNvPicPr>
+            <a:picLocks noChangeAspect="1"/>
+          </p:cNvPicPr>
+          <p:nvPr/>
+        </p:nvPicPr>
+        <p:blipFill>
+          <a:blip r:embed="rId4">
+            <a:extLst>
+              <a:ext uri="{28A0092B-C50C-407E-A947-70E740481C1C}">
+                <a14:useLocalDpi xmlns:a14="http://schemas.microsoft.com/office/drawing/2010/main" val="0"/>
+              </a:ext>
+            </a:extLst>
+          </a:blip>
+          <a:stretch>
+            <a:fillRect/>
+          </a:stretch>
+        </p:blipFill>
+        <p:spPr>
+          <a:xfrm>
+            <a:off x="1247555" y="6410124"/>
+            <a:ext cx="4738488" cy="358976"/>
+          </a:xfrm>
+          <a:prstGeom prst="rect">
+            <a:avLst/>
+          </a:prstGeom>
+        </p:spPr>
+      </p:pic>
+    </p:spTree>
+    <p:extLst>
+      <p:ext uri="{BB962C8B-B14F-4D97-AF65-F5344CB8AC3E}">
+        <p14:creationId xmlns:p14="http://schemas.microsoft.com/office/powerpoint/2010/main" val="600923650"/>
+      </p:ext>
+    </p:extLst>
+  </p:cSld>
+  <p:clrMapOvr>
+    <a:masterClrMapping/>
+  </p:clrMapOvr>
+</p:sld>
+</file>
+
+<file path=ppt/slides/slide19.xml><?xml version="1.0" encoding="utf-8"?>
 <p:sld xmlns:a="http://schemas.openxmlformats.org/drawingml/2006/main" xmlns:r="http://schemas.openxmlformats.org/officeDocument/2006/relationships" xmlns:p="http://schemas.openxmlformats.org/presentationml/2006/main">
   <p:cSld>
     <p:spTree>
@@ -9026,10 +6919,10 @@
       </p:grpSpPr>
       <p:sp>
         <p:nvSpPr>
-          <p:cNvPr id="2" name="Titel 1">
-            <a:extLst>
-              <a:ext uri="{FF2B5EF4-FFF2-40B4-BE49-F238E27FC236}">
-                <a16:creationId xmlns:a16="http://schemas.microsoft.com/office/drawing/2014/main" id="{0D43EF32-4868-4C1F-A607-C14C387CD0F1}"/>
+          <p:cNvPr id="4" name="Titel 3">
+            <a:extLst>
+              <a:ext uri="{FF2B5EF4-FFF2-40B4-BE49-F238E27FC236}">
+                <a16:creationId xmlns:a16="http://schemas.microsoft.com/office/drawing/2014/main" id="{87AC8795-F72E-4F53-BACC-C551C2D8316A}"/>
               </a:ext>
             </a:extLst>
           </p:cNvPr>
@@ -9054,10 +6947,10 @@
       </p:sp>
       <p:sp>
         <p:nvSpPr>
-          <p:cNvPr id="3" name="Inhaltsplatzhalter 2">
-            <a:extLst>
-              <a:ext uri="{FF2B5EF4-FFF2-40B4-BE49-F238E27FC236}">
-                <a16:creationId xmlns:a16="http://schemas.microsoft.com/office/drawing/2014/main" id="{9EA08152-4E35-4AC3-BDF5-ADEEC27BAA94}"/>
+          <p:cNvPr id="6" name="Inhaltsplatzhalter 5">
+            <a:extLst>
+              <a:ext uri="{FF2B5EF4-FFF2-40B4-BE49-F238E27FC236}">
+                <a16:creationId xmlns:a16="http://schemas.microsoft.com/office/drawing/2014/main" id="{37D42437-95F7-4C64-81D1-F82571A32530}"/>
               </a:ext>
             </a:extLst>
           </p:cNvPr>
@@ -9070,70 +6963,128 @@
         </p:nvSpPr>
         <p:spPr/>
         <p:txBody>
-          <a:bodyPr>
-            <a:normAutofit/>
-          </a:bodyPr>
+          <a:bodyPr/>
           <a:lstStyle/>
           <a:p>
-            <a:r>
-              <a:rPr lang="de-DE" dirty="0"/>
-              <a:t>Wer wir sind!</a:t>
-            </a:r>
-          </a:p>
-          <a:p>
-            <a:r>
-              <a:rPr lang="de-DE" dirty="0"/>
-              <a:t>Entwicklung der Website</a:t>
-            </a:r>
-          </a:p>
-          <a:p>
-            <a:r>
-              <a:rPr lang="de-DE" dirty="0"/>
-              <a:t>Technisches Konzept</a:t>
-            </a:r>
-          </a:p>
-          <a:p>
-            <a:r>
-              <a:rPr lang="de-DE" dirty="0"/>
-              <a:t>Anwendungsspezifikation</a:t>
-            </a:r>
-          </a:p>
-          <a:p>
-            <a:r>
-              <a:rPr lang="de-DE" dirty="0"/>
-              <a:t>Weiteres Vorgehen</a:t>
-            </a:r>
-          </a:p>
-          <a:p>
-            <a:r>
-              <a:rPr lang="de-DE" dirty="0"/>
-              <a:t>Live-Preview</a:t>
-            </a:r>
-          </a:p>
-          <a:p>
-            <a:pPr marL="411480" lvl="1" indent="0">
+            <a:pPr marL="0" indent="0">
               <a:buNone/>
             </a:pPr>
             <a:endParaRPr lang="de-DE" dirty="0"/>
           </a:p>
-          <a:p>
-            <a:pPr lvl="1"/>
-            <a:endParaRPr lang="de-DE" dirty="0"/>
-          </a:p>
-          <a:p>
-            <a:pPr lvl="1"/>
-            <a:endParaRPr lang="de-DE" dirty="0"/>
-          </a:p>
-          <a:p>
-            <a:pPr lvl="1"/>
-            <a:endParaRPr lang="de-DE" dirty="0"/>
-          </a:p>
-        </p:txBody>
-      </p:sp>
+        </p:txBody>
+      </p:sp>
+      <p:pic>
+        <p:nvPicPr>
+          <p:cNvPr id="5" name="Grafik 4">
+            <a:extLst>
+              <a:ext uri="{FF2B5EF4-FFF2-40B4-BE49-F238E27FC236}">
+                <a16:creationId xmlns:a16="http://schemas.microsoft.com/office/drawing/2014/main" id="{B7E16C27-D378-4829-A890-B1E9782FCB2F}"/>
+              </a:ext>
+            </a:extLst>
+          </p:cNvPr>
+          <p:cNvPicPr>
+            <a:picLocks noChangeAspect="1"/>
+          </p:cNvPicPr>
+          <p:nvPr/>
+        </p:nvPicPr>
+        <p:blipFill>
+          <a:blip r:embed="rId2">
+            <a:extLst>
+              <a:ext uri="{28A0092B-C50C-407E-A947-70E740481C1C}">
+                <a14:useLocalDpi xmlns:a14="http://schemas.microsoft.com/office/drawing/2010/main" val="0"/>
+              </a:ext>
+            </a:extLst>
+          </a:blip>
+          <a:stretch>
+            <a:fillRect/>
+          </a:stretch>
+        </p:blipFill>
+        <p:spPr>
+          <a:xfrm>
+            <a:off x="0" y="0"/>
+            <a:ext cx="17967158" cy="533400"/>
+          </a:xfrm>
+          <a:prstGeom prst="rect">
+            <a:avLst/>
+          </a:prstGeom>
+        </p:spPr>
+      </p:pic>
+      <p:pic>
+        <p:nvPicPr>
+          <p:cNvPr id="7" name="Grafik 6">
+            <a:extLst>
+              <a:ext uri="{FF2B5EF4-FFF2-40B4-BE49-F238E27FC236}">
+                <a16:creationId xmlns:a16="http://schemas.microsoft.com/office/drawing/2014/main" id="{D69E3AB2-FDF1-4CE2-9130-48554F747CE8}"/>
+              </a:ext>
+            </a:extLst>
+          </p:cNvPr>
+          <p:cNvPicPr>
+            <a:picLocks noChangeAspect="1"/>
+          </p:cNvPicPr>
+          <p:nvPr/>
+        </p:nvPicPr>
+        <p:blipFill>
+          <a:blip r:embed="rId3">
+            <a:extLst>
+              <a:ext uri="{28A0092B-C50C-407E-A947-70E740481C1C}">
+                <a14:useLocalDpi xmlns:a14="http://schemas.microsoft.com/office/drawing/2010/main" val="0"/>
+              </a:ext>
+            </a:extLst>
+          </a:blip>
+          <a:stretch>
+            <a:fillRect/>
+          </a:stretch>
+        </p:blipFill>
+        <p:spPr>
+          <a:xfrm>
+            <a:off x="-5202027" y="5962249"/>
+            <a:ext cx="17394027" cy="895751"/>
+          </a:xfrm>
+          <a:prstGeom prst="rect">
+            <a:avLst/>
+          </a:prstGeom>
+        </p:spPr>
+      </p:pic>
+      <p:pic>
+        <p:nvPicPr>
+          <p:cNvPr id="13" name="Grafik 12">
+            <a:extLst>
+              <a:ext uri="{FF2B5EF4-FFF2-40B4-BE49-F238E27FC236}">
+                <a16:creationId xmlns:a16="http://schemas.microsoft.com/office/drawing/2014/main" id="{3F15EF38-607C-4029-BB9B-6A63B2AFF21A}"/>
+              </a:ext>
+            </a:extLst>
+          </p:cNvPr>
+          <p:cNvPicPr>
+            <a:picLocks noChangeAspect="1"/>
+          </p:cNvPicPr>
+          <p:nvPr/>
+        </p:nvPicPr>
+        <p:blipFill>
+          <a:blip r:embed="rId4">
+            <a:extLst>
+              <a:ext uri="{28A0092B-C50C-407E-A947-70E740481C1C}">
+                <a14:useLocalDpi xmlns:a14="http://schemas.microsoft.com/office/drawing/2010/main" val="0"/>
+              </a:ext>
+            </a:extLst>
+          </a:blip>
+          <a:stretch>
+            <a:fillRect/>
+          </a:stretch>
+        </p:blipFill>
+        <p:spPr>
+          <a:xfrm>
+            <a:off x="1247555" y="6410124"/>
+            <a:ext cx="4738488" cy="358976"/>
+          </a:xfrm>
+          <a:prstGeom prst="rect">
+            <a:avLst/>
+          </a:prstGeom>
+        </p:spPr>
+      </p:pic>
     </p:spTree>
     <p:extLst>
       <p:ext uri="{BB962C8B-B14F-4D97-AF65-F5344CB8AC3E}">
-        <p14:creationId xmlns:p14="http://schemas.microsoft.com/office/powerpoint/2010/main" val="1133986613"/>
+        <p14:creationId xmlns:p14="http://schemas.microsoft.com/office/powerpoint/2010/main" val="1034265190"/>
       </p:ext>
     </p:extLst>
   </p:cSld>
@@ -11009,267 +8960,6 @@
 </file>
 
 <file path=ppt/theme/theme2.xml><?xml version="1.0" encoding="utf-8"?>
-<a:theme xmlns:a="http://schemas.openxmlformats.org/drawingml/2006/main" name="Drahtmodellgebäude 16 : 9">
-  <a:themeElements>
-    <a:clrScheme name="WireframeBuilding">
-      <a:dk1>
-        <a:srgbClr val="404040"/>
-      </a:dk1>
-      <a:lt1>
-        <a:sysClr val="window" lastClr="FFFFFF"/>
-      </a:lt1>
-      <a:dk2>
-        <a:srgbClr val="000000"/>
-      </a:dk2>
-      <a:lt2>
-        <a:srgbClr val="E4F9F9"/>
-      </a:lt2>
-      <a:accent1>
-        <a:srgbClr val="1BDCFF"/>
-      </a:accent1>
-      <a:accent2>
-        <a:srgbClr val="3AC673"/>
-      </a:accent2>
-      <a:accent3>
-        <a:srgbClr val="F6BD1E"/>
-      </a:accent3>
-      <a:accent4>
-        <a:srgbClr val="C74167"/>
-      </a:accent4>
-      <a:accent5>
-        <a:srgbClr val="F17E1F"/>
-      </a:accent5>
-      <a:accent6>
-        <a:srgbClr val="6681CC"/>
-      </a:accent6>
-      <a:hlink>
-        <a:srgbClr val="F17E1F"/>
-      </a:hlink>
-      <a:folHlink>
-        <a:srgbClr val="969696"/>
-      </a:folHlink>
-    </a:clrScheme>
-    <a:fontScheme name="Calibri">
-      <a:majorFont>
-        <a:latin typeface="Calibri"/>
-        <a:ea typeface=""/>
-        <a:cs typeface=""/>
-        <a:font script="Jpan" typeface="ＭＳ ゴシック"/>
-        <a:font script="Hang" typeface="HY중고딕"/>
-        <a:font script="Hans" typeface="幼圆"/>
-        <a:font script="Hant" typeface="微軟正黑體"/>
-        <a:font script="Arab" typeface="Tahoma"/>
-        <a:font script="Hebr" typeface="Gisha"/>
-        <a:font script="Thai" typeface="DilleniaUPC"/>
-        <a:font script="Ethi" typeface="Nyala"/>
-        <a:font script="Beng" typeface="Vrinda"/>
-        <a:font script="Gujr" typeface="Shruti"/>
-        <a:font script="Khmr" typeface="DaunPenh"/>
-        <a:font script="Knda" typeface="Tunga"/>
-        <a:font script="Guru" typeface="Raavi"/>
-        <a:font script="Cans" typeface="Euphemia"/>
-        <a:font script="Cher" typeface="Plantagenet Cherokee"/>
-        <a:font script="Yiii" typeface="Microsoft Yi Baiti"/>
-        <a:font script="Tibt" typeface="Microsoft Himalaya"/>
-        <a:font script="Thaa" typeface="MV Boli"/>
-        <a:font script="Deva" typeface="Mangal"/>
-        <a:font script="Telu" typeface="Gautami"/>
-        <a:font script="Taml" typeface="Latha"/>
-        <a:font script="Syrc" typeface="Estrangelo Edessa"/>
-        <a:font script="Orya" typeface="Kalinga"/>
-        <a:font script="Mlym" typeface="Kartika"/>
-        <a:font script="Laoo" typeface="DokChampa"/>
-        <a:font script="Sinh" typeface="Iskoola Pota"/>
-        <a:font script="Mong" typeface="Mongolian Baiti"/>
-        <a:font script="Viet" typeface="Tahoma"/>
-        <a:font script="Uigh" typeface="Microsoft Uighur"/>
-        <a:font script="Geor" typeface="Sylfaen"/>
-      </a:majorFont>
-      <a:minorFont>
-        <a:latin typeface="Calibri"/>
-        <a:ea typeface=""/>
-        <a:cs typeface=""/>
-        <a:font script="Jpan" typeface="ＭＳ ゴシック"/>
-        <a:font script="Hang" typeface="HY중고딕"/>
-        <a:font script="Hans" typeface="幼圆"/>
-        <a:font script="Hant" typeface="微軟正黑體"/>
-        <a:font script="Arab" typeface="Tahoma"/>
-        <a:font script="Hebr" typeface="Gisha"/>
-        <a:font script="Thai" typeface="DilleniaUPC"/>
-        <a:font script="Ethi" typeface="Nyala"/>
-        <a:font script="Beng" typeface="Vrinda"/>
-        <a:font script="Gujr" typeface="Shruti"/>
-        <a:font script="Khmr" typeface="DaunPenh"/>
-        <a:font script="Knda" typeface="Tunga"/>
-        <a:font script="Guru" typeface="Raavi"/>
-        <a:font script="Cans" typeface="Euphemia"/>
-        <a:font script="Cher" typeface="Plantagenet Cherokee"/>
-        <a:font script="Yiii" typeface="Microsoft Yi Baiti"/>
-        <a:font script="Tibt" typeface="Microsoft Himalaya"/>
-        <a:font script="Thaa" typeface="MV Boli"/>
-        <a:font script="Deva" typeface="Mangal"/>
-        <a:font script="Telu" typeface="Gautami"/>
-        <a:font script="Taml" typeface="Latha"/>
-        <a:font script="Syrc" typeface="Estrangelo Edessa"/>
-        <a:font script="Orya" typeface="Kalinga"/>
-        <a:font script="Mlym" typeface="Kartika"/>
-        <a:font script="Laoo" typeface="DokChampa"/>
-        <a:font script="Sinh" typeface="Iskoola Pota"/>
-        <a:font script="Mong" typeface="Mongolian Baiti"/>
-        <a:font script="Viet" typeface="Verdana"/>
-        <a:font script="Uigh" typeface="Microsoft Uighur"/>
-        <a:font script="Geor" typeface="Sylfaen"/>
-      </a:minorFont>
-    </a:fontScheme>
-    <a:fmtScheme name="Office">
-      <a:fillStyleLst>
-        <a:solidFill>
-          <a:schemeClr val="phClr"/>
-        </a:solidFill>
-        <a:gradFill rotWithShape="1">
-          <a:gsLst>
-            <a:gs pos="0">
-              <a:schemeClr val="phClr">
-                <a:lumMod val="110000"/>
-                <a:satMod val="105000"/>
-                <a:tint val="67000"/>
-              </a:schemeClr>
-            </a:gs>
-            <a:gs pos="50000">
-              <a:schemeClr val="phClr">
-                <a:lumMod val="105000"/>
-                <a:satMod val="103000"/>
-                <a:tint val="73000"/>
-              </a:schemeClr>
-            </a:gs>
-            <a:gs pos="100000">
-              <a:schemeClr val="phClr">
-                <a:lumMod val="105000"/>
-                <a:satMod val="109000"/>
-                <a:tint val="81000"/>
-              </a:schemeClr>
-            </a:gs>
-          </a:gsLst>
-          <a:lin ang="5400000" scaled="0"/>
-        </a:gradFill>
-        <a:gradFill rotWithShape="1">
-          <a:gsLst>
-            <a:gs pos="0">
-              <a:schemeClr val="phClr">
-                <a:satMod val="103000"/>
-                <a:lumMod val="102000"/>
-                <a:tint val="94000"/>
-              </a:schemeClr>
-            </a:gs>
-            <a:gs pos="50000">
-              <a:schemeClr val="phClr">
-                <a:satMod val="110000"/>
-                <a:lumMod val="100000"/>
-                <a:shade val="100000"/>
-              </a:schemeClr>
-            </a:gs>
-            <a:gs pos="100000">
-              <a:schemeClr val="phClr">
-                <a:lumMod val="99000"/>
-                <a:satMod val="120000"/>
-                <a:shade val="78000"/>
-              </a:schemeClr>
-            </a:gs>
-          </a:gsLst>
-          <a:lin ang="5400000" scaled="0"/>
-        </a:gradFill>
-      </a:fillStyleLst>
-      <a:lnStyleLst>
-        <a:ln w="6350" cap="flat" cmpd="sng" algn="ctr">
-          <a:solidFill>
-            <a:schemeClr val="phClr"/>
-          </a:solidFill>
-          <a:prstDash val="solid"/>
-          <a:miter lim="800000"/>
-        </a:ln>
-        <a:ln w="12700" cap="flat" cmpd="sng" algn="ctr">
-          <a:solidFill>
-            <a:schemeClr val="phClr"/>
-          </a:solidFill>
-          <a:prstDash val="solid"/>
-          <a:miter lim="800000"/>
-        </a:ln>
-        <a:ln w="19050" cap="flat" cmpd="sng" algn="ctr">
-          <a:solidFill>
-            <a:schemeClr val="phClr"/>
-          </a:solidFill>
-          <a:prstDash val="solid"/>
-          <a:miter lim="800000"/>
-        </a:ln>
-      </a:lnStyleLst>
-      <a:effectStyleLst>
-        <a:effectStyle>
-          <a:effectLst/>
-        </a:effectStyle>
-        <a:effectStyle>
-          <a:effectLst/>
-        </a:effectStyle>
-        <a:effectStyle>
-          <a:effectLst>
-            <a:outerShdw blurRad="57150" dist="19050" dir="5400000" algn="ctr" rotWithShape="0">
-              <a:srgbClr val="000000">
-                <a:alpha val="63000"/>
-              </a:srgbClr>
-            </a:outerShdw>
-          </a:effectLst>
-        </a:effectStyle>
-      </a:effectStyleLst>
-      <a:bgFillStyleLst>
-        <a:solidFill>
-          <a:schemeClr val="phClr"/>
-        </a:solidFill>
-        <a:solidFill>
-          <a:schemeClr val="phClr">
-            <a:tint val="95000"/>
-            <a:satMod val="170000"/>
-          </a:schemeClr>
-        </a:solidFill>
-        <a:gradFill rotWithShape="1">
-          <a:gsLst>
-            <a:gs pos="0">
-              <a:schemeClr val="phClr">
-                <a:tint val="93000"/>
-                <a:satMod val="150000"/>
-                <a:shade val="98000"/>
-                <a:lumMod val="102000"/>
-              </a:schemeClr>
-            </a:gs>
-            <a:gs pos="50000">
-              <a:schemeClr val="phClr">
-                <a:tint val="98000"/>
-                <a:satMod val="130000"/>
-                <a:shade val="90000"/>
-                <a:lumMod val="103000"/>
-              </a:schemeClr>
-            </a:gs>
-            <a:gs pos="100000">
-              <a:schemeClr val="phClr">
-                <a:shade val="63000"/>
-                <a:satMod val="120000"/>
-              </a:schemeClr>
-            </a:gs>
-          </a:gsLst>
-          <a:lin ang="5400000" scaled="0"/>
-        </a:gradFill>
-      </a:bgFillStyleLst>
-    </a:fmtScheme>
-  </a:themeElements>
-  <a:objectDefaults/>
-  <a:extraClrSchemeLst/>
-  <a:extLst>
-    <a:ext uri="{05A4C25C-085E-4340-85A3-A5531E510DB2}">
-      <thm15:themeFamily xmlns:thm15="http://schemas.microsoft.com/office/thememl/2012/main" name="Office_13666334_TF03031027.potx" id="{26B4F770-6FD4-4F10-9C7E-90A6566077AA}" vid="{471196E2-B1EC-4A2B-8637-080551BAB5A5}"/>
-    </a:ext>
-  </a:extLst>
-</a:theme>
-</file>
-
-<file path=ppt/theme/theme3.xml><?xml version="1.0" encoding="utf-8"?>
 <a:theme xmlns:a="http://schemas.openxmlformats.org/drawingml/2006/main" name="Office">
   <a:themeElements>
     <a:clrScheme name="Office">

--- a/Power Point/final.pptx
+++ b/Power Point/final.pptx
@@ -4809,6 +4809,13 @@
           </a:p>
           <a:p>
             <a:pPr lvl="1"/>
+            <a:r>
+              <a:rPr lang="de-DE" dirty="0"/>
+              <a:t>phpMyAdmin</a:t>
+            </a:r>
+          </a:p>
+          <a:p>
+            <a:pPr lvl="1"/>
             <a:endParaRPr lang="de-DE" dirty="0"/>
           </a:p>
           <a:p>
@@ -5441,13 +5448,8 @@
             </a:r>
             <a:r>
               <a:rPr lang="de-DE" dirty="0"/>
-              <a:t> bzw. SQLite zur </a:t>
-            </a:r>
-            <a:r>
-              <a:rPr lang="de-DE" dirty="0" err="1"/>
-              <a:t>verfügung</a:t>
-            </a:r>
-            <a:endParaRPr lang="de-DE" dirty="0"/>
+              <a:t> bzw. SQLite zur Verfügung</a:t>
+            </a:r>
           </a:p>
           <a:p>
             <a:endParaRPr lang="de-DE" dirty="0"/>
@@ -5658,12 +5660,6 @@
           <a:p>
             <a:r>
               <a:rPr lang="de-DE" dirty="0"/>
-              <a:t>Auf jeder Seite</a:t>
-            </a:r>
-          </a:p>
-          <a:p>
-            <a:r>
-              <a:rPr lang="de-DE" dirty="0"/>
               <a:t>Verwaltung in 9 Tabellen</a:t>
             </a:r>
           </a:p>
@@ -5872,15 +5868,7 @@
           <a:p>
             <a:r>
               <a:rPr lang="de-DE" dirty="0"/>
-              <a:t>SQL befehle müssen in PHP-</a:t>
-            </a:r>
-            <a:r>
-              <a:rPr lang="de-DE" dirty="0" err="1"/>
-              <a:t>tacs</a:t>
-            </a:r>
-            <a:r>
-              <a:rPr lang="de-DE" dirty="0"/>
-              <a:t> eingeführt werden </a:t>
+              <a:t>SQL befehle müssen in PHP-tags eingeführt werden </a:t>
             </a:r>
           </a:p>
           <a:p>
@@ -6598,10 +6586,7 @@
           <a:bodyPr/>
           <a:lstStyle/>
           <a:p>
-            <a:r>
-              <a:rPr lang="de-DE" dirty="0"/>
-              <a:t>Pro</a:t>
-            </a:r>
+            <a:endParaRPr lang="de-DE" dirty="0"/>
           </a:p>
         </p:txBody>
       </p:sp>
@@ -6966,9 +6951,33 @@
           <a:bodyPr/>
           <a:lstStyle/>
           <a:p>
-            <a:pPr marL="0" indent="0">
-              <a:buNone/>
-            </a:pPr>
+            <a:r>
+              <a:rPr lang="de-DE" dirty="0"/>
+              <a:t>Rückblick und Entwicklung</a:t>
+            </a:r>
+          </a:p>
+          <a:p>
+            <a:r>
+              <a:rPr lang="de-DE" dirty="0"/>
+              <a:t>Technisches Konzept</a:t>
+            </a:r>
+          </a:p>
+          <a:p>
+            <a:r>
+              <a:rPr lang="de-DE" dirty="0"/>
+              <a:t>Datenbanken und Server</a:t>
+            </a:r>
+          </a:p>
+          <a:p>
+            <a:r>
+              <a:rPr lang="de-DE" dirty="0"/>
+              <a:t>Bewertung des Projektmanagements</a:t>
+            </a:r>
+          </a:p>
+          <a:p>
+            <a:endParaRPr lang="de-DE" dirty="0"/>
+          </a:p>
+          <a:p>
             <a:endParaRPr lang="de-DE" dirty="0"/>
           </a:p>
         </p:txBody>
@@ -7340,7 +7349,7 @@
         </p:spPr>
         <p:txBody>
           <a:bodyPr>
-            <a:normAutofit lnSpcReduction="10000"/>
+            <a:normAutofit/>
           </a:bodyPr>
           <a:lstStyle/>
           <a:p>
@@ -7350,41 +7359,21 @@
             </a:r>
           </a:p>
           <a:p>
-            <a:pPr lvl="1"/>
-            <a:endParaRPr lang="de-DE" dirty="0"/>
-          </a:p>
-          <a:p>
             <a:r>
               <a:rPr lang="de-DE" dirty="0"/>
               <a:t>Lernhilfe</a:t>
             </a:r>
           </a:p>
           <a:p>
-            <a:pPr lvl="1"/>
-            <a:endParaRPr lang="de-DE" dirty="0"/>
-          </a:p>
-          <a:p>
             <a:r>
               <a:rPr lang="de-DE" dirty="0"/>
-              <a:t>Hilfe bei anderen Studenten finden bzw. Hilfe bieten</a:t>
-            </a:r>
-          </a:p>
-          <a:p>
-            <a:endParaRPr lang="de-DE" dirty="0"/>
+              <a:t>Gegenseitigkeitsprinzip</a:t>
+            </a:r>
           </a:p>
           <a:p>
             <a:r>
               <a:rPr lang="de-DE" dirty="0"/>
               <a:t>Kostenlose Registrierung  </a:t>
-            </a:r>
-          </a:p>
-          <a:p>
-            <a:endParaRPr lang="de-DE" dirty="0"/>
-          </a:p>
-          <a:p>
-            <a:r>
-              <a:rPr lang="de-DE" dirty="0"/>
-              <a:t>Gegenseitigkeitsprinzip</a:t>
             </a:r>
           </a:p>
         </p:txBody>
@@ -8062,13 +8051,6 @@
             <a:pPr lvl="1"/>
             <a:r>
               <a:rPr lang="de-DE" dirty="0"/>
-              <a:t>Nicht „Einladend“</a:t>
-            </a:r>
-          </a:p>
-          <a:p>
-            <a:pPr lvl="1"/>
-            <a:r>
-              <a:rPr lang="de-DE" dirty="0"/>
               <a:t>Jetzt: Orange, Grün, Schwarz</a:t>
             </a:r>
           </a:p>
@@ -8087,13 +8069,6 @@
             <a:r>
               <a:rPr lang="de-DE" dirty="0"/>
               <a:t>Altes Logo wurde als unpassend empfunden</a:t>
-            </a:r>
-          </a:p>
-          <a:p>
-            <a:pPr lvl="1"/>
-            <a:r>
-              <a:rPr lang="de-DE" dirty="0"/>
-              <a:t>Altes Logo zu überladen </a:t>
             </a:r>
           </a:p>
           <a:p>
@@ -8525,9 +8500,10 @@
           <a:p>
             <a:pPr lvl="1"/>
             <a:r>
-              <a:rPr lang="de-DE" dirty="0"/>
-              <a:t>Serversprache fehlt--------------------------------------------------------------------</a:t>
-            </a:r>
+              <a:rPr lang="de-DE" dirty="0" err="1"/>
+              <a:t>Xampp</a:t>
+            </a:r>
+            <a:endParaRPr lang="de-DE" dirty="0"/>
           </a:p>
           <a:p>
             <a:pPr lvl="1"/>

--- a/Power Point/final.pptx
+++ b/Power Point/final.pptx
@@ -4951,6 +4951,9 @@
   <p:clrMapOvr>
     <a:masterClrMapping/>
   </p:clrMapOvr>
+  <p:transition spd="slow">
+    <p:push dir="u"/>
+  </p:transition>
 </p:sld>
 </file>
 
@@ -5189,6 +5192,9 @@
   <p:clrMapOvr>
     <a:masterClrMapping/>
   </p:clrMapOvr>
+  <p:transition spd="slow">
+    <p:push dir="u"/>
+  </p:transition>
 </p:sld>
 </file>
 
@@ -6517,6 +6523,9 @@
   <p:clrMapOvr>
     <a:masterClrMapping/>
   </p:clrMapOvr>
+  <p:transition spd="slow">
+    <p:push dir="u"/>
+  </p:transition>
 </p:sld>
 </file>
 
@@ -6586,6 +6595,9 @@
           <a:bodyPr/>
           <a:lstStyle/>
           <a:p>
+            <a:pPr marL="0" indent="0">
+              <a:buNone/>
+            </a:pPr>
             <a:endParaRPr lang="de-DE" dirty="0"/>
           </a:p>
         </p:txBody>
@@ -6708,6 +6720,9 @@
   <p:clrMapOvr>
     <a:masterClrMapping/>
   </p:clrMapOvr>
+  <p:transition spd="slow">
+    <p:push dir="u"/>
+  </p:transition>
 </p:sld>
 </file>
 
@@ -6948,7 +6963,9 @@
         </p:nvSpPr>
         <p:spPr/>
         <p:txBody>
-          <a:bodyPr/>
+          <a:bodyPr>
+            <a:normAutofit/>
+          </a:bodyPr>
           <a:lstStyle/>
           <a:p>
             <a:r>
@@ -6972,6 +6989,12 @@
             <a:r>
               <a:rPr lang="de-DE" dirty="0"/>
               <a:t>Bewertung des Projektmanagements</a:t>
+            </a:r>
+          </a:p>
+          <a:p>
+            <a:r>
+              <a:rPr lang="de-DE" dirty="0"/>
+              <a:t>Live-Preview</a:t>
             </a:r>
           </a:p>
           <a:p>
@@ -7496,6 +7519,9 @@
   <p:clrMapOvr>
     <a:masterClrMapping/>
   </p:clrMapOvr>
+  <p:transition spd="slow">
+    <p:push dir="u"/>
+  </p:transition>
 </p:sld>
 </file>
 
@@ -7966,6 +7992,9 @@
   <p:clrMapOvr>
     <a:masterClrMapping/>
   </p:clrMapOvr>
+  <p:transition spd="slow">
+    <p:push dir="u"/>
+  </p:transition>
 </p:sld>
 </file>
 
@@ -8221,6 +8250,9 @@
   <p:clrMapOvr>
     <a:masterClrMapping/>
   </p:clrMapOvr>
+  <p:transition spd="slow">
+    <p:push dir="u"/>
+  </p:transition>
 </p:sld>
 </file>
 
@@ -8637,6 +8669,9 @@
   <p:clrMapOvr>
     <a:masterClrMapping/>
   </p:clrMapOvr>
+  <p:transition spd="slow">
+    <p:push dir="u"/>
+  </p:transition>
 </p:sld>
 </file>
 

--- a/Power Point/final.pptx
+++ b/Power Point/final.pptx
@@ -5,28 +5,29 @@
     <p:sldMasterId id="2147483648" r:id="rId1"/>
   </p:sldMasterIdLst>
   <p:notesMasterIdLst>
-    <p:notesMasterId r:id="rId21"/>
+    <p:notesMasterId r:id="rId22"/>
   </p:notesMasterIdLst>
   <p:sldIdLst>
     <p:sldId id="256" r:id="rId2"/>
     <p:sldId id="335" r:id="rId3"/>
     <p:sldId id="285" r:id="rId4"/>
     <p:sldId id="319" r:id="rId5"/>
-    <p:sldId id="278" r:id="rId6"/>
-    <p:sldId id="321" r:id="rId7"/>
-    <p:sldId id="286" r:id="rId8"/>
-    <p:sldId id="290" r:id="rId9"/>
-    <p:sldId id="302" r:id="rId10"/>
-    <p:sldId id="303" r:id="rId11"/>
-    <p:sldId id="327" r:id="rId12"/>
-    <p:sldId id="337" r:id="rId13"/>
-    <p:sldId id="338" r:id="rId14"/>
-    <p:sldId id="336" r:id="rId15"/>
-    <p:sldId id="339" r:id="rId16"/>
-    <p:sldId id="334" r:id="rId17"/>
-    <p:sldId id="331" r:id="rId18"/>
-    <p:sldId id="340" r:id="rId19"/>
-    <p:sldId id="326" r:id="rId20"/>
+    <p:sldId id="290" r:id="rId6"/>
+    <p:sldId id="302" r:id="rId7"/>
+    <p:sldId id="303" r:id="rId8"/>
+    <p:sldId id="346" r:id="rId9"/>
+    <p:sldId id="337" r:id="rId10"/>
+    <p:sldId id="338" r:id="rId11"/>
+    <p:sldId id="336" r:id="rId12"/>
+    <p:sldId id="339" r:id="rId13"/>
+    <p:sldId id="345" r:id="rId14"/>
+    <p:sldId id="334" r:id="rId15"/>
+    <p:sldId id="331" r:id="rId16"/>
+    <p:sldId id="344" r:id="rId17"/>
+    <p:sldId id="343" r:id="rId18"/>
+    <p:sldId id="341" r:id="rId19"/>
+    <p:sldId id="340" r:id="rId20"/>
+    <p:sldId id="326" r:id="rId21"/>
   </p:sldIdLst>
   <p:sldSz cx="12192000" cy="6858000"/>
   <p:notesSz cx="6858000" cy="9144000"/>
@@ -1002,7 +1003,7 @@
           <a:p>
             <a:fld id="{14B763C8-2B43-4EF8-96C7-866FEE2CE356}" type="datetimeFigureOut">
               <a:rPr lang="de-DE" smtClean="0"/>
-              <a:t>02.07.2018</a:t>
+              <a:t>03.07.2018</a:t>
             </a:fld>
             <a:endParaRPr lang="de-DE"/>
           </a:p>
@@ -1416,7 +1417,7 @@
           <a:p>
             <a:fld id="{B93D8C30-FBE7-491E-9FDE-3062E4336643}" type="datetimeFigureOut">
               <a:rPr lang="de-DE" smtClean="0"/>
-              <a:t>02.07.2018</a:t>
+              <a:t>03.07.2018</a:t>
             </a:fld>
             <a:endParaRPr lang="de-DE"/>
           </a:p>
@@ -1614,7 +1615,7 @@
           <a:p>
             <a:fld id="{B93D8C30-FBE7-491E-9FDE-3062E4336643}" type="datetimeFigureOut">
               <a:rPr lang="de-DE" smtClean="0"/>
-              <a:t>02.07.2018</a:t>
+              <a:t>03.07.2018</a:t>
             </a:fld>
             <a:endParaRPr lang="de-DE"/>
           </a:p>
@@ -1822,7 +1823,7 @@
           <a:p>
             <a:fld id="{B93D8C30-FBE7-491E-9FDE-3062E4336643}" type="datetimeFigureOut">
               <a:rPr lang="de-DE" smtClean="0"/>
-              <a:t>02.07.2018</a:t>
+              <a:t>03.07.2018</a:t>
             </a:fld>
             <a:endParaRPr lang="de-DE"/>
           </a:p>
@@ -2020,7 +2021,7 @@
           <a:p>
             <a:fld id="{B93D8C30-FBE7-491E-9FDE-3062E4336643}" type="datetimeFigureOut">
               <a:rPr lang="de-DE" smtClean="0"/>
-              <a:t>02.07.2018</a:t>
+              <a:t>03.07.2018</a:t>
             </a:fld>
             <a:endParaRPr lang="de-DE"/>
           </a:p>
@@ -2295,7 +2296,7 @@
           <a:p>
             <a:fld id="{B93D8C30-FBE7-491E-9FDE-3062E4336643}" type="datetimeFigureOut">
               <a:rPr lang="de-DE" smtClean="0"/>
-              <a:t>02.07.2018</a:t>
+              <a:t>03.07.2018</a:t>
             </a:fld>
             <a:endParaRPr lang="de-DE"/>
           </a:p>
@@ -2560,7 +2561,7 @@
           <a:p>
             <a:fld id="{B93D8C30-FBE7-491E-9FDE-3062E4336643}" type="datetimeFigureOut">
               <a:rPr lang="de-DE" smtClean="0"/>
-              <a:t>02.07.2018</a:t>
+              <a:t>03.07.2018</a:t>
             </a:fld>
             <a:endParaRPr lang="de-DE"/>
           </a:p>
@@ -2972,7 +2973,7 @@
           <a:p>
             <a:fld id="{B93D8C30-FBE7-491E-9FDE-3062E4336643}" type="datetimeFigureOut">
               <a:rPr lang="de-DE" smtClean="0"/>
-              <a:t>02.07.2018</a:t>
+              <a:t>03.07.2018</a:t>
             </a:fld>
             <a:endParaRPr lang="de-DE"/>
           </a:p>
@@ -3113,7 +3114,7 @@
           <a:p>
             <a:fld id="{B93D8C30-FBE7-491E-9FDE-3062E4336643}" type="datetimeFigureOut">
               <a:rPr lang="de-DE" smtClean="0"/>
-              <a:t>02.07.2018</a:t>
+              <a:t>03.07.2018</a:t>
             </a:fld>
             <a:endParaRPr lang="de-DE"/>
           </a:p>
@@ -3226,7 +3227,7 @@
           <a:p>
             <a:fld id="{B93D8C30-FBE7-491E-9FDE-3062E4336643}" type="datetimeFigureOut">
               <a:rPr lang="de-DE" smtClean="0"/>
-              <a:t>02.07.2018</a:t>
+              <a:t>03.07.2018</a:t>
             </a:fld>
             <a:endParaRPr lang="de-DE"/>
           </a:p>
@@ -3537,7 +3538,7 @@
           <a:p>
             <a:fld id="{B93D8C30-FBE7-491E-9FDE-3062E4336643}" type="datetimeFigureOut">
               <a:rPr lang="de-DE" smtClean="0"/>
-              <a:t>02.07.2018</a:t>
+              <a:t>03.07.2018</a:t>
             </a:fld>
             <a:endParaRPr lang="de-DE"/>
           </a:p>
@@ -3825,7 +3826,7 @@
           <a:p>
             <a:fld id="{B93D8C30-FBE7-491E-9FDE-3062E4336643}" type="datetimeFigureOut">
               <a:rPr lang="de-DE" smtClean="0"/>
-              <a:t>02.07.2018</a:t>
+              <a:t>03.07.2018</a:t>
             </a:fld>
             <a:endParaRPr lang="de-DE"/>
           </a:p>
@@ -4066,7 +4067,7 @@
           <a:p>
             <a:fld id="{B93D8C30-FBE7-491E-9FDE-3062E4336643}" type="datetimeFigureOut">
               <a:rPr lang="de-DE" smtClean="0"/>
-              <a:t>02.07.2018</a:t>
+              <a:t>03.07.2018</a:t>
             </a:fld>
             <a:endParaRPr lang="de-DE"/>
           </a:p>
@@ -4762,7 +4763,7 @@
           <a:p>
             <a:r>
               <a:rPr lang="de-DE" dirty="0"/>
-              <a:t>Eingesetzte Technologien</a:t>
+              <a:t>Server mit XAMPP</a:t>
             </a:r>
           </a:p>
         </p:txBody>
@@ -4788,47 +4789,52 @@
           <a:bodyPr/>
           <a:lstStyle/>
           <a:p>
+            <a:pPr>
+              <a:lnSpc>
+                <a:spcPct val="150000"/>
+              </a:lnSpc>
+            </a:pPr>
             <a:r>
               <a:rPr lang="de-DE" dirty="0"/>
-              <a:t>Programmierumgebungen</a:t>
-            </a:r>
-          </a:p>
-          <a:p>
-            <a:pPr lvl="1"/>
+              <a:t>Apache Webserver</a:t>
+            </a:r>
+          </a:p>
+          <a:p>
+            <a:pPr>
+              <a:lnSpc>
+                <a:spcPct val="150000"/>
+              </a:lnSpc>
+            </a:pPr>
             <a:r>
               <a:rPr lang="de-DE" dirty="0"/>
-              <a:t>Brackets</a:t>
-            </a:r>
-          </a:p>
-          <a:p>
-            <a:pPr lvl="1"/>
+              <a:t>Erreichbar über </a:t>
+            </a:r>
+            <a:r>
+              <a:rPr lang="de-DE" dirty="0" err="1"/>
+              <a:t>Localhost</a:t>
+            </a:r>
+            <a:endParaRPr lang="de-DE" dirty="0"/>
+          </a:p>
+          <a:p>
+            <a:pPr lvl="1">
+              <a:lnSpc>
+                <a:spcPct val="150000"/>
+              </a:lnSpc>
+            </a:pPr>
             <a:r>
               <a:rPr lang="de-DE" dirty="0"/>
-              <a:t>Notepad</a:t>
-            </a:r>
-          </a:p>
-          <a:p>
-            <a:pPr lvl="1"/>
+              <a:t>Onlinefreischaltung möglich</a:t>
+            </a:r>
+          </a:p>
+          <a:p>
+            <a:pPr>
+              <a:lnSpc>
+                <a:spcPct val="150000"/>
+              </a:lnSpc>
+            </a:pPr>
             <a:r>
               <a:rPr lang="de-DE" dirty="0"/>
-              <a:t>phpMyAdmin</a:t>
-            </a:r>
-          </a:p>
-          <a:p>
-            <a:pPr lvl="1"/>
-            <a:endParaRPr lang="de-DE" dirty="0"/>
-          </a:p>
-          <a:p>
-            <a:r>
-              <a:rPr lang="de-DE" dirty="0"/>
-              <a:t>Verwaltungstool</a:t>
-            </a:r>
-          </a:p>
-          <a:p>
-            <a:pPr lvl="1"/>
-            <a:r>
-              <a:rPr lang="de-DE" dirty="0"/>
-              <a:t>GitHub</a:t>
+              <a:t>Einfache Bedienung</a:t>
             </a:r>
           </a:p>
         </p:txBody>
@@ -4944,7 +4950,7 @@
     </p:spTree>
     <p:extLst>
       <p:ext uri="{BB962C8B-B14F-4D97-AF65-F5344CB8AC3E}">
-        <p14:creationId xmlns:p14="http://schemas.microsoft.com/office/powerpoint/2010/main" val="1122238125"/>
+        <p14:creationId xmlns:p14="http://schemas.microsoft.com/office/powerpoint/2010/main" val="1116300180"/>
       </p:ext>
     </p:extLst>
   </p:cSld>
@@ -4997,7 +5003,7 @@
           <a:p>
             <a:r>
               <a:rPr lang="de-DE" dirty="0"/>
-              <a:t>Architektur der Plattform</a:t>
+              <a:t>Datenbanken Einsatz</a:t>
             </a:r>
           </a:p>
         </p:txBody>
@@ -5018,59 +5024,59 @@
             <p:ph idx="1"/>
           </p:nvPr>
         </p:nvSpPr>
-        <p:spPr/>
+        <p:spPr>
+          <a:xfrm>
+            <a:off x="838200" y="1523999"/>
+            <a:ext cx="10515600" cy="4652963"/>
+          </a:xfrm>
+        </p:spPr>
         <p:txBody>
           <a:bodyPr/>
           <a:lstStyle/>
           <a:p>
+            <a:pPr>
+              <a:lnSpc>
+                <a:spcPct val="150000"/>
+              </a:lnSpc>
+            </a:pPr>
+            <a:r>
+              <a:rPr lang="de-DE" dirty="0" err="1"/>
+              <a:t>MySQLi</a:t>
+            </a:r>
+            <a:endParaRPr lang="de-DE" dirty="0"/>
+          </a:p>
+          <a:p>
+            <a:pPr>
+              <a:lnSpc>
+                <a:spcPct val="150000"/>
+              </a:lnSpc>
+            </a:pPr>
             <a:r>
               <a:rPr lang="de-DE" dirty="0"/>
-              <a:t>Website beinhaltet fünf Themen</a:t>
-            </a:r>
-          </a:p>
-          <a:p>
-            <a:pPr lvl="1"/>
+              <a:t>Administration in phpMyAdmin</a:t>
+            </a:r>
+          </a:p>
+          <a:p>
+            <a:pPr>
+              <a:lnSpc>
+                <a:spcPct val="150000"/>
+              </a:lnSpc>
+            </a:pPr>
             <a:r>
               <a:rPr lang="de-DE" dirty="0"/>
-              <a:t>Profil</a:t>
-            </a:r>
-          </a:p>
-          <a:p>
-            <a:pPr lvl="1"/>
+              <a:t>Datenbank besteht aus 9 Tabellen</a:t>
+            </a:r>
+          </a:p>
+          <a:p>
+            <a:pPr>
+              <a:lnSpc>
+                <a:spcPct val="150000"/>
+              </a:lnSpc>
+            </a:pPr>
             <a:r>
               <a:rPr lang="de-DE" dirty="0"/>
-              <a:t>Kurse</a:t>
-            </a:r>
-          </a:p>
-          <a:p>
-            <a:pPr lvl="1"/>
-            <a:r>
-              <a:rPr lang="de-DE" dirty="0"/>
-              <a:t>Aufgaben </a:t>
-            </a:r>
-          </a:p>
-          <a:p>
-            <a:pPr lvl="1"/>
-            <a:r>
-              <a:rPr lang="de-DE" dirty="0"/>
-              <a:t>Freunde</a:t>
-            </a:r>
-          </a:p>
-          <a:p>
-            <a:pPr lvl="1"/>
-            <a:r>
-              <a:rPr lang="de-DE" dirty="0"/>
-              <a:t>Nachhilfe</a:t>
-            </a:r>
-          </a:p>
-          <a:p>
-            <a:pPr marL="0" indent="0">
-              <a:buNone/>
-            </a:pPr>
-            <a:endParaRPr lang="de-DE" dirty="0"/>
-          </a:p>
-          <a:p>
-            <a:endParaRPr lang="de-DE" dirty="0"/>
+              <a:t>SQL in Quelltext eingebunden</a:t>
+            </a:r>
           </a:p>
         </p:txBody>
       </p:sp>
@@ -5185,7 +5191,7 @@
     </p:spTree>
     <p:extLst>
       <p:ext uri="{BB962C8B-B14F-4D97-AF65-F5344CB8AC3E}">
-        <p14:creationId xmlns:p14="http://schemas.microsoft.com/office/powerpoint/2010/main" val="2338317290"/>
+        <p14:creationId xmlns:p14="http://schemas.microsoft.com/office/powerpoint/2010/main" val="1931219166"/>
       </p:ext>
     </p:extLst>
   </p:cSld>
@@ -5217,33 +5223,87 @@
       </p:grpSpPr>
       <p:sp>
         <p:nvSpPr>
-          <p:cNvPr id="2" name="Titel 1">
-            <a:extLst>
-              <a:ext uri="{FF2B5EF4-FFF2-40B4-BE49-F238E27FC236}">
-                <a16:creationId xmlns:a16="http://schemas.microsoft.com/office/drawing/2014/main" id="{510A3E52-E997-4BF8-B89F-E27C0209F5A2}"/>
-              </a:ext>
-            </a:extLst>
-          </p:cNvPr>
-          <p:cNvSpPr>
-            <a:spLocks noGrp="1"/>
-          </p:cNvSpPr>
-          <p:nvPr>
-            <p:ph type="ctrTitle"/>
-          </p:nvPr>
-        </p:nvSpPr>
-        <p:spPr>
-          <a:xfrm>
-            <a:off x="1524000" y="1122363"/>
-            <a:ext cx="9144000" cy="2387600"/>
-          </a:xfrm>
-        </p:spPr>
+          <p:cNvPr id="4" name="Titel 3">
+            <a:extLst>
+              <a:ext uri="{FF2B5EF4-FFF2-40B4-BE49-F238E27FC236}">
+                <a16:creationId xmlns:a16="http://schemas.microsoft.com/office/drawing/2014/main" id="{87AC8795-F72E-4F53-BACC-C551C2D8316A}"/>
+              </a:ext>
+            </a:extLst>
+          </p:cNvPr>
+          <p:cNvSpPr>
+            <a:spLocks noGrp="1"/>
+          </p:cNvSpPr>
+          <p:nvPr>
+            <p:ph type="title"/>
+          </p:nvPr>
+        </p:nvSpPr>
+        <p:spPr/>
         <p:txBody>
           <a:bodyPr/>
           <a:lstStyle/>
           <a:p>
             <a:r>
               <a:rPr lang="de-DE" dirty="0"/>
-              <a:t>Datenbanken und Server</a:t>
+              <a:t>Datenbanken Einsatz: Beispiel</a:t>
+            </a:r>
+          </a:p>
+        </p:txBody>
+      </p:sp>
+      <p:sp>
+        <p:nvSpPr>
+          <p:cNvPr id="6" name="Inhaltsplatzhalter 5">
+            <a:extLst>
+              <a:ext uri="{FF2B5EF4-FFF2-40B4-BE49-F238E27FC236}">
+                <a16:creationId xmlns:a16="http://schemas.microsoft.com/office/drawing/2014/main" id="{37D42437-95F7-4C64-81D1-F82571A32530}"/>
+              </a:ext>
+            </a:extLst>
+          </p:cNvPr>
+          <p:cNvSpPr>
+            <a:spLocks noGrp="1"/>
+          </p:cNvSpPr>
+          <p:nvPr>
+            <p:ph idx="1"/>
+          </p:nvPr>
+        </p:nvSpPr>
+        <p:spPr>
+          <a:xfrm>
+            <a:off x="838199" y="1825625"/>
+            <a:ext cx="5739957" cy="4351338"/>
+          </a:xfrm>
+        </p:spPr>
+        <p:txBody>
+          <a:bodyPr/>
+          <a:lstStyle/>
+          <a:p>
+            <a:r>
+              <a:rPr lang="de-DE" dirty="0"/>
+              <a:t>SQL Befehle müssen in PHP-tags eingeführt werden </a:t>
+            </a:r>
+          </a:p>
+          <a:p>
+            <a:endParaRPr lang="de-DE" dirty="0"/>
+          </a:p>
+          <a:p>
+            <a:r>
+              <a:rPr lang="de-DE" dirty="0"/>
+              <a:t>DB Verbindung muss aufgebaut werden </a:t>
+            </a:r>
+          </a:p>
+          <a:p>
+            <a:endParaRPr lang="de-DE" dirty="0"/>
+          </a:p>
+          <a:p>
+            <a:r>
+              <a:rPr lang="de-DE" dirty="0"/>
+              <a:t>Benötigter Wert wird mit dem echo-Befehl in </a:t>
+            </a:r>
+            <a:r>
+              <a:rPr lang="de-DE" dirty="0" err="1"/>
+              <a:t>Html</a:t>
+            </a:r>
+            <a:r>
+              <a:rPr lang="de-DE" dirty="0"/>
+              <a:t> eingebunden </a:t>
             </a:r>
           </a:p>
         </p:txBody>
@@ -5356,10 +5416,82 @@
           </a:prstGeom>
         </p:spPr>
       </p:pic>
+      <p:pic>
+        <p:nvPicPr>
+          <p:cNvPr id="11" name="Grafik 10">
+            <a:extLst>
+              <a:ext uri="{FF2B5EF4-FFF2-40B4-BE49-F238E27FC236}">
+                <a16:creationId xmlns:a16="http://schemas.microsoft.com/office/drawing/2014/main" id="{F345175A-EF56-4018-B3A1-7C0BFE3CE178}"/>
+              </a:ext>
+            </a:extLst>
+          </p:cNvPr>
+          <p:cNvPicPr>
+            <a:picLocks noChangeAspect="1"/>
+          </p:cNvPicPr>
+          <p:nvPr/>
+        </p:nvPicPr>
+        <p:blipFill>
+          <a:blip r:embed="rId5">
+            <a:extLst>
+              <a:ext uri="{28A0092B-C50C-407E-A947-70E740481C1C}">
+                <a14:useLocalDpi xmlns:a14="http://schemas.microsoft.com/office/drawing/2010/main" val="0"/>
+              </a:ext>
+            </a:extLst>
+          </a:blip>
+          <a:stretch>
+            <a:fillRect/>
+          </a:stretch>
+        </p:blipFill>
+        <p:spPr>
+          <a:xfrm>
+            <a:off x="6578156" y="4409969"/>
+            <a:ext cx="2362530" cy="1514686"/>
+          </a:xfrm>
+          <a:prstGeom prst="rect">
+            <a:avLst/>
+          </a:prstGeom>
+        </p:spPr>
+      </p:pic>
+      <p:pic>
+        <p:nvPicPr>
+          <p:cNvPr id="17" name="Grafik 16" descr="Ein Bild, das Screenshot enthält.&#10;&#10;Mit sehr hoher Zuverlässigkeit generierte Beschreibung">
+            <a:extLst>
+              <a:ext uri="{FF2B5EF4-FFF2-40B4-BE49-F238E27FC236}">
+                <a16:creationId xmlns:a16="http://schemas.microsoft.com/office/drawing/2014/main" id="{43D4DD86-B0E0-4BD4-ACA2-DAEC55B7F0B5}"/>
+              </a:ext>
+            </a:extLst>
+          </p:cNvPr>
+          <p:cNvPicPr>
+            <a:picLocks noChangeAspect="1"/>
+          </p:cNvPicPr>
+          <p:nvPr/>
+        </p:nvPicPr>
+        <p:blipFill>
+          <a:blip r:embed="rId6">
+            <a:extLst>
+              <a:ext uri="{28A0092B-C50C-407E-A947-70E740481C1C}">
+                <a14:useLocalDpi xmlns:a14="http://schemas.microsoft.com/office/drawing/2010/main" val="0"/>
+              </a:ext>
+            </a:extLst>
+          </a:blip>
+          <a:stretch>
+            <a:fillRect/>
+          </a:stretch>
+        </p:blipFill>
+        <p:spPr>
+          <a:xfrm>
+            <a:off x="6578157" y="1690688"/>
+            <a:ext cx="5153744" cy="2276793"/>
+          </a:xfrm>
+          <a:prstGeom prst="rect">
+            <a:avLst/>
+          </a:prstGeom>
+        </p:spPr>
+      </p:pic>
     </p:spTree>
     <p:extLst>
       <p:ext uri="{BB962C8B-B14F-4D97-AF65-F5344CB8AC3E}">
-        <p14:creationId xmlns:p14="http://schemas.microsoft.com/office/powerpoint/2010/main" val="1453427599"/>
+        <p14:creationId xmlns:p14="http://schemas.microsoft.com/office/powerpoint/2010/main" val="1695139880"/>
       </p:ext>
     </p:extLst>
   </p:cSld>
@@ -5389,79 +5521,6 @@
           <a:chExt cx="0" cy="0"/>
         </a:xfrm>
       </p:grpSpPr>
-      <p:sp>
-        <p:nvSpPr>
-          <p:cNvPr id="4" name="Titel 3">
-            <a:extLst>
-              <a:ext uri="{FF2B5EF4-FFF2-40B4-BE49-F238E27FC236}">
-                <a16:creationId xmlns:a16="http://schemas.microsoft.com/office/drawing/2014/main" id="{87AC8795-F72E-4F53-BACC-C551C2D8316A}"/>
-              </a:ext>
-            </a:extLst>
-          </p:cNvPr>
-          <p:cNvSpPr>
-            <a:spLocks noGrp="1"/>
-          </p:cNvSpPr>
-          <p:nvPr>
-            <p:ph type="title"/>
-          </p:nvPr>
-        </p:nvSpPr>
-        <p:spPr/>
-        <p:txBody>
-          <a:bodyPr/>
-          <a:lstStyle/>
-          <a:p>
-            <a:r>
-              <a:rPr lang="de-DE" dirty="0"/>
-              <a:t>Server mit XAMPP</a:t>
-            </a:r>
-          </a:p>
-        </p:txBody>
-      </p:sp>
-      <p:sp>
-        <p:nvSpPr>
-          <p:cNvPr id="6" name="Inhaltsplatzhalter 5">
-            <a:extLst>
-              <a:ext uri="{FF2B5EF4-FFF2-40B4-BE49-F238E27FC236}">
-                <a16:creationId xmlns:a16="http://schemas.microsoft.com/office/drawing/2014/main" id="{37D42437-95F7-4C64-81D1-F82571A32530}"/>
-              </a:ext>
-            </a:extLst>
-          </p:cNvPr>
-          <p:cNvSpPr>
-            <a:spLocks noGrp="1"/>
-          </p:cNvSpPr>
-          <p:nvPr>
-            <p:ph idx="1"/>
-          </p:nvPr>
-        </p:nvSpPr>
-        <p:spPr/>
-        <p:txBody>
-          <a:bodyPr/>
-          <a:lstStyle/>
-          <a:p>
-            <a:r>
-              <a:rPr lang="de-DE" dirty="0"/>
-              <a:t>Apache Webserver</a:t>
-            </a:r>
-          </a:p>
-          <a:p>
-            <a:r>
-              <a:rPr lang="de-DE" dirty="0"/>
-              <a:t>Stellt </a:t>
-            </a:r>
-            <a:r>
-              <a:rPr lang="de-DE" dirty="0" err="1"/>
-              <a:t>MariaDB</a:t>
-            </a:r>
-            <a:r>
-              <a:rPr lang="de-DE" dirty="0"/>
-              <a:t> bzw. SQLite zur Verfügung</a:t>
-            </a:r>
-          </a:p>
-          <a:p>
-            <a:endParaRPr lang="de-DE" dirty="0"/>
-          </a:p>
-        </p:txBody>
-      </p:sp>
       <p:pic>
         <p:nvPicPr>
           <p:cNvPr id="5" name="Grafik 4">
@@ -5570,10 +5629,46 @@
           </a:prstGeom>
         </p:spPr>
       </p:pic>
+      <p:pic>
+        <p:nvPicPr>
+          <p:cNvPr id="3" name="Grafik 2" descr="Ein Bild, das Text enthält.&#10;&#10;Mit hoher Zuverlässigkeit generierte Beschreibung">
+            <a:extLst>
+              <a:ext uri="{FF2B5EF4-FFF2-40B4-BE49-F238E27FC236}">
+                <a16:creationId xmlns:a16="http://schemas.microsoft.com/office/drawing/2014/main" id="{26FC597A-B1FB-4A7B-A67C-443B1D551A18}"/>
+              </a:ext>
+            </a:extLst>
+          </p:cNvPr>
+          <p:cNvPicPr>
+            <a:picLocks noChangeAspect="1"/>
+          </p:cNvPicPr>
+          <p:nvPr/>
+        </p:nvPicPr>
+        <p:blipFill>
+          <a:blip r:embed="rId5">
+            <a:extLst>
+              <a:ext uri="{28A0092B-C50C-407E-A947-70E740481C1C}">
+                <a14:useLocalDpi xmlns:a14="http://schemas.microsoft.com/office/drawing/2010/main" val="0"/>
+              </a:ext>
+            </a:extLst>
+          </a:blip>
+          <a:stretch>
+            <a:fillRect/>
+          </a:stretch>
+        </p:blipFill>
+        <p:spPr>
+          <a:xfrm>
+            <a:off x="1492013" y="536072"/>
+            <a:ext cx="9207973" cy="5874052"/>
+          </a:xfrm>
+          <a:prstGeom prst="rect">
+            <a:avLst/>
+          </a:prstGeom>
+        </p:spPr>
+      </p:pic>
     </p:spTree>
     <p:extLst>
       <p:ext uri="{BB962C8B-B14F-4D97-AF65-F5344CB8AC3E}">
-        <p14:creationId xmlns:p14="http://schemas.microsoft.com/office/powerpoint/2010/main" val="1116300180"/>
+        <p14:creationId xmlns:p14="http://schemas.microsoft.com/office/powerpoint/2010/main" val="1203631519"/>
       </p:ext>
     </p:extLst>
   </p:cSld>
@@ -5605,74 +5700,33 @@
       </p:grpSpPr>
       <p:sp>
         <p:nvSpPr>
-          <p:cNvPr id="4" name="Titel 3">
-            <a:extLst>
-              <a:ext uri="{FF2B5EF4-FFF2-40B4-BE49-F238E27FC236}">
-                <a16:creationId xmlns:a16="http://schemas.microsoft.com/office/drawing/2014/main" id="{87AC8795-F72E-4F53-BACC-C551C2D8316A}"/>
-              </a:ext>
-            </a:extLst>
-          </p:cNvPr>
-          <p:cNvSpPr>
-            <a:spLocks noGrp="1"/>
-          </p:cNvSpPr>
-          <p:nvPr>
-            <p:ph type="title"/>
-          </p:nvPr>
-        </p:nvSpPr>
-        <p:spPr/>
+          <p:cNvPr id="2" name="Titel 1">
+            <a:extLst>
+              <a:ext uri="{FF2B5EF4-FFF2-40B4-BE49-F238E27FC236}">
+                <a16:creationId xmlns:a16="http://schemas.microsoft.com/office/drawing/2014/main" id="{510A3E52-E997-4BF8-B89F-E27C0209F5A2}"/>
+              </a:ext>
+            </a:extLst>
+          </p:cNvPr>
+          <p:cNvSpPr>
+            <a:spLocks noGrp="1"/>
+          </p:cNvSpPr>
+          <p:nvPr>
+            <p:ph type="ctrTitle"/>
+          </p:nvPr>
+        </p:nvSpPr>
+        <p:spPr>
+          <a:xfrm>
+            <a:off x="1524000" y="1122363"/>
+            <a:ext cx="9144000" cy="2387600"/>
+          </a:xfrm>
+        </p:spPr>
         <p:txBody>
           <a:bodyPr/>
           <a:lstStyle/>
           <a:p>
             <a:r>
               <a:rPr lang="de-DE" dirty="0"/>
-              <a:t>Datenbanken Einsatz</a:t>
-            </a:r>
-          </a:p>
-        </p:txBody>
-      </p:sp>
-      <p:sp>
-        <p:nvSpPr>
-          <p:cNvPr id="6" name="Inhaltsplatzhalter 5">
-            <a:extLst>
-              <a:ext uri="{FF2B5EF4-FFF2-40B4-BE49-F238E27FC236}">
-                <a16:creationId xmlns:a16="http://schemas.microsoft.com/office/drawing/2014/main" id="{37D42437-95F7-4C64-81D1-F82571A32530}"/>
-              </a:ext>
-            </a:extLst>
-          </p:cNvPr>
-          <p:cNvSpPr>
-            <a:spLocks noGrp="1"/>
-          </p:cNvSpPr>
-          <p:nvPr>
-            <p:ph idx="1"/>
-          </p:nvPr>
-        </p:nvSpPr>
-        <p:spPr/>
-        <p:txBody>
-          <a:bodyPr/>
-          <a:lstStyle/>
-          <a:p>
-            <a:r>
-              <a:rPr lang="de-DE" dirty="0"/>
-              <a:t>MySQL</a:t>
-            </a:r>
-          </a:p>
-          <a:p>
-            <a:r>
-              <a:rPr lang="de-DE" dirty="0"/>
-              <a:t>phpMyAdmin zur Administration</a:t>
-            </a:r>
-          </a:p>
-          <a:p>
-            <a:r>
-              <a:rPr lang="de-DE" dirty="0"/>
-              <a:t>Verwaltung in 9 Tabellen</a:t>
-            </a:r>
-          </a:p>
-          <a:p>
-            <a:r>
-              <a:rPr lang="de-DE" dirty="0"/>
-              <a:t>SQL befehle Quelltext eingebunden</a:t>
+              <a:t>Bewertung des Projektmanagements</a:t>
             </a:r>
           </a:p>
         </p:txBody>
@@ -5788,7 +5842,7 @@
     </p:spTree>
     <p:extLst>
       <p:ext uri="{BB962C8B-B14F-4D97-AF65-F5344CB8AC3E}">
-        <p14:creationId xmlns:p14="http://schemas.microsoft.com/office/powerpoint/2010/main" val="1931219166"/>
+        <p14:creationId xmlns:p14="http://schemas.microsoft.com/office/powerpoint/2010/main" val="2736227390"/>
       </p:ext>
     </p:extLst>
   </p:cSld>
@@ -5841,7 +5895,7 @@
           <a:p>
             <a:r>
               <a:rPr lang="de-DE" dirty="0"/>
-              <a:t>Datenbanken Einsatz: Beispiel</a:t>
+              <a:t>Projektmanagement</a:t>
             </a:r>
           </a:p>
         </p:txBody>
@@ -5862,45 +5916,52 @@
             <p:ph idx="1"/>
           </p:nvPr>
         </p:nvSpPr>
-        <p:spPr>
-          <a:xfrm>
-            <a:off x="838199" y="1825625"/>
-            <a:ext cx="5739957" cy="4351338"/>
-          </a:xfrm>
-        </p:spPr>
+        <p:spPr/>
         <p:txBody>
           <a:bodyPr/>
           <a:lstStyle/>
           <a:p>
+            <a:pPr>
+              <a:lnSpc>
+                <a:spcPct val="150000"/>
+              </a:lnSpc>
+            </a:pPr>
             <a:r>
               <a:rPr lang="de-DE" dirty="0"/>
-              <a:t>SQL befehle müssen in PHP-tags eingeführt werden </a:t>
-            </a:r>
-          </a:p>
-          <a:p>
-            <a:endParaRPr lang="de-DE" dirty="0"/>
-          </a:p>
-          <a:p>
+              <a:t>Alle Teilnehmer gleichberechtigt</a:t>
+            </a:r>
+          </a:p>
+          <a:p>
+            <a:pPr>
+              <a:lnSpc>
+                <a:spcPct val="150000"/>
+              </a:lnSpc>
+            </a:pPr>
             <a:r>
               <a:rPr lang="de-DE" dirty="0"/>
-              <a:t>DB Verbindung muss aufgebaut werden </a:t>
-            </a:r>
-          </a:p>
-          <a:p>
-            <a:endParaRPr lang="de-DE" dirty="0"/>
-          </a:p>
-          <a:p>
+              <a:t>Freie Arbeitsgestaltung</a:t>
+            </a:r>
+          </a:p>
+          <a:p>
+            <a:pPr>
+              <a:lnSpc>
+                <a:spcPct val="150000"/>
+              </a:lnSpc>
+            </a:pPr>
             <a:r>
               <a:rPr lang="de-DE" dirty="0"/>
-              <a:t>Benötigter Wert kann mit dem echo-Befehl in </a:t>
-            </a:r>
-            <a:r>
-              <a:rPr lang="de-DE" dirty="0" err="1"/>
-              <a:t>Html</a:t>
-            </a:r>
+              <a:t>Selbstdefinierte Arbeitszeiten</a:t>
+            </a:r>
+          </a:p>
+          <a:p>
+            <a:pPr>
+              <a:lnSpc>
+                <a:spcPct val="150000"/>
+              </a:lnSpc>
+            </a:pPr>
             <a:r>
               <a:rPr lang="de-DE" dirty="0"/>
-              <a:t> eingebunden </a:t>
+              <a:t>Kein fester Ablauf</a:t>
             </a:r>
           </a:p>
         </p:txBody>
@@ -6013,82 +6074,10 @@
           </a:prstGeom>
         </p:spPr>
       </p:pic>
-      <p:pic>
-        <p:nvPicPr>
-          <p:cNvPr id="11" name="Grafik 10">
-            <a:extLst>
-              <a:ext uri="{FF2B5EF4-FFF2-40B4-BE49-F238E27FC236}">
-                <a16:creationId xmlns:a16="http://schemas.microsoft.com/office/drawing/2014/main" id="{F345175A-EF56-4018-B3A1-7C0BFE3CE178}"/>
-              </a:ext>
-            </a:extLst>
-          </p:cNvPr>
-          <p:cNvPicPr>
-            <a:picLocks noChangeAspect="1"/>
-          </p:cNvPicPr>
-          <p:nvPr/>
-        </p:nvPicPr>
-        <p:blipFill>
-          <a:blip r:embed="rId5">
-            <a:extLst>
-              <a:ext uri="{28A0092B-C50C-407E-A947-70E740481C1C}">
-                <a14:useLocalDpi xmlns:a14="http://schemas.microsoft.com/office/drawing/2010/main" val="0"/>
-              </a:ext>
-            </a:extLst>
-          </a:blip>
-          <a:stretch>
-            <a:fillRect/>
-          </a:stretch>
-        </p:blipFill>
-        <p:spPr>
-          <a:xfrm>
-            <a:off x="6578156" y="4409969"/>
-            <a:ext cx="2362530" cy="1514686"/>
-          </a:xfrm>
-          <a:prstGeom prst="rect">
-            <a:avLst/>
-          </a:prstGeom>
-        </p:spPr>
-      </p:pic>
-      <p:pic>
-        <p:nvPicPr>
-          <p:cNvPr id="17" name="Grafik 16" descr="Ein Bild, das Screenshot enthält.&#10;&#10;Mit sehr hoher Zuverlässigkeit generierte Beschreibung">
-            <a:extLst>
-              <a:ext uri="{FF2B5EF4-FFF2-40B4-BE49-F238E27FC236}">
-                <a16:creationId xmlns:a16="http://schemas.microsoft.com/office/drawing/2014/main" id="{43D4DD86-B0E0-4BD4-ACA2-DAEC55B7F0B5}"/>
-              </a:ext>
-            </a:extLst>
-          </p:cNvPr>
-          <p:cNvPicPr>
-            <a:picLocks noChangeAspect="1"/>
-          </p:cNvPicPr>
-          <p:nvPr/>
-        </p:nvPicPr>
-        <p:blipFill>
-          <a:blip r:embed="rId6">
-            <a:extLst>
-              <a:ext uri="{28A0092B-C50C-407E-A947-70E740481C1C}">
-                <a14:useLocalDpi xmlns:a14="http://schemas.microsoft.com/office/drawing/2010/main" val="0"/>
-              </a:ext>
-            </a:extLst>
-          </a:blip>
-          <a:stretch>
-            <a:fillRect/>
-          </a:stretch>
-        </p:blipFill>
-        <p:spPr>
-          <a:xfrm>
-            <a:off x="6578157" y="1690688"/>
-            <a:ext cx="5153744" cy="2276793"/>
-          </a:xfrm>
-          <a:prstGeom prst="rect">
-            <a:avLst/>
-          </a:prstGeom>
-        </p:spPr>
-      </p:pic>
     </p:spTree>
     <p:extLst>
       <p:ext uri="{BB962C8B-B14F-4D97-AF65-F5344CB8AC3E}">
-        <p14:creationId xmlns:p14="http://schemas.microsoft.com/office/powerpoint/2010/main" val="1695139880"/>
+        <p14:creationId xmlns:p14="http://schemas.microsoft.com/office/powerpoint/2010/main" val="3789322282"/>
       </p:ext>
     </p:extLst>
   </p:cSld>
@@ -6120,33 +6109,89 @@
       </p:grpSpPr>
       <p:sp>
         <p:nvSpPr>
-          <p:cNvPr id="2" name="Titel 1">
-            <a:extLst>
-              <a:ext uri="{FF2B5EF4-FFF2-40B4-BE49-F238E27FC236}">
-                <a16:creationId xmlns:a16="http://schemas.microsoft.com/office/drawing/2014/main" id="{510A3E52-E997-4BF8-B89F-E27C0209F5A2}"/>
-              </a:ext>
-            </a:extLst>
-          </p:cNvPr>
-          <p:cNvSpPr>
-            <a:spLocks noGrp="1"/>
-          </p:cNvSpPr>
-          <p:nvPr>
-            <p:ph type="ctrTitle"/>
-          </p:nvPr>
-        </p:nvSpPr>
-        <p:spPr>
-          <a:xfrm>
-            <a:off x="1524000" y="1122363"/>
-            <a:ext cx="9144000" cy="2387600"/>
-          </a:xfrm>
-        </p:spPr>
+          <p:cNvPr id="4" name="Titel 3">
+            <a:extLst>
+              <a:ext uri="{FF2B5EF4-FFF2-40B4-BE49-F238E27FC236}">
+                <a16:creationId xmlns:a16="http://schemas.microsoft.com/office/drawing/2014/main" id="{87AC8795-F72E-4F53-BACC-C551C2D8316A}"/>
+              </a:ext>
+            </a:extLst>
+          </p:cNvPr>
+          <p:cNvSpPr>
+            <a:spLocks noGrp="1"/>
+          </p:cNvSpPr>
+          <p:nvPr>
+            <p:ph type="title"/>
+          </p:nvPr>
+        </p:nvSpPr>
+        <p:spPr/>
         <p:txBody>
           <a:bodyPr/>
           <a:lstStyle/>
           <a:p>
             <a:r>
               <a:rPr lang="de-DE" dirty="0"/>
-              <a:t>Bewertung des Projektmanagements</a:t>
+              <a:t>Planung</a:t>
+            </a:r>
+          </a:p>
+        </p:txBody>
+      </p:sp>
+      <p:sp>
+        <p:nvSpPr>
+          <p:cNvPr id="6" name="Inhaltsplatzhalter 5">
+            <a:extLst>
+              <a:ext uri="{FF2B5EF4-FFF2-40B4-BE49-F238E27FC236}">
+                <a16:creationId xmlns:a16="http://schemas.microsoft.com/office/drawing/2014/main" id="{37D42437-95F7-4C64-81D1-F82571A32530}"/>
+              </a:ext>
+            </a:extLst>
+          </p:cNvPr>
+          <p:cNvSpPr>
+            <a:spLocks noGrp="1"/>
+          </p:cNvSpPr>
+          <p:nvPr>
+            <p:ph idx="1"/>
+          </p:nvPr>
+        </p:nvSpPr>
+        <p:spPr/>
+        <p:txBody>
+          <a:bodyPr/>
+          <a:lstStyle/>
+          <a:p>
+            <a:r>
+              <a:rPr lang="de-DE" dirty="0"/>
+              <a:t>Pro</a:t>
+            </a:r>
+          </a:p>
+          <a:p>
+            <a:pPr lvl="1">
+              <a:lnSpc>
+                <a:spcPct val="150000"/>
+              </a:lnSpc>
+            </a:pPr>
+            <a:r>
+              <a:rPr lang="de-DE" dirty="0"/>
+              <a:t>Bei Problemen konnte man sich an jemanden wenden</a:t>
+            </a:r>
+          </a:p>
+          <a:p>
+            <a:pPr lvl="1">
+              <a:lnSpc>
+                <a:spcPct val="150000"/>
+              </a:lnSpc>
+            </a:pPr>
+            <a:r>
+              <a:rPr lang="de-DE" dirty="0"/>
+              <a:t>Kritik wurde aufgenommen und berücksichtigt</a:t>
+            </a:r>
+          </a:p>
+          <a:p>
+            <a:pPr lvl="1">
+              <a:lnSpc>
+                <a:spcPct val="150000"/>
+              </a:lnSpc>
+            </a:pPr>
+            <a:r>
+              <a:rPr lang="de-DE" dirty="0"/>
+              <a:t>Flexibel auf neue Ideen eingehen</a:t>
             </a:r>
           </a:p>
         </p:txBody>
@@ -6262,7 +6307,7 @@
     </p:spTree>
     <p:extLst>
       <p:ext uri="{BB962C8B-B14F-4D97-AF65-F5344CB8AC3E}">
-        <p14:creationId xmlns:p14="http://schemas.microsoft.com/office/powerpoint/2010/main" val="2736227390"/>
+        <p14:creationId xmlns:p14="http://schemas.microsoft.com/office/powerpoint/2010/main" val="1890267287"/>
       </p:ext>
     </p:extLst>
   </p:cSld>
@@ -6343,61 +6388,51 @@
           <a:p>
             <a:r>
               <a:rPr lang="de-DE" dirty="0"/>
-              <a:t>Pro</a:t>
-            </a:r>
-          </a:p>
-          <a:p>
-            <a:pPr lvl="1"/>
+              <a:t>Contra</a:t>
+            </a:r>
+          </a:p>
+          <a:p>
+            <a:pPr lvl="1">
+              <a:lnSpc>
+                <a:spcPct val="150000"/>
+              </a:lnSpc>
+            </a:pPr>
             <a:r>
               <a:rPr lang="de-DE" dirty="0"/>
-              <a:t>Bei Problemen konnte man sich an jemanden wenden</a:t>
-            </a:r>
-          </a:p>
-          <a:p>
-            <a:pPr lvl="1"/>
-            <a:r>
-              <a:rPr lang="de-DE" dirty="0"/>
-              <a:t>Kritik wurde aufgenommen und berücksichtigt</a:t>
-            </a:r>
-          </a:p>
-          <a:p>
-            <a:pPr lvl="1"/>
-            <a:r>
-              <a:rPr lang="de-DE" dirty="0"/>
-              <a:t>Jeder hat seine Ideen  miteingebracht </a:t>
-            </a:r>
-          </a:p>
-          <a:p>
-            <a:pPr marL="0" indent="0">
-              <a:buNone/>
+              <a:t>Lief nicht wie geplant</a:t>
+            </a:r>
+          </a:p>
+          <a:p>
+            <a:pPr lvl="1">
+              <a:lnSpc>
+                <a:spcPct val="150000"/>
+              </a:lnSpc>
             </a:pPr>
-            <a:endParaRPr lang="de-DE" dirty="0"/>
-          </a:p>
-          <a:p>
-            <a:r>
-              <a:rPr lang="de-DE" dirty="0"/>
-              <a:t>Contra</a:t>
-            </a:r>
-          </a:p>
-          <a:p>
-            <a:pPr lvl="1"/>
             <a:r>
               <a:rPr lang="de-DE" dirty="0"/>
               <a:t>Vorlagen waren ungenau</a:t>
             </a:r>
           </a:p>
           <a:p>
-            <a:pPr lvl="1"/>
+            <a:pPr lvl="1">
+              <a:lnSpc>
+                <a:spcPct val="150000"/>
+              </a:lnSpc>
+            </a:pPr>
             <a:r>
               <a:rPr lang="de-DE" dirty="0"/>
               <a:t>Schlechtes Zeitmanagement </a:t>
             </a:r>
           </a:p>
           <a:p>
-            <a:pPr lvl="1"/>
+            <a:pPr lvl="1">
+              <a:lnSpc>
+                <a:spcPct val="150000"/>
+              </a:lnSpc>
+            </a:pPr>
             <a:r>
               <a:rPr lang="de-DE" dirty="0"/>
-              <a:t>Arbeitseinteilung nicht optimal</a:t>
+              <a:t>Arbeitsteilung nicht optimal</a:t>
             </a:r>
           </a:p>
           <a:p>
@@ -6516,7 +6551,7 @@
     </p:spTree>
     <p:extLst>
       <p:ext uri="{BB962C8B-B14F-4D97-AF65-F5344CB8AC3E}">
-        <p14:creationId xmlns:p14="http://schemas.microsoft.com/office/powerpoint/2010/main" val="3789322282"/>
+        <p14:creationId xmlns:p14="http://schemas.microsoft.com/office/powerpoint/2010/main" val="644837235"/>
       </p:ext>
     </p:extLst>
   </p:cSld>
@@ -6548,57 +6583,34 @@
       </p:grpSpPr>
       <p:sp>
         <p:nvSpPr>
-          <p:cNvPr id="4" name="Titel 3">
-            <a:extLst>
-              <a:ext uri="{FF2B5EF4-FFF2-40B4-BE49-F238E27FC236}">
-                <a16:creationId xmlns:a16="http://schemas.microsoft.com/office/drawing/2014/main" id="{87AC8795-F72E-4F53-BACC-C551C2D8316A}"/>
-              </a:ext>
-            </a:extLst>
-          </p:cNvPr>
-          <p:cNvSpPr>
-            <a:spLocks noGrp="1"/>
-          </p:cNvSpPr>
-          <p:nvPr>
-            <p:ph type="title"/>
-          </p:nvPr>
-        </p:nvSpPr>
-        <p:spPr/>
+          <p:cNvPr id="2" name="Titel 1">
+            <a:extLst>
+              <a:ext uri="{FF2B5EF4-FFF2-40B4-BE49-F238E27FC236}">
+                <a16:creationId xmlns:a16="http://schemas.microsoft.com/office/drawing/2014/main" id="{510A3E52-E997-4BF8-B89F-E27C0209F5A2}"/>
+              </a:ext>
+            </a:extLst>
+          </p:cNvPr>
+          <p:cNvSpPr>
+            <a:spLocks noGrp="1"/>
+          </p:cNvSpPr>
+          <p:nvPr>
+            <p:ph type="ctrTitle"/>
+          </p:nvPr>
+        </p:nvSpPr>
+        <p:spPr>
+          <a:xfrm>
+            <a:off x="1524000" y="1122363"/>
+            <a:ext cx="9144000" cy="2387600"/>
+          </a:xfrm>
+        </p:spPr>
         <p:txBody>
           <a:bodyPr/>
           <a:lstStyle/>
           <a:p>
             <a:r>
               <a:rPr lang="de-DE" dirty="0"/>
-              <a:t>Reflektion</a:t>
-            </a:r>
-          </a:p>
-        </p:txBody>
-      </p:sp>
-      <p:sp>
-        <p:nvSpPr>
-          <p:cNvPr id="6" name="Inhaltsplatzhalter 5">
-            <a:extLst>
-              <a:ext uri="{FF2B5EF4-FFF2-40B4-BE49-F238E27FC236}">
-                <a16:creationId xmlns:a16="http://schemas.microsoft.com/office/drawing/2014/main" id="{37D42437-95F7-4C64-81D1-F82571A32530}"/>
-              </a:ext>
-            </a:extLst>
-          </p:cNvPr>
-          <p:cNvSpPr>
-            <a:spLocks noGrp="1"/>
-          </p:cNvSpPr>
-          <p:nvPr>
-            <p:ph idx="1"/>
-          </p:nvPr>
-        </p:nvSpPr>
-        <p:spPr/>
-        <p:txBody>
-          <a:bodyPr/>
-          <a:lstStyle/>
-          <a:p>
-            <a:pPr marL="0" indent="0">
-              <a:buNone/>
-            </a:pPr>
-            <a:endParaRPr lang="de-DE" dirty="0"/>
+              <a:t>Fazit</a:t>
+            </a:r>
           </a:p>
         </p:txBody>
       </p:sp>
@@ -6713,7 +6725,7 @@
     </p:spTree>
     <p:extLst>
       <p:ext uri="{BB962C8B-B14F-4D97-AF65-F5344CB8AC3E}">
-        <p14:creationId xmlns:p14="http://schemas.microsoft.com/office/powerpoint/2010/main" val="600923650"/>
+        <p14:creationId xmlns:p14="http://schemas.microsoft.com/office/powerpoint/2010/main" val="2668885111"/>
       </p:ext>
     </p:extLst>
   </p:cSld>
@@ -6745,33 +6757,83 @@
       </p:grpSpPr>
       <p:sp>
         <p:nvSpPr>
-          <p:cNvPr id="2" name="Titel 1">
-            <a:extLst>
-              <a:ext uri="{FF2B5EF4-FFF2-40B4-BE49-F238E27FC236}">
-                <a16:creationId xmlns:a16="http://schemas.microsoft.com/office/drawing/2014/main" id="{510A3E52-E997-4BF8-B89F-E27C0209F5A2}"/>
-              </a:ext>
-            </a:extLst>
-          </p:cNvPr>
-          <p:cNvSpPr>
-            <a:spLocks noGrp="1"/>
-          </p:cNvSpPr>
-          <p:nvPr>
-            <p:ph type="ctrTitle"/>
-          </p:nvPr>
-        </p:nvSpPr>
-        <p:spPr>
-          <a:xfrm>
-            <a:off x="1524000" y="1122363"/>
-            <a:ext cx="9144000" cy="2387600"/>
-          </a:xfrm>
-        </p:spPr>
+          <p:cNvPr id="4" name="Titel 3">
+            <a:extLst>
+              <a:ext uri="{FF2B5EF4-FFF2-40B4-BE49-F238E27FC236}">
+                <a16:creationId xmlns:a16="http://schemas.microsoft.com/office/drawing/2014/main" id="{87AC8795-F72E-4F53-BACC-C551C2D8316A}"/>
+              </a:ext>
+            </a:extLst>
+          </p:cNvPr>
+          <p:cNvSpPr>
+            <a:spLocks noGrp="1"/>
+          </p:cNvSpPr>
+          <p:nvPr>
+            <p:ph type="title"/>
+          </p:nvPr>
+        </p:nvSpPr>
+        <p:spPr/>
         <p:txBody>
           <a:bodyPr/>
           <a:lstStyle/>
           <a:p>
             <a:r>
               <a:rPr lang="de-DE" dirty="0"/>
-              <a:t>Live-Preview</a:t>
+              <a:t>Fazit</a:t>
+            </a:r>
+          </a:p>
+        </p:txBody>
+      </p:sp>
+      <p:sp>
+        <p:nvSpPr>
+          <p:cNvPr id="6" name="Inhaltsplatzhalter 5">
+            <a:extLst>
+              <a:ext uri="{FF2B5EF4-FFF2-40B4-BE49-F238E27FC236}">
+                <a16:creationId xmlns:a16="http://schemas.microsoft.com/office/drawing/2014/main" id="{37D42437-95F7-4C64-81D1-F82571A32530}"/>
+              </a:ext>
+            </a:extLst>
+          </p:cNvPr>
+          <p:cNvSpPr>
+            <a:spLocks noGrp="1"/>
+          </p:cNvSpPr>
+          <p:nvPr>
+            <p:ph idx="1"/>
+          </p:nvPr>
+        </p:nvSpPr>
+        <p:spPr/>
+        <p:txBody>
+          <a:bodyPr/>
+          <a:lstStyle/>
+          <a:p>
+            <a:pPr>
+              <a:lnSpc>
+                <a:spcPct val="150000"/>
+              </a:lnSpc>
+            </a:pPr>
+            <a:r>
+              <a:rPr lang="de-DE" dirty="0"/>
+              <a:t>Besseren Überblick über mögliche Technologien schaffen</a:t>
+            </a:r>
+          </a:p>
+          <a:p>
+            <a:pPr>
+              <a:lnSpc>
+                <a:spcPct val="150000"/>
+              </a:lnSpc>
+            </a:pPr>
+            <a:r>
+              <a:rPr lang="de-DE" dirty="0"/>
+              <a:t>Schlechtes Zeitmanagement</a:t>
+            </a:r>
+          </a:p>
+          <a:p>
+            <a:pPr>
+              <a:lnSpc>
+                <a:spcPct val="150000"/>
+              </a:lnSpc>
+            </a:pPr>
+            <a:r>
+              <a:rPr lang="de-DE" dirty="0"/>
+              <a:t>Spaß obwohl Stress</a:t>
             </a:r>
           </a:p>
         </p:txBody>
@@ -6887,7 +6949,7 @@
     </p:spTree>
     <p:extLst>
       <p:ext uri="{BB962C8B-B14F-4D97-AF65-F5344CB8AC3E}">
-        <p14:creationId xmlns:p14="http://schemas.microsoft.com/office/powerpoint/2010/main" val="2564754891"/>
+        <p14:creationId xmlns:p14="http://schemas.microsoft.com/office/powerpoint/2010/main" val="600923650"/>
       </p:ext>
     </p:extLst>
   </p:cSld>
@@ -6933,7 +6995,12 @@
             <p:ph type="title"/>
           </p:nvPr>
         </p:nvSpPr>
-        <p:spPr/>
+        <p:spPr>
+          <a:xfrm>
+            <a:off x="838200" y="365125"/>
+            <a:ext cx="10515600" cy="1227339"/>
+          </a:xfrm>
+        </p:spPr>
         <p:txBody>
           <a:bodyPr/>
           <a:lstStyle/>
@@ -6961,7 +7028,12 @@
             <p:ph idx="1"/>
           </p:nvPr>
         </p:nvSpPr>
-        <p:spPr/>
+        <p:spPr>
+          <a:xfrm>
+            <a:off x="838200" y="1592464"/>
+            <a:ext cx="10515600" cy="4584499"/>
+          </a:xfrm>
+        </p:spPr>
         <p:txBody>
           <a:bodyPr>
             <a:normAutofit/>
@@ -6970,7 +7042,7 @@
           <a:p>
             <a:r>
               <a:rPr lang="de-DE" dirty="0"/>
-              <a:t>Rückblick und Entwicklung</a:t>
+              <a:t>Vorstellung</a:t>
             </a:r>
           </a:p>
           <a:p>
@@ -6989,6 +7061,12 @@
             <a:r>
               <a:rPr lang="de-DE" dirty="0"/>
               <a:t>Bewertung des Projektmanagements</a:t>
+            </a:r>
+          </a:p>
+          <a:p>
+            <a:r>
+              <a:rPr lang="de-DE" dirty="0"/>
+              <a:t>Fazit</a:t>
             </a:r>
           </a:p>
           <a:p>
@@ -7117,6 +7195,180 @@
     <p:extLst>
       <p:ext uri="{BB962C8B-B14F-4D97-AF65-F5344CB8AC3E}">
         <p14:creationId xmlns:p14="http://schemas.microsoft.com/office/powerpoint/2010/main" val="1034265190"/>
+      </p:ext>
+    </p:extLst>
+  </p:cSld>
+  <p:clrMapOvr>
+    <a:masterClrMapping/>
+  </p:clrMapOvr>
+  <p:transition spd="slow">
+    <p:push dir="u"/>
+  </p:transition>
+</p:sld>
+</file>
+
+<file path=ppt/slides/slide20.xml><?xml version="1.0" encoding="utf-8"?>
+<p:sld xmlns:a="http://schemas.openxmlformats.org/drawingml/2006/main" xmlns:r="http://schemas.openxmlformats.org/officeDocument/2006/relationships" xmlns:p="http://schemas.openxmlformats.org/presentationml/2006/main">
+  <p:cSld>
+    <p:spTree>
+      <p:nvGrpSpPr>
+        <p:cNvPr id="1" name=""/>
+        <p:cNvGrpSpPr/>
+        <p:nvPr/>
+      </p:nvGrpSpPr>
+      <p:grpSpPr>
+        <a:xfrm>
+          <a:off x="0" y="0"/>
+          <a:ext cx="0" cy="0"/>
+          <a:chOff x="0" y="0"/>
+          <a:chExt cx="0" cy="0"/>
+        </a:xfrm>
+      </p:grpSpPr>
+      <p:sp>
+        <p:nvSpPr>
+          <p:cNvPr id="2" name="Titel 1">
+            <a:extLst>
+              <a:ext uri="{FF2B5EF4-FFF2-40B4-BE49-F238E27FC236}">
+                <a16:creationId xmlns:a16="http://schemas.microsoft.com/office/drawing/2014/main" id="{510A3E52-E997-4BF8-B89F-E27C0209F5A2}"/>
+              </a:ext>
+            </a:extLst>
+          </p:cNvPr>
+          <p:cNvSpPr>
+            <a:spLocks noGrp="1"/>
+          </p:cNvSpPr>
+          <p:nvPr>
+            <p:ph type="ctrTitle"/>
+          </p:nvPr>
+        </p:nvSpPr>
+        <p:spPr>
+          <a:xfrm>
+            <a:off x="1524000" y="1122363"/>
+            <a:ext cx="9144000" cy="2387600"/>
+          </a:xfrm>
+        </p:spPr>
+        <p:txBody>
+          <a:bodyPr/>
+          <a:lstStyle/>
+          <a:p>
+            <a:r>
+              <a:rPr lang="de-DE" dirty="0"/>
+              <a:t>Live-Preview</a:t>
+            </a:r>
+          </a:p>
+        </p:txBody>
+      </p:sp>
+      <p:pic>
+        <p:nvPicPr>
+          <p:cNvPr id="5" name="Grafik 4">
+            <a:extLst>
+              <a:ext uri="{FF2B5EF4-FFF2-40B4-BE49-F238E27FC236}">
+                <a16:creationId xmlns:a16="http://schemas.microsoft.com/office/drawing/2014/main" id="{B7E16C27-D378-4829-A890-B1E9782FCB2F}"/>
+              </a:ext>
+            </a:extLst>
+          </p:cNvPr>
+          <p:cNvPicPr>
+            <a:picLocks noChangeAspect="1"/>
+          </p:cNvPicPr>
+          <p:nvPr/>
+        </p:nvPicPr>
+        <p:blipFill>
+          <a:blip r:embed="rId2">
+            <a:extLst>
+              <a:ext uri="{28A0092B-C50C-407E-A947-70E740481C1C}">
+                <a14:useLocalDpi xmlns:a14="http://schemas.microsoft.com/office/drawing/2010/main" val="0"/>
+              </a:ext>
+            </a:extLst>
+          </a:blip>
+          <a:stretch>
+            <a:fillRect/>
+          </a:stretch>
+        </p:blipFill>
+        <p:spPr>
+          <a:xfrm>
+            <a:off x="0" y="0"/>
+            <a:ext cx="17967158" cy="533400"/>
+          </a:xfrm>
+          <a:prstGeom prst="rect">
+            <a:avLst/>
+          </a:prstGeom>
+        </p:spPr>
+      </p:pic>
+      <p:pic>
+        <p:nvPicPr>
+          <p:cNvPr id="7" name="Grafik 6">
+            <a:extLst>
+              <a:ext uri="{FF2B5EF4-FFF2-40B4-BE49-F238E27FC236}">
+                <a16:creationId xmlns:a16="http://schemas.microsoft.com/office/drawing/2014/main" id="{D69E3AB2-FDF1-4CE2-9130-48554F747CE8}"/>
+              </a:ext>
+            </a:extLst>
+          </p:cNvPr>
+          <p:cNvPicPr>
+            <a:picLocks noChangeAspect="1"/>
+          </p:cNvPicPr>
+          <p:nvPr/>
+        </p:nvPicPr>
+        <p:blipFill>
+          <a:blip r:embed="rId3">
+            <a:extLst>
+              <a:ext uri="{28A0092B-C50C-407E-A947-70E740481C1C}">
+                <a14:useLocalDpi xmlns:a14="http://schemas.microsoft.com/office/drawing/2010/main" val="0"/>
+              </a:ext>
+            </a:extLst>
+          </a:blip>
+          <a:stretch>
+            <a:fillRect/>
+          </a:stretch>
+        </p:blipFill>
+        <p:spPr>
+          <a:xfrm>
+            <a:off x="-5202027" y="5962249"/>
+            <a:ext cx="17394027" cy="895751"/>
+          </a:xfrm>
+          <a:prstGeom prst="rect">
+            <a:avLst/>
+          </a:prstGeom>
+        </p:spPr>
+      </p:pic>
+      <p:pic>
+        <p:nvPicPr>
+          <p:cNvPr id="13" name="Grafik 12">
+            <a:extLst>
+              <a:ext uri="{FF2B5EF4-FFF2-40B4-BE49-F238E27FC236}">
+                <a16:creationId xmlns:a16="http://schemas.microsoft.com/office/drawing/2014/main" id="{3F15EF38-607C-4029-BB9B-6A63B2AFF21A}"/>
+              </a:ext>
+            </a:extLst>
+          </p:cNvPr>
+          <p:cNvPicPr>
+            <a:picLocks noChangeAspect="1"/>
+          </p:cNvPicPr>
+          <p:nvPr/>
+        </p:nvPicPr>
+        <p:blipFill>
+          <a:blip r:embed="rId4">
+            <a:extLst>
+              <a:ext uri="{28A0092B-C50C-407E-A947-70E740481C1C}">
+                <a14:useLocalDpi xmlns:a14="http://schemas.microsoft.com/office/drawing/2010/main" val="0"/>
+              </a:ext>
+            </a:extLst>
+          </a:blip>
+          <a:stretch>
+            <a:fillRect/>
+          </a:stretch>
+        </p:blipFill>
+        <p:spPr>
+          <a:xfrm>
+            <a:off x="1247555" y="6410124"/>
+            <a:ext cx="4738488" cy="358976"/>
+          </a:xfrm>
+          <a:prstGeom prst="rect">
+            <a:avLst/>
+          </a:prstGeom>
+        </p:spPr>
+      </p:pic>
+    </p:spTree>
+    <p:extLst>
+      <p:ext uri="{BB962C8B-B14F-4D97-AF65-F5344CB8AC3E}">
+        <p14:creationId xmlns:p14="http://schemas.microsoft.com/office/powerpoint/2010/main" val="2564754891"/>
       </p:ext>
     </p:extLst>
   </p:cSld>
@@ -7174,7 +7426,7 @@
           <a:p>
             <a:r>
               <a:rPr lang="de-DE" dirty="0"/>
-              <a:t>Rückblick und Entwicklung</a:t>
+              <a:t>Vorstellung</a:t>
             </a:r>
           </a:p>
         </p:txBody>
@@ -7376,27 +7628,36 @@
           </a:bodyPr>
           <a:lstStyle/>
           <a:p>
+            <a:pPr>
+              <a:lnSpc>
+                <a:spcPct val="150000"/>
+              </a:lnSpc>
+            </a:pPr>
             <a:r>
               <a:rPr lang="de-DE" dirty="0"/>
               <a:t>Plattform für Studenten schaffen</a:t>
             </a:r>
           </a:p>
           <a:p>
+            <a:pPr>
+              <a:lnSpc>
+                <a:spcPct val="150000"/>
+              </a:lnSpc>
+            </a:pPr>
             <a:r>
               <a:rPr lang="de-DE" dirty="0"/>
-              <a:t>Lernhilfe</a:t>
-            </a:r>
-          </a:p>
-          <a:p>
+              <a:t>Gegenseitige Lernhilfe</a:t>
+            </a:r>
+          </a:p>
+          <a:p>
+            <a:pPr>
+              <a:lnSpc>
+                <a:spcPct val="150000"/>
+              </a:lnSpc>
+            </a:pPr>
             <a:r>
               <a:rPr lang="de-DE" dirty="0"/>
-              <a:t>Gegenseitigkeitsprinzip</a:t>
-            </a:r>
-          </a:p>
-          <a:p>
-            <a:r>
-              <a:rPr lang="de-DE" dirty="0"/>
-              <a:t>Kostenlose Registrierung  </a:t>
+              <a:t>Kostenlose und einfache Bedienung</a:t>
             </a:r>
           </a:p>
         </p:txBody>
@@ -7544,83 +7805,33 @@
       </p:grpSpPr>
       <p:sp>
         <p:nvSpPr>
-          <p:cNvPr id="4" name="Titel 3">
-            <a:extLst>
-              <a:ext uri="{FF2B5EF4-FFF2-40B4-BE49-F238E27FC236}">
-                <a16:creationId xmlns:a16="http://schemas.microsoft.com/office/drawing/2014/main" id="{87AC8795-F72E-4F53-BACC-C551C2D8316A}"/>
-              </a:ext>
-            </a:extLst>
-          </p:cNvPr>
-          <p:cNvSpPr>
-            <a:spLocks noGrp="1"/>
-          </p:cNvSpPr>
-          <p:nvPr>
-            <p:ph type="title"/>
-          </p:nvPr>
-        </p:nvSpPr>
-        <p:spPr/>
+          <p:cNvPr id="2" name="Titel 1">
+            <a:extLst>
+              <a:ext uri="{FF2B5EF4-FFF2-40B4-BE49-F238E27FC236}">
+                <a16:creationId xmlns:a16="http://schemas.microsoft.com/office/drawing/2014/main" id="{510A3E52-E997-4BF8-B89F-E27C0209F5A2}"/>
+              </a:ext>
+            </a:extLst>
+          </p:cNvPr>
+          <p:cNvSpPr>
+            <a:spLocks noGrp="1"/>
+          </p:cNvSpPr>
+          <p:nvPr>
+            <p:ph type="ctrTitle"/>
+          </p:nvPr>
+        </p:nvSpPr>
+        <p:spPr>
+          <a:xfrm>
+            <a:off x="1524000" y="1122363"/>
+            <a:ext cx="9144000" cy="2387600"/>
+          </a:xfrm>
+        </p:spPr>
         <p:txBody>
           <a:bodyPr/>
           <a:lstStyle/>
           <a:p>
             <a:r>
               <a:rPr lang="de-DE" dirty="0"/>
-              <a:t>User-Stories</a:t>
-            </a:r>
-          </a:p>
-        </p:txBody>
-      </p:sp>
-      <p:sp>
-        <p:nvSpPr>
-          <p:cNvPr id="6" name="Inhaltsplatzhalter 5">
-            <a:extLst>
-              <a:ext uri="{FF2B5EF4-FFF2-40B4-BE49-F238E27FC236}">
-                <a16:creationId xmlns:a16="http://schemas.microsoft.com/office/drawing/2014/main" id="{37D42437-95F7-4C64-81D1-F82571A32530}"/>
-              </a:ext>
-            </a:extLst>
-          </p:cNvPr>
-          <p:cNvSpPr>
-            <a:spLocks noGrp="1"/>
-          </p:cNvSpPr>
-          <p:nvPr>
-            <p:ph idx="1"/>
-          </p:nvPr>
-        </p:nvSpPr>
-        <p:spPr/>
-        <p:txBody>
-          <a:bodyPr/>
-          <a:lstStyle/>
-          <a:p>
-            <a:pPr marL="0" indent="0">
-              <a:buNone/>
-            </a:pPr>
-            <a:endParaRPr lang="de-DE" dirty="0"/>
-          </a:p>
-          <a:p>
-            <a:r>
-              <a:rPr lang="de-DE" dirty="0"/>
-              <a:t>Eingeloggter User </a:t>
-            </a:r>
-          </a:p>
-          <a:p>
-            <a:pPr lvl="1"/>
-            <a:r>
-              <a:rPr lang="de-DE" dirty="0"/>
-              <a:t>Voller Zugriff auf zustehenden Funktionalitäten</a:t>
-            </a:r>
-          </a:p>
-          <a:p>
-            <a:pPr lvl="1"/>
-            <a:r>
-              <a:rPr lang="de-DE" dirty="0"/>
-              <a:t>Aufgaben runterladen, hochladen, bewerten, Freunde hinzufügen, Lerngruppen beitreten</a:t>
-            </a:r>
-          </a:p>
-          <a:p>
-            <a:pPr lvl="1"/>
-            <a:r>
-              <a:rPr lang="de-DE" dirty="0"/>
-              <a:t>Vorbereitung auf Uni-Stoff</a:t>
+              <a:t>Technisches Konzept</a:t>
             </a:r>
           </a:p>
         </p:txBody>
@@ -7736,7 +7947,7 @@
     </p:spTree>
     <p:extLst>
       <p:ext uri="{BB962C8B-B14F-4D97-AF65-F5344CB8AC3E}">
-        <p14:creationId xmlns:p14="http://schemas.microsoft.com/office/powerpoint/2010/main" val="1723767227"/>
+        <p14:creationId xmlns:p14="http://schemas.microsoft.com/office/powerpoint/2010/main" val="401846387"/>
       </p:ext>
     </p:extLst>
   </p:cSld>
@@ -7789,7 +8000,7 @@
           <a:p>
             <a:r>
               <a:rPr lang="de-DE" dirty="0"/>
-              <a:t>Ablauf</a:t>
+              <a:t>Eingesetzte Technologien</a:t>
             </a:r>
           </a:p>
         </p:txBody>
@@ -7817,40 +8028,63 @@
           <a:p>
             <a:r>
               <a:rPr lang="de-DE" dirty="0"/>
-              <a:t>Registrieren</a:t>
-            </a:r>
-          </a:p>
-          <a:p>
+              <a:t>Programmiersprachen</a:t>
+            </a:r>
+          </a:p>
+          <a:p>
+            <a:pPr lvl="1">
+              <a:lnSpc>
+                <a:spcPts val="3600"/>
+              </a:lnSpc>
+            </a:pPr>
             <a:r>
               <a:rPr lang="de-DE" dirty="0"/>
-              <a:t>Einloggen</a:t>
-            </a:r>
-          </a:p>
-          <a:p>
+              <a:t>HTML</a:t>
+            </a:r>
+          </a:p>
+          <a:p>
+            <a:pPr lvl="1">
+              <a:lnSpc>
+                <a:spcPts val="3600"/>
+              </a:lnSpc>
+            </a:pPr>
             <a:r>
               <a:rPr lang="de-DE" dirty="0"/>
-              <a:t>Voller Umfang der Website</a:t>
-            </a:r>
-          </a:p>
-          <a:p>
-            <a:pPr lvl="1"/>
+              <a:t>CSS</a:t>
+            </a:r>
+          </a:p>
+          <a:p>
+            <a:pPr lvl="1">
+              <a:lnSpc>
+                <a:spcPts val="3600"/>
+              </a:lnSpc>
+            </a:pPr>
             <a:r>
               <a:rPr lang="de-DE" dirty="0"/>
-              <a:t>Anzeige schreiben</a:t>
-            </a:r>
-          </a:p>
-          <a:p>
-            <a:pPr lvl="1"/>
+              <a:t>JavaScript</a:t>
+            </a:r>
+          </a:p>
+          <a:p>
+            <a:pPr lvl="1">
+              <a:lnSpc>
+                <a:spcPts val="3600"/>
+              </a:lnSpc>
+            </a:pPr>
+            <a:r>
+              <a:rPr lang="de-DE" dirty="0" err="1"/>
+              <a:t>MySQLi</a:t>
+            </a:r>
+            <a:endParaRPr lang="de-DE" dirty="0"/>
+          </a:p>
+          <a:p>
+            <a:pPr lvl="1">
+              <a:lnSpc>
+                <a:spcPts val="3600"/>
+              </a:lnSpc>
+            </a:pPr>
             <a:r>
               <a:rPr lang="de-DE" dirty="0"/>
-              <a:t>Kurse beitreten</a:t>
-            </a:r>
-          </a:p>
-          <a:p>
-            <a:pPr lvl="1"/>
-            <a:r>
-              <a:rPr lang="de-DE" dirty="0"/>
-              <a:t>Etc.</a:t>
+              <a:t>PHP</a:t>
             </a:r>
           </a:p>
           <a:p>
@@ -7858,18 +8092,7 @@
             <a:endParaRPr lang="de-DE" dirty="0"/>
           </a:p>
           <a:p>
-            <a:r>
-              <a:rPr lang="de-DE" dirty="0"/>
-              <a:t>Kurs beitreten um Aufgaben zu bearbeiten</a:t>
-            </a:r>
-          </a:p>
-          <a:p>
-            <a:pPr marL="0" indent="0">
-              <a:buNone/>
-            </a:pPr>
-            <a:endParaRPr lang="de-DE" dirty="0"/>
-          </a:p>
-          <a:p>
+            <a:pPr lvl="1"/>
             <a:endParaRPr lang="de-DE" dirty="0"/>
           </a:p>
         </p:txBody>
@@ -7985,7 +8208,7 @@
     </p:spTree>
     <p:extLst>
       <p:ext uri="{BB962C8B-B14F-4D97-AF65-F5344CB8AC3E}">
-        <p14:creationId xmlns:p14="http://schemas.microsoft.com/office/powerpoint/2010/main" val="3707012368"/>
+        <p14:creationId xmlns:p14="http://schemas.microsoft.com/office/powerpoint/2010/main" val="3771245236"/>
       </p:ext>
     </p:extLst>
   </p:cSld>
@@ -8038,7 +8261,7 @@
           <a:p>
             <a:r>
               <a:rPr lang="de-DE" dirty="0"/>
-              <a:t>Entwicklung der Website</a:t>
+              <a:t>Eingesetzte Technologien</a:t>
             </a:r>
           </a:p>
         </p:txBody>
@@ -8066,68 +8289,52 @@
           <a:p>
             <a:r>
               <a:rPr lang="de-DE" dirty="0"/>
-              <a:t>Neue Grundfarben</a:t>
-            </a:r>
-          </a:p>
-          <a:p>
-            <a:pPr lvl="1"/>
+              <a:t>Programmierung</a:t>
+            </a:r>
+          </a:p>
+          <a:p>
+            <a:pPr lvl="1">
+              <a:lnSpc>
+                <a:spcPts val="3600"/>
+              </a:lnSpc>
+            </a:pPr>
             <a:r>
               <a:rPr lang="de-DE" dirty="0"/>
-              <a:t>Vorher: Türkis, dunkel Rot</a:t>
-            </a:r>
-          </a:p>
-          <a:p>
-            <a:pPr lvl="1"/>
+              <a:t>Brackets</a:t>
+            </a:r>
+          </a:p>
+          <a:p>
+            <a:pPr lvl="1">
+              <a:lnSpc>
+                <a:spcPts val="3600"/>
+              </a:lnSpc>
+            </a:pPr>
             <a:r>
               <a:rPr lang="de-DE" dirty="0"/>
-              <a:t>Jetzt: Orange, Grün, Schwarz</a:t>
-            </a:r>
-          </a:p>
-          <a:p>
-            <a:pPr lvl="1"/>
-            <a:endParaRPr lang="de-DE" dirty="0"/>
-          </a:p>
-          <a:p>
+              <a:t>Notepad</a:t>
+            </a:r>
+          </a:p>
+          <a:p>
+            <a:pPr lvl="1">
+              <a:lnSpc>
+                <a:spcPts val="3600"/>
+              </a:lnSpc>
+            </a:pPr>
             <a:r>
               <a:rPr lang="de-DE" dirty="0"/>
-              <a:t>Neues Logo</a:t>
-            </a:r>
-          </a:p>
-          <a:p>
-            <a:pPr lvl="1"/>
-            <a:r>
-              <a:rPr lang="de-DE" dirty="0"/>
-              <a:t>Altes Logo wurde als unpassend empfunden</a:t>
-            </a:r>
-          </a:p>
-          <a:p>
-            <a:pPr lvl="1"/>
-            <a:r>
-              <a:rPr lang="de-DE" dirty="0"/>
-              <a:t>Neues Logo einfach und „Eleganter“</a:t>
-            </a:r>
-          </a:p>
-          <a:p>
-            <a:pPr marL="457200" lvl="1" indent="0">
-              <a:buNone/>
+              <a:t>phpMyAdmin</a:t>
+            </a:r>
+          </a:p>
+          <a:p>
+            <a:pPr lvl="1">
+              <a:lnSpc>
+                <a:spcPts val="3600"/>
+              </a:lnSpc>
             </a:pPr>
-            <a:endParaRPr lang="de-DE" dirty="0"/>
-          </a:p>
-          <a:p>
-            <a:pPr marL="0" indent="0">
-              <a:buNone/>
-            </a:pPr>
-            <a:endParaRPr lang="de-DE" dirty="0"/>
-          </a:p>
-          <a:p>
-            <a:pPr lvl="2"/>
-            <a:endParaRPr lang="de-DE" dirty="0"/>
-          </a:p>
-          <a:p>
-            <a:pPr lvl="2"/>
-            <a:endParaRPr lang="de-DE" dirty="0"/>
-          </a:p>
-          <a:p>
+            <a:r>
+              <a:rPr lang="de-DE" dirty="0" err="1"/>
+              <a:t>Beautify</a:t>
+            </a:r>
             <a:endParaRPr lang="de-DE" dirty="0"/>
           </a:p>
         </p:txBody>
@@ -8243,7 +8450,7 @@
     </p:spTree>
     <p:extLst>
       <p:ext uri="{BB962C8B-B14F-4D97-AF65-F5344CB8AC3E}">
-        <p14:creationId xmlns:p14="http://schemas.microsoft.com/office/powerpoint/2010/main" val="4199194477"/>
+        <p14:creationId xmlns:p14="http://schemas.microsoft.com/office/powerpoint/2010/main" val="1122238125"/>
       </p:ext>
     </p:extLst>
   </p:cSld>
@@ -8275,33 +8482,112 @@
       </p:grpSpPr>
       <p:sp>
         <p:nvSpPr>
-          <p:cNvPr id="2" name="Titel 1">
-            <a:extLst>
-              <a:ext uri="{FF2B5EF4-FFF2-40B4-BE49-F238E27FC236}">
-                <a16:creationId xmlns:a16="http://schemas.microsoft.com/office/drawing/2014/main" id="{510A3E52-E997-4BF8-B89F-E27C0209F5A2}"/>
-              </a:ext>
-            </a:extLst>
-          </p:cNvPr>
-          <p:cNvSpPr>
-            <a:spLocks noGrp="1"/>
-          </p:cNvSpPr>
-          <p:nvPr>
-            <p:ph type="ctrTitle"/>
-          </p:nvPr>
-        </p:nvSpPr>
-        <p:spPr>
-          <a:xfrm>
-            <a:off x="1524000" y="1122363"/>
-            <a:ext cx="9144000" cy="2387600"/>
-          </a:xfrm>
-        </p:spPr>
+          <p:cNvPr id="4" name="Titel 3">
+            <a:extLst>
+              <a:ext uri="{FF2B5EF4-FFF2-40B4-BE49-F238E27FC236}">
+                <a16:creationId xmlns:a16="http://schemas.microsoft.com/office/drawing/2014/main" id="{87AC8795-F72E-4F53-BACC-C551C2D8316A}"/>
+              </a:ext>
+            </a:extLst>
+          </p:cNvPr>
+          <p:cNvSpPr>
+            <a:spLocks noGrp="1"/>
+          </p:cNvSpPr>
+          <p:nvPr>
+            <p:ph type="title"/>
+          </p:nvPr>
+        </p:nvSpPr>
+        <p:spPr/>
         <p:txBody>
           <a:bodyPr/>
           <a:lstStyle/>
           <a:p>
             <a:r>
               <a:rPr lang="de-DE" dirty="0"/>
-              <a:t>Technisches Konzept</a:t>
+              <a:t>Eingesetzte Technologien</a:t>
+            </a:r>
+          </a:p>
+        </p:txBody>
+      </p:sp>
+      <p:sp>
+        <p:nvSpPr>
+          <p:cNvPr id="6" name="Inhaltsplatzhalter 5">
+            <a:extLst>
+              <a:ext uri="{FF2B5EF4-FFF2-40B4-BE49-F238E27FC236}">
+                <a16:creationId xmlns:a16="http://schemas.microsoft.com/office/drawing/2014/main" id="{37D42437-95F7-4C64-81D1-F82571A32530}"/>
+              </a:ext>
+            </a:extLst>
+          </p:cNvPr>
+          <p:cNvSpPr>
+            <a:spLocks noGrp="1"/>
+          </p:cNvSpPr>
+          <p:nvPr>
+            <p:ph idx="1"/>
+          </p:nvPr>
+        </p:nvSpPr>
+        <p:spPr/>
+        <p:txBody>
+          <a:bodyPr/>
+          <a:lstStyle/>
+          <a:p>
+            <a:r>
+              <a:rPr lang="de-DE" dirty="0"/>
+              <a:t>Kommunikation und Verwaltung</a:t>
+            </a:r>
+          </a:p>
+          <a:p>
+            <a:pPr lvl="1">
+              <a:lnSpc>
+                <a:spcPts val="3000"/>
+              </a:lnSpc>
+            </a:pPr>
+            <a:r>
+              <a:rPr lang="de-DE" dirty="0"/>
+              <a:t>GitHub</a:t>
+            </a:r>
+          </a:p>
+          <a:p>
+            <a:pPr lvl="1">
+              <a:lnSpc>
+                <a:spcPts val="3000"/>
+              </a:lnSpc>
+            </a:pPr>
+            <a:r>
+              <a:rPr lang="de-DE" dirty="0"/>
+              <a:t>TeamSpeak</a:t>
+            </a:r>
+          </a:p>
+          <a:p>
+            <a:pPr lvl="1">
+              <a:lnSpc>
+                <a:spcPts val="3000"/>
+              </a:lnSpc>
+            </a:pPr>
+            <a:r>
+              <a:rPr lang="de-DE" dirty="0"/>
+              <a:t>WhatsApp</a:t>
+            </a:r>
+          </a:p>
+          <a:p>
+            <a:pPr lvl="1">
+              <a:lnSpc>
+                <a:spcPts val="3000"/>
+              </a:lnSpc>
+            </a:pPr>
+            <a:r>
+              <a:rPr lang="de-DE" dirty="0" err="1"/>
+              <a:t>Gyazo</a:t>
+            </a:r>
+            <a:endParaRPr lang="de-DE" dirty="0"/>
+          </a:p>
+          <a:p>
+            <a:pPr lvl="1">
+              <a:lnSpc>
+                <a:spcPts val="3000"/>
+              </a:lnSpc>
+            </a:pPr>
+            <a:r>
+              <a:rPr lang="de-DE" dirty="0"/>
+              <a:t>TeamViewer</a:t>
             </a:r>
           </a:p>
         </p:txBody>
@@ -8417,7 +8703,7 @@
     </p:spTree>
     <p:extLst>
       <p:ext uri="{BB962C8B-B14F-4D97-AF65-F5344CB8AC3E}">
-        <p14:creationId xmlns:p14="http://schemas.microsoft.com/office/powerpoint/2010/main" val="401846387"/>
+        <p14:creationId xmlns:p14="http://schemas.microsoft.com/office/powerpoint/2010/main" val="392705531"/>
       </p:ext>
     </p:extLst>
   </p:cSld>
@@ -8449,105 +8735,34 @@
       </p:grpSpPr>
       <p:sp>
         <p:nvSpPr>
-          <p:cNvPr id="4" name="Titel 3">
-            <a:extLst>
-              <a:ext uri="{FF2B5EF4-FFF2-40B4-BE49-F238E27FC236}">
-                <a16:creationId xmlns:a16="http://schemas.microsoft.com/office/drawing/2014/main" id="{87AC8795-F72E-4F53-BACC-C551C2D8316A}"/>
-              </a:ext>
-            </a:extLst>
-          </p:cNvPr>
-          <p:cNvSpPr>
-            <a:spLocks noGrp="1"/>
-          </p:cNvSpPr>
-          <p:nvPr>
-            <p:ph type="title"/>
-          </p:nvPr>
-        </p:nvSpPr>
-        <p:spPr/>
+          <p:cNvPr id="2" name="Titel 1">
+            <a:extLst>
+              <a:ext uri="{FF2B5EF4-FFF2-40B4-BE49-F238E27FC236}">
+                <a16:creationId xmlns:a16="http://schemas.microsoft.com/office/drawing/2014/main" id="{510A3E52-E997-4BF8-B89F-E27C0209F5A2}"/>
+              </a:ext>
+            </a:extLst>
+          </p:cNvPr>
+          <p:cNvSpPr>
+            <a:spLocks noGrp="1"/>
+          </p:cNvSpPr>
+          <p:nvPr>
+            <p:ph type="ctrTitle"/>
+          </p:nvPr>
+        </p:nvSpPr>
+        <p:spPr>
+          <a:xfrm>
+            <a:off x="1524000" y="1122363"/>
+            <a:ext cx="9144000" cy="2387600"/>
+          </a:xfrm>
+        </p:spPr>
         <p:txBody>
           <a:bodyPr/>
           <a:lstStyle/>
           <a:p>
             <a:r>
               <a:rPr lang="de-DE" dirty="0"/>
-              <a:t>Eingesetzte Technologien</a:t>
-            </a:r>
-          </a:p>
-        </p:txBody>
-      </p:sp>
-      <p:sp>
-        <p:nvSpPr>
-          <p:cNvPr id="6" name="Inhaltsplatzhalter 5">
-            <a:extLst>
-              <a:ext uri="{FF2B5EF4-FFF2-40B4-BE49-F238E27FC236}">
-                <a16:creationId xmlns:a16="http://schemas.microsoft.com/office/drawing/2014/main" id="{37D42437-95F7-4C64-81D1-F82571A32530}"/>
-              </a:ext>
-            </a:extLst>
-          </p:cNvPr>
-          <p:cNvSpPr>
-            <a:spLocks noGrp="1"/>
-          </p:cNvSpPr>
-          <p:nvPr>
-            <p:ph idx="1"/>
-          </p:nvPr>
-        </p:nvSpPr>
-        <p:spPr/>
-        <p:txBody>
-          <a:bodyPr/>
-          <a:lstStyle/>
-          <a:p>
-            <a:r>
-              <a:rPr lang="de-DE" dirty="0"/>
-              <a:t>Programmiersprachen</a:t>
-            </a:r>
-          </a:p>
-          <a:p>
-            <a:pPr lvl="1"/>
-            <a:r>
-              <a:rPr lang="de-DE" dirty="0"/>
-              <a:t>HTML</a:t>
-            </a:r>
-          </a:p>
-          <a:p>
-            <a:pPr lvl="1"/>
-            <a:r>
-              <a:rPr lang="de-DE" dirty="0"/>
-              <a:t>CSS</a:t>
-            </a:r>
-          </a:p>
-          <a:p>
-            <a:pPr lvl="1"/>
-            <a:r>
-              <a:rPr lang="de-DE" dirty="0"/>
-              <a:t>JavaScript</a:t>
-            </a:r>
-          </a:p>
-          <a:p>
-            <a:pPr lvl="1"/>
-            <a:r>
-              <a:rPr lang="de-DE" dirty="0"/>
-              <a:t>SQL</a:t>
-            </a:r>
-          </a:p>
-          <a:p>
-            <a:pPr lvl="1"/>
-            <a:r>
-              <a:rPr lang="de-DE" dirty="0" err="1"/>
-              <a:t>Xampp</a:t>
-            </a:r>
-            <a:endParaRPr lang="de-DE" dirty="0"/>
-          </a:p>
-          <a:p>
-            <a:pPr lvl="1"/>
-            <a:endParaRPr lang="de-DE" dirty="0"/>
-          </a:p>
-          <a:p>
-            <a:pPr lvl="1"/>
-            <a:endParaRPr lang="de-DE" dirty="0"/>
-          </a:p>
-          <a:p>
-            <a:pPr lvl="1"/>
-            <a:endParaRPr lang="de-DE" dirty="0"/>
+              <a:t>Datenbanken und Server</a:t>
+            </a:r>
           </a:p>
         </p:txBody>
       </p:sp>
@@ -8662,7 +8877,7 @@
     </p:spTree>
     <p:extLst>
       <p:ext uri="{BB962C8B-B14F-4D97-AF65-F5344CB8AC3E}">
-        <p14:creationId xmlns:p14="http://schemas.microsoft.com/office/powerpoint/2010/main" val="3771245236"/>
+        <p14:creationId xmlns:p14="http://schemas.microsoft.com/office/powerpoint/2010/main" val="1453427599"/>
       </p:ext>
     </p:extLst>
   </p:cSld>
